--- a/doc/Final Presentation/Incremental_Unit_Testing-20160725-v3.pptx
+++ b/doc/Final Presentation/Incremental_Unit_Testing-20160725-v3.pptx
@@ -5,7 +5,7 @@
     <p:sldMasterId id="2147483648" r:id="rId1"/>
   </p:sldMasterIdLst>
   <p:notesMasterIdLst>
-    <p:notesMasterId r:id="rId34"/>
+    <p:notesMasterId r:id="rId33"/>
   </p:notesMasterIdLst>
   <p:sldIdLst>
     <p:sldId id="256" r:id="rId2"/>
@@ -21,25 +21,24 @@
     <p:sldId id="303" r:id="rId12"/>
     <p:sldId id="310" r:id="rId13"/>
     <p:sldId id="318" r:id="rId14"/>
-    <p:sldId id="317" r:id="rId15"/>
-    <p:sldId id="311" r:id="rId16"/>
-    <p:sldId id="319" r:id="rId17"/>
-    <p:sldId id="284" r:id="rId18"/>
-    <p:sldId id="273" r:id="rId19"/>
-    <p:sldId id="320" r:id="rId20"/>
-    <p:sldId id="277" r:id="rId21"/>
-    <p:sldId id="272" r:id="rId22"/>
-    <p:sldId id="313" r:id="rId23"/>
-    <p:sldId id="296" r:id="rId24"/>
-    <p:sldId id="275" r:id="rId25"/>
-    <p:sldId id="298" r:id="rId26"/>
-    <p:sldId id="314" r:id="rId27"/>
-    <p:sldId id="280" r:id="rId28"/>
-    <p:sldId id="315" r:id="rId29"/>
-    <p:sldId id="295" r:id="rId30"/>
-    <p:sldId id="321" r:id="rId31"/>
-    <p:sldId id="290" r:id="rId32"/>
-    <p:sldId id="281" r:id="rId33"/>
+    <p:sldId id="311" r:id="rId15"/>
+    <p:sldId id="319" r:id="rId16"/>
+    <p:sldId id="284" r:id="rId17"/>
+    <p:sldId id="273" r:id="rId18"/>
+    <p:sldId id="320" r:id="rId19"/>
+    <p:sldId id="277" r:id="rId20"/>
+    <p:sldId id="272" r:id="rId21"/>
+    <p:sldId id="313" r:id="rId22"/>
+    <p:sldId id="296" r:id="rId23"/>
+    <p:sldId id="275" r:id="rId24"/>
+    <p:sldId id="298" r:id="rId25"/>
+    <p:sldId id="314" r:id="rId26"/>
+    <p:sldId id="280" r:id="rId27"/>
+    <p:sldId id="315" r:id="rId28"/>
+    <p:sldId id="295" r:id="rId29"/>
+    <p:sldId id="321" r:id="rId30"/>
+    <p:sldId id="290" r:id="rId31"/>
+    <p:sldId id="281" r:id="rId32"/>
   </p:sldIdLst>
   <p:sldSz cx="9144000" cy="6858000" type="screen4x3"/>
   <p:notesSz cx="6858000" cy="9144000"/>
@@ -908,7 +907,7 @@
 <dgm:dataModel xmlns:dgm="http://schemas.openxmlformats.org/drawingml/2006/diagram" xmlns:a="http://schemas.openxmlformats.org/drawingml/2006/main">
   <dgm:ptLst>
     <dgm:pt modelId="{6100E763-C80C-E149-A072-F625910AD2D3}" type="doc">
-      <dgm:prSet loTypeId="urn:microsoft.com/office/officeart/2005/8/layout/hierarchy2" loCatId="hierarchy" qsTypeId="urn:microsoft.com/office/officeart/2005/8/quickstyle/simple3" qsCatId="simple" csTypeId="urn:microsoft.com/office/officeart/2005/8/colors/accent1_2" csCatId="accent1"/>
+      <dgm:prSet loTypeId="urn:microsoft.com/office/officeart/2005/8/layout/hierarchy2" loCatId="hierarchy" qsTypeId="urn:microsoft.com/office/officeart/2005/8/quickstyle/simple3" qsCatId="simple" csTypeId="urn:microsoft.com/office/officeart/2005/8/colors/accent1_2" csCatId="accent1" phldr="1"/>
       <dgm:spPr/>
       <dgm:t>
         <a:bodyPr/>
@@ -1284,24 +1283,32 @@
         <a:p>
           <a:pPr rtl="0"/>
           <a:r>
-            <a:rPr lang="en-US"/>
-            <a:t>any</a:t>
+            <a:rPr lang="en-US" altLang="zh-CN" dirty="0" smtClean="0"/>
+            <a:t>A</a:t>
           </a:r>
           <a:r>
-            <a:rPr lang="en-US" altLang="zh-CN"/>
+            <a:rPr lang="en-US" dirty="0" smtClean="0"/>
+            <a:t>ny</a:t>
+          </a:r>
+          <a:r>
+            <a:rPr lang="en-US" altLang="zh-CN" dirty="0" smtClean="0"/>
             <a:t> </a:t>
           </a:r>
           <a:r>
-            <a:rPr lang="en-US"/>
+            <a:rPr lang="en-US" dirty="0" smtClean="0"/>
             <a:t>change:</a:t>
           </a:r>
           <a:r>
-            <a:rPr lang="en-US" altLang="zh-CN"/>
+            <a:rPr lang="en-US" altLang="zh-CN" dirty="0" smtClean="0"/>
             <a:t> </a:t>
           </a:r>
           <a:r>
-            <a:rPr lang="en-US"/>
-            <a:t>rerun all test cases </a:t>
+            <a:rPr lang="en-US" dirty="0" smtClean="0"/>
+            <a:t>rerun </a:t>
+          </a:r>
+          <a:r>
+            <a:rPr lang="en-US" dirty="0"/>
+            <a:t>all test cases </a:t>
           </a:r>
         </a:p>
       </dgm:t>
@@ -3708,24 +3715,32 @@
             </a:spcAft>
           </a:pPr>
           <a:r>
-            <a:rPr lang="en-US" sz="1700" kern="1200"/>
-            <a:t>any</a:t>
+            <a:rPr lang="en-US" altLang="zh-CN" sz="1700" kern="1200" dirty="0" smtClean="0"/>
+            <a:t>A</a:t>
           </a:r>
           <a:r>
-            <a:rPr lang="en-US" altLang="zh-CN" sz="1700" kern="1200"/>
+            <a:rPr lang="en-US" sz="1700" kern="1200" dirty="0" smtClean="0"/>
+            <a:t>ny</a:t>
+          </a:r>
+          <a:r>
+            <a:rPr lang="en-US" altLang="zh-CN" sz="1700" kern="1200" dirty="0" smtClean="0"/>
             <a:t> </a:t>
           </a:r>
           <a:r>
-            <a:rPr lang="en-US" sz="1700" kern="1200"/>
+            <a:rPr lang="en-US" sz="1700" kern="1200" dirty="0" smtClean="0"/>
             <a:t>change:</a:t>
           </a:r>
           <a:r>
-            <a:rPr lang="en-US" altLang="zh-CN" sz="1700" kern="1200"/>
+            <a:rPr lang="en-US" altLang="zh-CN" sz="1700" kern="1200" dirty="0" smtClean="0"/>
             <a:t> </a:t>
           </a:r>
           <a:r>
-            <a:rPr lang="en-US" sz="1700" kern="1200"/>
-            <a:t>rerun all test cases </a:t>
+            <a:rPr lang="en-US" sz="1700" kern="1200" dirty="0" smtClean="0"/>
+            <a:t>rerun </a:t>
+          </a:r>
+          <a:r>
+            <a:rPr lang="en-US" sz="1700" kern="1200" dirty="0"/>
+            <a:t>all test cases </a:t>
           </a:r>
         </a:p>
       </dsp:txBody>
@@ -5200,7 +5215,7 @@
           <a:p>
             <a:fld id="{7D3FD8C9-866B-4352-9BA8-E78FEE8FB3FE}" type="datetimeFigureOut">
               <a:rPr lang="zh-CN" altLang="en-US" smtClean="0"/>
-              <a:t>16/7/25</a:t>
+              <a:t>2016/7/25</a:t>
             </a:fld>
             <a:endParaRPr lang="zh-CN" altLang="en-US"/>
           </a:p>
@@ -5595,90 +5610,6 @@
           <a:bodyPr/>
           <a:lstStyle/>
           <a:p>
-            <a:endParaRPr lang="zh-CN" altLang="en-US" dirty="0"/>
-          </a:p>
-        </p:txBody>
-      </p:sp>
-      <p:sp>
-        <p:nvSpPr>
-          <p:cNvPr id="4" name="灯片编号占位符 3"/>
-          <p:cNvSpPr>
-            <a:spLocks noGrp="1"/>
-          </p:cNvSpPr>
-          <p:nvPr>
-            <p:ph type="sldNum" sz="quarter" idx="10"/>
-          </p:nvPr>
-        </p:nvSpPr>
-        <p:spPr/>
-        <p:txBody>
-          <a:bodyPr/>
-          <a:lstStyle/>
-          <a:p>
-            <a:fld id="{71C9854A-3A41-469C-95C5-60CB2D8C3AB9}" type="slidenum">
-              <a:rPr lang="zh-CN" altLang="en-US" smtClean="0"/>
-              <a:t>25</a:t>
-            </a:fld>
-            <a:endParaRPr lang="zh-CN" altLang="en-US"/>
-          </a:p>
-        </p:txBody>
-      </p:sp>
-    </p:spTree>
-    <p:extLst>
-      <p:ext uri="{BB962C8B-B14F-4D97-AF65-F5344CB8AC3E}">
-        <p14:creationId xmlns:p14="http://schemas.microsoft.com/office/powerpoint/2010/main" val="677870460"/>
-      </p:ext>
-    </p:extLst>
-  </p:cSld>
-  <p:clrMapOvr>
-    <a:masterClrMapping/>
-  </p:clrMapOvr>
-</p:notes>
-</file>
-
-<file path=ppt/notesSlides/notesSlide11.xml><?xml version="1.0" encoding="utf-8"?>
-<p:notes xmlns:a="http://schemas.openxmlformats.org/drawingml/2006/main" xmlns:r="http://schemas.openxmlformats.org/officeDocument/2006/relationships" xmlns:p="http://schemas.openxmlformats.org/presentationml/2006/main">
-  <p:cSld>
-    <p:spTree>
-      <p:nvGrpSpPr>
-        <p:cNvPr id="1" name=""/>
-        <p:cNvGrpSpPr/>
-        <p:nvPr/>
-      </p:nvGrpSpPr>
-      <p:grpSpPr>
-        <a:xfrm>
-          <a:off x="0" y="0"/>
-          <a:ext cx="0" cy="0"/>
-          <a:chOff x="0" y="0"/>
-          <a:chExt cx="0" cy="0"/>
-        </a:xfrm>
-      </p:grpSpPr>
-      <p:sp>
-        <p:nvSpPr>
-          <p:cNvPr id="2" name="幻灯片图像占位符 1"/>
-          <p:cNvSpPr>
-            <a:spLocks noGrp="1" noRot="1" noChangeAspect="1"/>
-          </p:cNvSpPr>
-          <p:nvPr>
-            <p:ph type="sldImg"/>
-          </p:nvPr>
-        </p:nvSpPr>
-        <p:spPr/>
-      </p:sp>
-      <p:sp>
-        <p:nvSpPr>
-          <p:cNvPr id="3" name="备注占位符 2"/>
-          <p:cNvSpPr>
-            <a:spLocks noGrp="1"/>
-          </p:cNvSpPr>
-          <p:nvPr>
-            <p:ph type="body" idx="1"/>
-          </p:nvPr>
-        </p:nvSpPr>
-        <p:spPr/>
-        <p:txBody>
-          <a:bodyPr/>
-          <a:lstStyle/>
-          <a:p>
             <a:r>
               <a:rPr kumimoji="1" lang="zh-CN" altLang="en-US" smtClean="0"/>
               <a:t>填好</a:t>
@@ -5704,7 +5635,7 @@
           <a:p>
             <a:fld id="{71C9854A-3A41-469C-95C5-60CB2D8C3AB9}" type="slidenum">
               <a:rPr lang="zh-CN" altLang="en-US" smtClean="0"/>
-              <a:t>30</a:t>
+              <a:t>29</a:t>
             </a:fld>
             <a:endParaRPr lang="zh-CN" altLang="en-US"/>
           </a:p>
@@ -5959,13 +5890,17 @@
           <a:bodyPr/>
           <a:lstStyle/>
           <a:p>
-            <a:endParaRPr lang="zh-CN" altLang="en-US" dirty="0"/>
+            <a:r>
+              <a:rPr kumimoji="1" lang="en-US" altLang="zh-CN" dirty="0"/>
+              <a:t>raw</a:t>
+            </a:r>
+            <a:endParaRPr kumimoji="1" lang="zh-CN" altLang="en-US" dirty="0"/>
           </a:p>
         </p:txBody>
       </p:sp>
       <p:sp>
         <p:nvSpPr>
-          <p:cNvPr id="4" name="灯片编号占位符 3"/>
+          <p:cNvPr id="4" name="幻灯片编号占位符 3"/>
           <p:cNvSpPr>
             <a:spLocks noGrp="1"/>
           </p:cNvSpPr>
@@ -5980,7 +5915,7 @@
           <a:p>
             <a:fld id="{71C9854A-3A41-469C-95C5-60CB2D8C3AB9}" type="slidenum">
               <a:rPr lang="zh-CN" altLang="en-US" smtClean="0"/>
-              <a:t>14</a:t>
+              <a:t>15</a:t>
             </a:fld>
             <a:endParaRPr lang="zh-CN" altLang="en-US"/>
           </a:p>
@@ -5989,7 +5924,7 @@
     </p:spTree>
     <p:extLst>
       <p:ext uri="{BB962C8B-B14F-4D97-AF65-F5344CB8AC3E}">
-        <p14:creationId xmlns:p14="http://schemas.microsoft.com/office/powerpoint/2010/main" val="1159265780"/>
+        <p14:creationId xmlns:p14="http://schemas.microsoft.com/office/powerpoint/2010/main" val="1518260757"/>
       </p:ext>
     </p:extLst>
   </p:cSld>
@@ -6044,10 +5979,9 @@
           <a:lstStyle/>
           <a:p>
             <a:r>
-              <a:rPr kumimoji="1" lang="en-US" altLang="zh-CN" dirty="0"/>
-              <a:t>raw</a:t>
-            </a:r>
-            <a:endParaRPr kumimoji="1" lang="zh-CN" altLang="en-US" dirty="0"/>
+              <a:rPr kumimoji="1" lang="zh-CN" altLang="en-US" dirty="0"/>
+              <a:t>构建工具是什么</a:t>
+            </a:r>
           </a:p>
         </p:txBody>
       </p:sp>
@@ -6068,7 +6002,7 @@
           <a:p>
             <a:fld id="{71C9854A-3A41-469C-95C5-60CB2D8C3AB9}" type="slidenum">
               <a:rPr lang="zh-CN" altLang="en-US" smtClean="0"/>
-              <a:t>16</a:t>
+              <a:t>17</a:t>
             </a:fld>
             <a:endParaRPr lang="zh-CN" altLang="en-US"/>
           </a:p>
@@ -6077,7 +6011,7 @@
     </p:spTree>
     <p:extLst>
       <p:ext uri="{BB962C8B-B14F-4D97-AF65-F5344CB8AC3E}">
-        <p14:creationId xmlns:p14="http://schemas.microsoft.com/office/powerpoint/2010/main" val="1518260757"/>
+        <p14:creationId xmlns:p14="http://schemas.microsoft.com/office/powerpoint/2010/main" val="492067917"/>
       </p:ext>
     </p:extLst>
   </p:cSld>
@@ -6164,7 +6098,7 @@
     </p:spTree>
     <p:extLst>
       <p:ext uri="{BB962C8B-B14F-4D97-AF65-F5344CB8AC3E}">
-        <p14:creationId xmlns:p14="http://schemas.microsoft.com/office/powerpoint/2010/main" val="492067917"/>
+        <p14:creationId xmlns:p14="http://schemas.microsoft.com/office/powerpoint/2010/main" val="2006811972"/>
       </p:ext>
     </p:extLst>
   </p:cSld>
@@ -6219,9 +6153,10 @@
           <a:lstStyle/>
           <a:p>
             <a:r>
-              <a:rPr kumimoji="1" lang="zh-CN" altLang="en-US" dirty="0"/>
-              <a:t>构建工具是什么</a:t>
-            </a:r>
+              <a:rPr kumimoji="1" lang="zh-CN" altLang="en-US" dirty="0" smtClean="0"/>
+              <a:t>改命令</a:t>
+            </a:r>
+            <a:endParaRPr kumimoji="1" lang="zh-CN" altLang="en-US" dirty="0"/>
           </a:p>
         </p:txBody>
       </p:sp>
@@ -6242,7 +6177,7 @@
           <a:p>
             <a:fld id="{71C9854A-3A41-469C-95C5-60CB2D8C3AB9}" type="slidenum">
               <a:rPr lang="zh-CN" altLang="en-US" smtClean="0"/>
-              <a:t>19</a:t>
+              <a:t>22</a:t>
             </a:fld>
             <a:endParaRPr lang="zh-CN" altLang="en-US"/>
           </a:p>
@@ -6251,7 +6186,7 @@
     </p:spTree>
     <p:extLst>
       <p:ext uri="{BB962C8B-B14F-4D97-AF65-F5344CB8AC3E}">
-        <p14:creationId xmlns:p14="http://schemas.microsoft.com/office/powerpoint/2010/main" val="2006811972"/>
+        <p14:creationId xmlns:p14="http://schemas.microsoft.com/office/powerpoint/2010/main" val="1321756868"/>
       </p:ext>
     </p:extLst>
   </p:cSld>
@@ -6305,17 +6240,13 @@
           <a:bodyPr/>
           <a:lstStyle/>
           <a:p>
-            <a:r>
-              <a:rPr kumimoji="1" lang="zh-CN" altLang="en-US" dirty="0" smtClean="0"/>
-              <a:t>改命令</a:t>
-            </a:r>
-            <a:endParaRPr kumimoji="1" lang="zh-CN" altLang="en-US" dirty="0"/>
+            <a:endParaRPr lang="zh-CN" altLang="en-US" dirty="0"/>
           </a:p>
         </p:txBody>
       </p:sp>
       <p:sp>
         <p:nvSpPr>
-          <p:cNvPr id="4" name="幻灯片编号占位符 3"/>
+          <p:cNvPr id="4" name="灯片编号占位符 3"/>
           <p:cNvSpPr>
             <a:spLocks noGrp="1"/>
           </p:cNvSpPr>
@@ -6339,7 +6270,7 @@
     </p:spTree>
     <p:extLst>
       <p:ext uri="{BB962C8B-B14F-4D97-AF65-F5344CB8AC3E}">
-        <p14:creationId xmlns:p14="http://schemas.microsoft.com/office/powerpoint/2010/main" val="1321756868"/>
+        <p14:creationId xmlns:p14="http://schemas.microsoft.com/office/powerpoint/2010/main" val="2931182636"/>
       </p:ext>
     </p:extLst>
   </p:cSld>
@@ -6423,7 +6354,7 @@
     </p:spTree>
     <p:extLst>
       <p:ext uri="{BB962C8B-B14F-4D97-AF65-F5344CB8AC3E}">
-        <p14:creationId xmlns:p14="http://schemas.microsoft.com/office/powerpoint/2010/main" val="2931182636"/>
+        <p14:creationId xmlns:p14="http://schemas.microsoft.com/office/powerpoint/2010/main" val="677870460"/>
       </p:ext>
     </p:extLst>
   </p:cSld>
@@ -6612,7 +6543,7 @@
           <a:p>
             <a:fld id="{A8B14F0C-7B7B-4AFA-B97B-D2221EA931C5}" type="datetime1">
               <a:rPr lang="zh-CN" altLang="en-US" smtClean="0"/>
-              <a:t>16/7/25</a:t>
+              <a:t>2016/7/25</a:t>
             </a:fld>
             <a:endParaRPr lang="zh-CN" altLang="en-US"/>
           </a:p>
@@ -6780,7 +6711,7 @@
           <a:p>
             <a:fld id="{10A97015-680D-4B9A-B052-282520BC09AF}" type="datetime1">
               <a:rPr lang="zh-CN" altLang="en-US" smtClean="0"/>
-              <a:t>16/7/25</a:t>
+              <a:t>2016/7/25</a:t>
             </a:fld>
             <a:endParaRPr lang="zh-CN" altLang="en-US"/>
           </a:p>
@@ -6958,7 +6889,7 @@
           <a:p>
             <a:fld id="{62826A2E-F8F6-4D5C-A457-6030273C9B60}" type="datetime1">
               <a:rPr lang="zh-CN" altLang="en-US" smtClean="0"/>
-              <a:t>16/7/25</a:t>
+              <a:t>2016/7/25</a:t>
             </a:fld>
             <a:endParaRPr lang="zh-CN" altLang="en-US"/>
           </a:p>
@@ -7135,7 +7066,7 @@
           <a:p>
             <a:fld id="{7F0BE63F-29BB-4A39-A02B-55BA68BE7152}" type="datetime1">
               <a:rPr lang="zh-CN" altLang="en-US" smtClean="0"/>
-              <a:t>16/7/25</a:t>
+              <a:t>2016/7/25</a:t>
             </a:fld>
             <a:endParaRPr lang="zh-CN" altLang="en-US"/>
           </a:p>
@@ -7380,7 +7311,7 @@
           <a:p>
             <a:fld id="{3A0EAE96-CBB8-4C6D-A431-2AC174D79D54}" type="datetime1">
               <a:rPr lang="zh-CN" altLang="en-US" smtClean="0"/>
-              <a:t>16/7/25</a:t>
+              <a:t>2016/7/25</a:t>
             </a:fld>
             <a:endParaRPr lang="zh-CN" altLang="en-US"/>
           </a:p>
@@ -7665,7 +7596,7 @@
           <a:p>
             <a:fld id="{BEDA5287-591F-40DF-8ABD-F89E9B28A5BE}" type="datetime1">
               <a:rPr lang="zh-CN" altLang="en-US" smtClean="0"/>
-              <a:t>16/7/25</a:t>
+              <a:t>2016/7/25</a:t>
             </a:fld>
             <a:endParaRPr lang="zh-CN" altLang="en-US"/>
           </a:p>
@@ -8084,7 +8015,7 @@
           <a:p>
             <a:fld id="{8CC14F33-5EBE-4B9A-B574-2CA58979CD63}" type="datetime1">
               <a:rPr lang="zh-CN" altLang="en-US" smtClean="0"/>
-              <a:t>16/7/25</a:t>
+              <a:t>2016/7/25</a:t>
             </a:fld>
             <a:endParaRPr lang="zh-CN" altLang="en-US"/>
           </a:p>
@@ -8201,7 +8132,7 @@
           <a:p>
             <a:fld id="{33871B04-7561-49E6-AF24-7BEFA3407D13}" type="datetime1">
               <a:rPr lang="zh-CN" altLang="en-US" smtClean="0"/>
-              <a:t>16/7/25</a:t>
+              <a:t>2016/7/25</a:t>
             </a:fld>
             <a:endParaRPr lang="zh-CN" altLang="en-US"/>
           </a:p>
@@ -8296,7 +8227,7 @@
           <a:p>
             <a:fld id="{F4B940BB-AF3B-42D0-9B82-9579D902CB8F}" type="datetime1">
               <a:rPr lang="zh-CN" altLang="en-US" smtClean="0"/>
-              <a:t>16/7/25</a:t>
+              <a:t>2016/7/25</a:t>
             </a:fld>
             <a:endParaRPr lang="zh-CN" altLang="en-US"/>
           </a:p>
@@ -8571,7 +8502,7 @@
           <a:p>
             <a:fld id="{A9C6D808-9695-44D0-8F24-EA678C854018}" type="datetime1">
               <a:rPr lang="zh-CN" altLang="en-US" smtClean="0"/>
-              <a:t>16/7/25</a:t>
+              <a:t>2016/7/25</a:t>
             </a:fld>
             <a:endParaRPr lang="zh-CN" altLang="en-US"/>
           </a:p>
@@ -8823,7 +8754,7 @@
           <a:p>
             <a:fld id="{0A651D11-65B3-4F14-8546-E5B73E0D61AB}" type="datetime1">
               <a:rPr lang="zh-CN" altLang="en-US" smtClean="0"/>
-              <a:t>16/7/25</a:t>
+              <a:t>2016/7/25</a:t>
             </a:fld>
             <a:endParaRPr lang="zh-CN" altLang="en-US"/>
           </a:p>
@@ -9034,7 +8965,7 @@
           <a:p>
             <a:fld id="{4D5043EF-B242-4B54-A793-909CE59C0D05}" type="datetime1">
               <a:rPr lang="zh-CN" altLang="en-US" smtClean="0"/>
-              <a:t>16/7/25</a:t>
+              <a:t>2016/7/25</a:t>
             </a:fld>
             <a:endParaRPr lang="zh-CN" altLang="en-US"/>
           </a:p>
@@ -9494,7 +9425,7 @@
           <a:p>
             <a:fld id="{5C75B572-EF5A-4B22-8AE6-17C8C2DFEEA9}" type="datetime1">
               <a:rPr lang="zh-CN" altLang="en-US" smtClean="0"/>
-              <a:t>16/7/25</a:t>
+              <a:t>2016/7/25</a:t>
             </a:fld>
             <a:endParaRPr lang="zh-CN" altLang="en-US" dirty="0"/>
           </a:p>
@@ -9805,7 +9736,7 @@
           <a:p>
             <a:fld id="{520DBEF7-B94C-4F76-AFAD-17048593A86C}" type="datetime1">
               <a:rPr lang="zh-CN" altLang="en-US" smtClean="0"/>
-              <a:t>16/7/25</a:t>
+              <a:t>2016/7/25</a:t>
             </a:fld>
             <a:endParaRPr lang="zh-CN" altLang="en-US"/>
           </a:p>
@@ -9827,8 +9758,8 @@
         </p:blipFill>
         <p:spPr>
           <a:xfrm>
-            <a:off x="4139952" y="3068960"/>
-            <a:ext cx="4301043" cy="3079715"/>
+            <a:off x="3707904" y="3053270"/>
+            <a:ext cx="5122912" cy="3668206"/>
           </a:xfrm>
           <a:prstGeom prst="rect">
             <a:avLst/>
@@ -9945,7 +9876,7 @@
           <a:p>
             <a:fld id="{59663E60-4836-4BC2-BCCA-9100AC856ACF}" type="datetime1">
               <a:rPr lang="zh-CN" altLang="en-US" smtClean="0"/>
-              <a:t>16/7/25</a:t>
+              <a:t>2016/7/25</a:t>
             </a:fld>
             <a:endParaRPr lang="zh-CN" altLang="en-US"/>
           </a:p>
@@ -10256,7 +10187,7 @@
           <a:p>
             <a:fld id="{E918460D-6D3F-4134-A840-F95176E6E708}" type="datetime1">
               <a:rPr lang="zh-CN" altLang="en-US" smtClean="0"/>
-              <a:t>16/7/25</a:t>
+              <a:t>2016/7/25</a:t>
             </a:fld>
             <a:endParaRPr lang="zh-CN" altLang="en-US"/>
           </a:p>
@@ -10272,11 +10203,11 @@
   <p:clrMapOvr>
     <a:masterClrMapping/>
   </p:clrMapOvr>
-  <mc:AlternateContent xmlns:mc="http://schemas.openxmlformats.org/markup-compatibility/2006">
-    <mc:Choice xmlns:p14="http://schemas.microsoft.com/office/powerpoint/2010/main" Requires="p14">
+  <mc:AlternateContent xmlns:mc="http://schemas.openxmlformats.org/markup-compatibility/2006" xmlns:p14="http://schemas.microsoft.com/office/powerpoint/2010/main">
+    <mc:Choice Requires="p14">
       <p:transition spd="slow" p14:dur="2000"/>
     </mc:Choice>
-    <mc:Fallback>
+    <mc:Fallback xmlns="">
       <p:transition spd="slow"/>
     </mc:Fallback>
   </mc:AlternateContent>
@@ -10355,7 +10286,7 @@
             <p:ph idx="1"/>
             <p:extLst>
               <p:ext uri="{D42A27DB-BD31-4B8C-83A1-F6EECF244321}">
-                <p14:modId xmlns:p14="http://schemas.microsoft.com/office/powerpoint/2010/main" val="28264029"/>
+                <p14:modId xmlns:p14="http://schemas.microsoft.com/office/powerpoint/2010/main" val="2171699453"/>
               </p:ext>
             </p:extLst>
           </p:nvPr>
@@ -10387,7 +10318,7 @@
           <a:p>
             <a:fld id="{E918460D-6D3F-4134-A840-F95176E6E708}" type="datetime1">
               <a:rPr lang="zh-CN" altLang="en-US" smtClean="0"/>
-              <a:t>16/7/25</a:t>
+              <a:t>2016/7/25</a:t>
             </a:fld>
             <a:endParaRPr lang="zh-CN" altLang="en-US"/>
           </a:p>
@@ -10403,228 +10334,17 @@
   <p:clrMapOvr>
     <a:masterClrMapping/>
   </p:clrMapOvr>
+  <p:timing>
+    <p:tnLst>
+      <p:par>
+        <p:cTn id="1" dur="indefinite" restart="never" nodeType="tmRoot"/>
+      </p:par>
+    </p:tnLst>
+  </p:timing>
 </p:sld>
 </file>
 
 <file path=ppt/slides/slide14.xml><?xml version="1.0" encoding="utf-8"?>
-<p:sld xmlns:a="http://schemas.openxmlformats.org/drawingml/2006/main" xmlns:r="http://schemas.openxmlformats.org/officeDocument/2006/relationships" xmlns:p="http://schemas.openxmlformats.org/presentationml/2006/main" show="0">
-  <p:cSld>
-    <p:spTree>
-      <p:nvGrpSpPr>
-        <p:cNvPr id="1" name=""/>
-        <p:cNvGrpSpPr/>
-        <p:nvPr/>
-      </p:nvGrpSpPr>
-      <p:grpSpPr>
-        <a:xfrm>
-          <a:off x="0" y="0"/>
-          <a:ext cx="0" cy="0"/>
-          <a:chOff x="0" y="0"/>
-          <a:chExt cx="0" cy="0"/>
-        </a:xfrm>
-      </p:grpSpPr>
-      <p:pic>
-        <p:nvPicPr>
-          <p:cNvPr id="2" name="图片 1"/>
-          <p:cNvPicPr>
-            <a:picLocks noChangeAspect="1"/>
-          </p:cNvPicPr>
-          <p:nvPr/>
-        </p:nvPicPr>
-        <p:blipFill>
-          <a:blip r:embed="rId3"/>
-          <a:stretch>
-            <a:fillRect/>
-          </a:stretch>
-        </p:blipFill>
-        <p:spPr>
-          <a:xfrm>
-            <a:off x="849937" y="764433"/>
-            <a:ext cx="7444126" cy="5329134"/>
-          </a:xfrm>
-          <a:prstGeom prst="rect">
-            <a:avLst/>
-          </a:prstGeom>
-        </p:spPr>
-      </p:pic>
-      <p:sp>
-        <p:nvSpPr>
-          <p:cNvPr id="48" name="矩形 47"/>
-          <p:cNvSpPr/>
-          <p:nvPr/>
-        </p:nvSpPr>
-        <p:spPr>
-          <a:xfrm>
-            <a:off x="5652120" y="2060576"/>
-            <a:ext cx="2641943" cy="4032991"/>
-          </a:xfrm>
-          <a:prstGeom prst="rect">
-            <a:avLst/>
-          </a:prstGeom>
-          <a:solidFill>
-            <a:schemeClr val="bg1">
-              <a:alpha val="40000"/>
-            </a:schemeClr>
-          </a:solidFill>
-          <a:ln>
-            <a:noFill/>
-          </a:ln>
-        </p:spPr>
-        <p:style>
-          <a:lnRef idx="2">
-            <a:schemeClr val="accent1">
-              <a:shade val="50000"/>
-            </a:schemeClr>
-          </a:lnRef>
-          <a:fillRef idx="1">
-            <a:schemeClr val="accent1"/>
-          </a:fillRef>
-          <a:effectRef idx="0">
-            <a:schemeClr val="accent1"/>
-          </a:effectRef>
-          <a:fontRef idx="minor">
-            <a:schemeClr val="lt1"/>
-          </a:fontRef>
-        </p:style>
-        <p:txBody>
-          <a:bodyPr rtlCol="0" anchor="ctr"/>
-          <a:lstStyle/>
-          <a:p>
-            <a:pPr algn="ctr"/>
-            <a:r>
-              <a:rPr lang="en-US" altLang="zh-CN" dirty="0"/>
-              <a:t>50</a:t>
-            </a:r>
-            <a:endParaRPr lang="zh-CN" altLang="en-US" dirty="0"/>
-          </a:p>
-        </p:txBody>
-      </p:sp>
-      <p:sp>
-        <p:nvSpPr>
-          <p:cNvPr id="51" name="矩形 50"/>
-          <p:cNvSpPr/>
-          <p:nvPr/>
-        </p:nvSpPr>
-        <p:spPr>
-          <a:xfrm>
-            <a:off x="813933" y="2060577"/>
-            <a:ext cx="3902083" cy="4032990"/>
-          </a:xfrm>
-          <a:prstGeom prst="rect">
-            <a:avLst/>
-          </a:prstGeom>
-          <a:solidFill>
-            <a:schemeClr val="bg1">
-              <a:alpha val="40000"/>
-            </a:schemeClr>
-          </a:solidFill>
-          <a:ln>
-            <a:noFill/>
-          </a:ln>
-        </p:spPr>
-        <p:style>
-          <a:lnRef idx="2">
-            <a:schemeClr val="accent1">
-              <a:shade val="50000"/>
-            </a:schemeClr>
-          </a:lnRef>
-          <a:fillRef idx="1">
-            <a:schemeClr val="accent1"/>
-          </a:fillRef>
-          <a:effectRef idx="0">
-            <a:schemeClr val="accent1"/>
-          </a:effectRef>
-          <a:fontRef idx="minor">
-            <a:schemeClr val="lt1"/>
-          </a:fontRef>
-        </p:style>
-        <p:txBody>
-          <a:bodyPr rtlCol="0" anchor="ctr"/>
-          <a:lstStyle/>
-          <a:p>
-            <a:pPr algn="ctr"/>
-            <a:r>
-              <a:rPr lang="en-US" altLang="zh-CN" dirty="0"/>
-              <a:t>50</a:t>
-            </a:r>
-            <a:endParaRPr lang="zh-CN" altLang="en-US" dirty="0"/>
-          </a:p>
-        </p:txBody>
-      </p:sp>
-      <p:sp>
-        <p:nvSpPr>
-          <p:cNvPr id="52" name="矩形 51"/>
-          <p:cNvSpPr/>
-          <p:nvPr/>
-        </p:nvSpPr>
-        <p:spPr>
-          <a:xfrm>
-            <a:off x="4716017" y="2924944"/>
-            <a:ext cx="936104" cy="3168623"/>
-          </a:xfrm>
-          <a:prstGeom prst="rect">
-            <a:avLst/>
-          </a:prstGeom>
-          <a:solidFill>
-            <a:schemeClr val="bg1">
-              <a:alpha val="40000"/>
-            </a:schemeClr>
-          </a:solidFill>
-          <a:ln>
-            <a:noFill/>
-          </a:ln>
-        </p:spPr>
-        <p:style>
-          <a:lnRef idx="2">
-            <a:schemeClr val="accent1">
-              <a:shade val="50000"/>
-            </a:schemeClr>
-          </a:lnRef>
-          <a:fillRef idx="1">
-            <a:schemeClr val="accent1"/>
-          </a:fillRef>
-          <a:effectRef idx="0">
-            <a:schemeClr val="accent1"/>
-          </a:effectRef>
-          <a:fontRef idx="minor">
-            <a:schemeClr val="lt1"/>
-          </a:fontRef>
-        </p:style>
-        <p:txBody>
-          <a:bodyPr rtlCol="0" anchor="ctr"/>
-          <a:lstStyle/>
-          <a:p>
-            <a:pPr algn="ctr"/>
-            <a:r>
-              <a:rPr lang="en-US" altLang="zh-CN" dirty="0"/>
-              <a:t>50</a:t>
-            </a:r>
-            <a:endParaRPr lang="zh-CN" altLang="en-US" dirty="0"/>
-          </a:p>
-        </p:txBody>
-      </p:sp>
-    </p:spTree>
-    <p:extLst>
-      <p:ext uri="{BB962C8B-B14F-4D97-AF65-F5344CB8AC3E}">
-        <p14:creationId xmlns:p14="http://schemas.microsoft.com/office/powerpoint/2010/main" val="1344593499"/>
-      </p:ext>
-    </p:extLst>
-  </p:cSld>
-  <p:clrMapOvr>
-    <a:masterClrMapping/>
-  </p:clrMapOvr>
-  <mc:AlternateContent xmlns:mc="http://schemas.openxmlformats.org/markup-compatibility/2006">
-    <mc:Choice xmlns:p14="http://schemas.microsoft.com/office/powerpoint/2010/main" Requires="p14">
-      <p:transition spd="slow" p14:dur="2000"/>
-    </mc:Choice>
-    <mc:Fallback>
-      <p:transition spd="slow"/>
-    </mc:Fallback>
-  </mc:AlternateContent>
-</p:sld>
-</file>
-
-<file path=ppt/slides/slide15.xml><?xml version="1.0" encoding="utf-8"?>
 <p:sld xmlns:a="http://schemas.openxmlformats.org/drawingml/2006/main" xmlns:r="http://schemas.openxmlformats.org/officeDocument/2006/relationships" xmlns:p="http://schemas.openxmlformats.org/presentationml/2006/main">
   <p:cSld>
     <p:spTree>
@@ -10681,7 +10401,7 @@
           <a:p>
             <a:fld id="{9A5743E6-3416-40DE-9A69-87F4D4229038}" type="datetime1">
               <a:rPr lang="zh-CN" altLang="en-US" smtClean="0"/>
-              <a:t>16/7/25</a:t>
+              <a:t>2016/7/25</a:t>
             </a:fld>
             <a:endParaRPr lang="zh-CN" altLang="en-US"/>
           </a:p>
@@ -10837,10 +10557,17 @@
   <p:clrMapOvr>
     <a:masterClrMapping/>
   </p:clrMapOvr>
+  <p:timing>
+    <p:tnLst>
+      <p:par>
+        <p:cTn id="1" dur="indefinite" restart="never" nodeType="tmRoot"/>
+      </p:par>
+    </p:tnLst>
+  </p:timing>
 </p:sld>
 </file>
 
-<file path=ppt/slides/slide16.xml><?xml version="1.0" encoding="utf-8"?>
+<file path=ppt/slides/slide15.xml><?xml version="1.0" encoding="utf-8"?>
 <p:sld xmlns:a="http://schemas.openxmlformats.org/drawingml/2006/main" xmlns:r="http://schemas.openxmlformats.org/officeDocument/2006/relationships" xmlns:p="http://schemas.openxmlformats.org/presentationml/2006/main" show="0">
   <p:cSld>
     <p:spTree>
@@ -10874,7 +10601,7 @@
           <a:p>
             <a:fld id="{9A5743E6-3416-40DE-9A69-87F4D4229038}" type="datetime1">
               <a:rPr lang="zh-CN" altLang="en-US" smtClean="0"/>
-              <a:t>16/7/25</a:t>
+              <a:t>2016/7/25</a:t>
             </a:fld>
             <a:endParaRPr lang="zh-CN" altLang="en-US"/>
           </a:p>
@@ -11500,14 +11227,211 @@
   <p:clrMapOvr>
     <a:masterClrMapping/>
   </p:clrMapOvr>
-  <mc:AlternateContent xmlns:mc="http://schemas.openxmlformats.org/markup-compatibility/2006">
-    <mc:Choice xmlns:p14="http://schemas.microsoft.com/office/powerpoint/2010/main" Requires="p14">
+  <mc:AlternateContent xmlns:mc="http://schemas.openxmlformats.org/markup-compatibility/2006" xmlns:p14="http://schemas.microsoft.com/office/powerpoint/2010/main">
+    <mc:Choice Requires="p14">
       <p:transition spd="slow" p14:dur="2000"/>
     </mc:Choice>
-    <mc:Fallback>
+    <mc:Fallback xmlns="">
       <p:transition spd="slow"/>
     </mc:Fallback>
   </mc:AlternateContent>
+  <p:timing>
+    <p:tnLst>
+      <p:par>
+        <p:cTn id="1" dur="indefinite" restart="never" nodeType="tmRoot"/>
+      </p:par>
+    </p:tnLst>
+  </p:timing>
+</p:sld>
+</file>
+
+<file path=ppt/slides/slide16.xml><?xml version="1.0" encoding="utf-8"?>
+<p:sld xmlns:a="http://schemas.openxmlformats.org/drawingml/2006/main" xmlns:r="http://schemas.openxmlformats.org/officeDocument/2006/relationships" xmlns:p="http://schemas.openxmlformats.org/presentationml/2006/main">
+  <p:cSld>
+    <p:spTree>
+      <p:nvGrpSpPr>
+        <p:cNvPr id="1" name=""/>
+        <p:cNvGrpSpPr/>
+        <p:nvPr/>
+      </p:nvGrpSpPr>
+      <p:grpSpPr>
+        <a:xfrm>
+          <a:off x="0" y="0"/>
+          <a:ext cx="0" cy="0"/>
+          <a:chOff x="0" y="0"/>
+          <a:chExt cx="0" cy="0"/>
+        </a:xfrm>
+      </p:grpSpPr>
+      <p:sp>
+        <p:nvSpPr>
+          <p:cNvPr id="2" name="标题 1"/>
+          <p:cNvSpPr>
+            <a:spLocks noGrp="1"/>
+          </p:cNvSpPr>
+          <p:nvPr>
+            <p:ph type="title"/>
+          </p:nvPr>
+        </p:nvSpPr>
+        <p:spPr/>
+        <p:txBody>
+          <a:bodyPr/>
+          <a:lstStyle/>
+          <a:p>
+            <a:r>
+              <a:rPr lang="en-US" altLang="zh-CN" dirty="0"/>
+              <a:t>Agenda</a:t>
+            </a:r>
+            <a:endParaRPr lang="zh-CN" altLang="en-US" dirty="0"/>
+          </a:p>
+        </p:txBody>
+      </p:sp>
+      <p:sp>
+        <p:nvSpPr>
+          <p:cNvPr id="3" name="内容占位符 2"/>
+          <p:cNvSpPr>
+            <a:spLocks noGrp="1"/>
+          </p:cNvSpPr>
+          <p:nvPr>
+            <p:ph idx="1"/>
+          </p:nvPr>
+        </p:nvSpPr>
+        <p:spPr/>
+        <p:txBody>
+          <a:bodyPr/>
+          <a:lstStyle/>
+          <a:p>
+            <a:r>
+              <a:rPr lang="en-US" altLang="zh-CN" dirty="0">
+                <a:solidFill>
+                  <a:schemeClr val="bg1">
+                    <a:lumMod val="75000"/>
+                  </a:schemeClr>
+                </a:solidFill>
+              </a:rPr>
+              <a:t>Introduction</a:t>
+            </a:r>
+          </a:p>
+          <a:p>
+            <a:r>
+              <a:rPr lang="en-US" altLang="zh-CN" dirty="0">
+                <a:solidFill>
+                  <a:schemeClr val="bg1">
+                    <a:lumMod val="75000"/>
+                  </a:schemeClr>
+                </a:solidFill>
+              </a:rPr>
+              <a:t>Design</a:t>
+            </a:r>
+          </a:p>
+          <a:p>
+            <a:r>
+              <a:rPr lang="en-US" altLang="zh-CN" dirty="0"/>
+              <a:t>C++ IUT Implementation</a:t>
+            </a:r>
+          </a:p>
+          <a:p>
+            <a:r>
+              <a:rPr lang="en-US" altLang="zh-CN" dirty="0">
+                <a:solidFill>
+                  <a:schemeClr val="bg1">
+                    <a:lumMod val="75000"/>
+                  </a:schemeClr>
+                </a:solidFill>
+              </a:rPr>
+              <a:t>Java IUT Refinement</a:t>
+            </a:r>
+          </a:p>
+          <a:p>
+            <a:r>
+              <a:rPr lang="en-US" altLang="zh-CN" dirty="0">
+                <a:solidFill>
+                  <a:schemeClr val="bg1">
+                    <a:lumMod val="75000"/>
+                  </a:schemeClr>
+                </a:solidFill>
+              </a:rPr>
+              <a:t>Demo</a:t>
+            </a:r>
+          </a:p>
+          <a:p>
+            <a:r>
+              <a:rPr lang="en-US" altLang="zh-CN" dirty="0">
+                <a:solidFill>
+                  <a:schemeClr val="bg1">
+                    <a:lumMod val="75000"/>
+                  </a:schemeClr>
+                </a:solidFill>
+              </a:rPr>
+              <a:t>Future Work</a:t>
+            </a:r>
+            <a:endParaRPr lang="zh-CN" altLang="en-US" dirty="0">
+              <a:solidFill>
+                <a:schemeClr val="bg1">
+                  <a:lumMod val="75000"/>
+                </a:schemeClr>
+              </a:solidFill>
+            </a:endParaRPr>
+          </a:p>
+          <a:p>
+            <a:endParaRPr lang="zh-CN" altLang="en-US" dirty="0">
+              <a:solidFill>
+                <a:schemeClr val="bg1">
+                  <a:lumMod val="75000"/>
+                </a:schemeClr>
+              </a:solidFill>
+            </a:endParaRPr>
+          </a:p>
+          <a:p>
+            <a:endParaRPr lang="zh-CN" altLang="en-US" dirty="0">
+              <a:solidFill>
+                <a:schemeClr val="bg1">
+                  <a:lumMod val="75000"/>
+                </a:schemeClr>
+              </a:solidFill>
+            </a:endParaRPr>
+          </a:p>
+        </p:txBody>
+      </p:sp>
+      <p:sp>
+        <p:nvSpPr>
+          <p:cNvPr id="5" name="日期占位符 4"/>
+          <p:cNvSpPr>
+            <a:spLocks noGrp="1"/>
+          </p:cNvSpPr>
+          <p:nvPr>
+            <p:ph type="dt" sz="half" idx="10"/>
+          </p:nvPr>
+        </p:nvSpPr>
+        <p:spPr/>
+        <p:txBody>
+          <a:bodyPr/>
+          <a:lstStyle/>
+          <a:p>
+            <a:fld id="{E24B9186-B14B-412F-A517-5EAB9A7E23B3}" type="datetime1">
+              <a:rPr lang="zh-CN" altLang="en-US" smtClean="0"/>
+              <a:t>2016/7/25</a:t>
+            </a:fld>
+            <a:endParaRPr lang="zh-CN" altLang="en-US"/>
+          </a:p>
+        </p:txBody>
+      </p:sp>
+    </p:spTree>
+    <p:extLst>
+      <p:ext uri="{BB962C8B-B14F-4D97-AF65-F5344CB8AC3E}">
+        <p14:creationId xmlns:p14="http://schemas.microsoft.com/office/powerpoint/2010/main" val="1874880277"/>
+      </p:ext>
+    </p:extLst>
+  </p:cSld>
+  <p:clrMapOvr>
+    <a:masterClrMapping/>
+  </p:clrMapOvr>
+  <p:timing>
+    <p:tnLst>
+      <p:par>
+        <p:cTn id="1" dur="indefinite" restart="never" nodeType="tmRoot"/>
+      </p:par>
+    </p:tnLst>
+  </p:timing>
 </p:sld>
 </file>
 
@@ -11545,7 +11469,15 @@
           <a:p>
             <a:r>
               <a:rPr lang="en-US" altLang="zh-CN" dirty="0"/>
-              <a:t>Agenda</a:t>
+              <a:t>C++ IUT</a:t>
+            </a:r>
+            <a:r>
+              <a:rPr lang="zh-CN" altLang="en-US" dirty="0"/>
+              <a:t> </a:t>
+            </a:r>
+            <a:r>
+              <a:rPr lang="en-US" altLang="zh-CN" dirty="0"/>
+              <a:t>Implementation</a:t>
             </a:r>
             <a:endParaRPr lang="zh-CN" altLang="en-US" dirty="0"/>
           </a:p>
@@ -11567,94 +11499,184 @@
           <a:lstStyle/>
           <a:p>
             <a:r>
-              <a:rPr lang="en-US" altLang="zh-CN" dirty="0">
-                <a:solidFill>
-                  <a:schemeClr val="bg1">
-                    <a:lumMod val="75000"/>
-                  </a:schemeClr>
-                </a:solidFill>
-              </a:rPr>
-              <a:t>Introduction</a:t>
-            </a:r>
-          </a:p>
-          <a:p>
-            <a:r>
-              <a:rPr lang="en-US" altLang="zh-CN" dirty="0">
-                <a:solidFill>
-                  <a:schemeClr val="bg1">
-                    <a:lumMod val="75000"/>
-                  </a:schemeClr>
-                </a:solidFill>
-              </a:rPr>
-              <a:t>Design</a:t>
-            </a:r>
-          </a:p>
-          <a:p>
-            <a:r>
               <a:rPr lang="en-US" altLang="zh-CN" dirty="0"/>
-              <a:t>C++ IUT Implementation</a:t>
-            </a:r>
-          </a:p>
-          <a:p>
-            <a:r>
-              <a:rPr lang="en-US" altLang="zh-CN" dirty="0">
-                <a:solidFill>
-                  <a:schemeClr val="bg1">
-                    <a:lumMod val="75000"/>
-                  </a:schemeClr>
-                </a:solidFill>
-              </a:rPr>
-              <a:t>Java IUT Refinement</a:t>
-            </a:r>
-          </a:p>
-          <a:p>
-            <a:r>
-              <a:rPr lang="en-US" altLang="zh-CN" dirty="0">
-                <a:solidFill>
-                  <a:schemeClr val="bg1">
-                    <a:lumMod val="75000"/>
-                  </a:schemeClr>
-                </a:solidFill>
-              </a:rPr>
-              <a:t>Demo</a:t>
-            </a:r>
-          </a:p>
-          <a:p>
-            <a:r>
-              <a:rPr lang="en-US" altLang="zh-CN" dirty="0">
-                <a:solidFill>
-                  <a:schemeClr val="bg1">
-                    <a:lumMod val="75000"/>
-                  </a:schemeClr>
-                </a:solidFill>
-              </a:rPr>
-              <a:t>Future Work</a:t>
-            </a:r>
-            <a:endParaRPr lang="zh-CN" altLang="en-US" dirty="0">
-              <a:solidFill>
-                <a:schemeClr val="bg1">
-                  <a:lumMod val="75000"/>
-                </a:schemeClr>
-              </a:solidFill>
-            </a:endParaRPr>
-          </a:p>
-          <a:p>
-            <a:endParaRPr lang="zh-CN" altLang="en-US" dirty="0">
-              <a:solidFill>
-                <a:schemeClr val="bg1">
-                  <a:lumMod val="75000"/>
-                </a:schemeClr>
-              </a:solidFill>
-            </a:endParaRPr>
-          </a:p>
-          <a:p>
-            <a:endParaRPr lang="zh-CN" altLang="en-US" dirty="0">
-              <a:solidFill>
-                <a:schemeClr val="bg1">
-                  <a:lumMod val="75000"/>
-                </a:schemeClr>
-              </a:solidFill>
-            </a:endParaRPr>
+              <a:t>A command-line tool ‘</a:t>
+            </a:r>
+            <a:r>
+              <a:rPr lang="en-US" altLang="zh-CN" dirty="0" err="1"/>
+              <a:t>iutc</a:t>
+            </a:r>
+            <a:r>
+              <a:rPr lang="en-US" altLang="zh-CN" dirty="0"/>
+              <a:t>’</a:t>
+            </a:r>
+            <a:r>
+              <a:rPr lang="zh-CN" altLang="en-US" dirty="0"/>
+              <a:t> </a:t>
+            </a:r>
+          </a:p>
+          <a:p>
+            <a:r>
+              <a:rPr lang="en-US" altLang="zh-CN" dirty="0"/>
+              <a:t>Support</a:t>
+            </a:r>
+            <a:r>
+              <a:rPr lang="zh-CN" altLang="en-US" dirty="0"/>
+              <a:t> </a:t>
+            </a:r>
+            <a:r>
+              <a:rPr lang="en-US" altLang="zh-CN" dirty="0"/>
+              <a:t>executing</a:t>
+            </a:r>
+            <a:r>
+              <a:rPr lang="zh-CN" altLang="en-US" dirty="0"/>
+              <a:t> </a:t>
+            </a:r>
+            <a:r>
+              <a:rPr lang="en-US" altLang="zh-CN" dirty="0"/>
+              <a:t>two</a:t>
+            </a:r>
+            <a:r>
+              <a:rPr lang="zh-CN" altLang="en-US" dirty="0"/>
+              <a:t> </a:t>
+            </a:r>
+            <a:r>
+              <a:rPr lang="en-US" altLang="zh-CN" dirty="0"/>
+              <a:t>phases</a:t>
+            </a:r>
+            <a:r>
+              <a:rPr lang="zh-CN" altLang="en-US" dirty="0"/>
+              <a:t> </a:t>
+            </a:r>
+            <a:r>
+              <a:rPr lang="en-US" altLang="zh-CN" dirty="0"/>
+              <a:t>separately</a:t>
+            </a:r>
+            <a:r>
+              <a:rPr lang="zh-CN" altLang="en-US" dirty="0"/>
+              <a:t> </a:t>
+            </a:r>
+            <a:r>
+              <a:rPr lang="en-US" altLang="zh-CN" dirty="0"/>
+              <a:t>by</a:t>
+            </a:r>
+            <a:r>
+              <a:rPr lang="zh-CN" altLang="en-US" dirty="0"/>
+              <a:t> </a:t>
+            </a:r>
+            <a:r>
+              <a:rPr lang="en-US" altLang="zh-CN" dirty="0"/>
+              <a:t>specifying</a:t>
+            </a:r>
+            <a:r>
+              <a:rPr lang="zh-CN" altLang="en-US" dirty="0"/>
+              <a:t> </a:t>
+            </a:r>
+            <a:r>
+              <a:rPr lang="en-US" altLang="zh-CN" dirty="0"/>
+              <a:t>different</a:t>
+            </a:r>
+            <a:r>
+              <a:rPr lang="zh-CN" altLang="en-US" dirty="0"/>
+              <a:t> </a:t>
+            </a:r>
+            <a:r>
+              <a:rPr lang="en-US" altLang="zh-CN" dirty="0"/>
+              <a:t>command</a:t>
+            </a:r>
+            <a:r>
+              <a:rPr lang="zh-CN" altLang="en-US" dirty="0"/>
+              <a:t> </a:t>
+            </a:r>
+            <a:r>
+              <a:rPr lang="en-US" altLang="zh-CN" dirty="0"/>
+              <a:t>options.</a:t>
+            </a:r>
+            <a:endParaRPr lang="zh-CN" altLang="en-US" dirty="0"/>
+          </a:p>
+          <a:p>
+            <a:r>
+              <a:rPr lang="en-US" altLang="zh-CN" dirty="0"/>
+              <a:t>Using</a:t>
+            </a:r>
+            <a:r>
+              <a:rPr lang="zh-CN" altLang="en-US" dirty="0"/>
+              <a:t> </a:t>
+            </a:r>
+            <a:r>
+              <a:rPr lang="en-US" altLang="zh-CN" dirty="0"/>
+              <a:t>Eclipse</a:t>
+            </a:r>
+            <a:r>
+              <a:rPr lang="zh-CN" altLang="en-US" dirty="0"/>
+              <a:t> </a:t>
+            </a:r>
+            <a:r>
+              <a:rPr lang="en-US" altLang="zh-CN" dirty="0"/>
+              <a:t>CDT</a:t>
+            </a:r>
+            <a:r>
+              <a:rPr lang="zh-CN" altLang="en-US" dirty="0"/>
+              <a:t> </a:t>
+            </a:r>
+            <a:r>
+              <a:rPr lang="en-US" altLang="zh-CN" dirty="0"/>
+              <a:t>to</a:t>
+            </a:r>
+            <a:r>
+              <a:rPr lang="zh-CN" altLang="en-US" dirty="0"/>
+              <a:t> </a:t>
+            </a:r>
+            <a:r>
+              <a:rPr lang="en-US" altLang="zh-CN" dirty="0"/>
+              <a:t>parse</a:t>
+            </a:r>
+            <a:r>
+              <a:rPr lang="zh-CN" altLang="en-US" dirty="0"/>
+              <a:t> </a:t>
+            </a:r>
+            <a:r>
+              <a:rPr lang="en-US" altLang="zh-CN" dirty="0"/>
+              <a:t>source</a:t>
+            </a:r>
+            <a:r>
+              <a:rPr lang="zh-CN" altLang="en-US" dirty="0"/>
+              <a:t> </a:t>
+            </a:r>
+            <a:r>
+              <a:rPr lang="en-US" altLang="zh-CN" dirty="0"/>
+              <a:t>code</a:t>
+            </a:r>
+            <a:r>
+              <a:rPr lang="zh-CN" altLang="en-US" dirty="0"/>
+              <a:t> </a:t>
+            </a:r>
+            <a:r>
+              <a:rPr lang="en-US" altLang="zh-CN" dirty="0"/>
+              <a:t>and</a:t>
+            </a:r>
+            <a:r>
+              <a:rPr lang="zh-CN" altLang="en-US" dirty="0"/>
+              <a:t> </a:t>
+            </a:r>
+            <a:r>
+              <a:rPr lang="en-US" altLang="zh-CN" dirty="0"/>
+              <a:t>generate</a:t>
+            </a:r>
+            <a:r>
+              <a:rPr lang="zh-CN" altLang="en-US" dirty="0"/>
+              <a:t> </a:t>
+            </a:r>
+            <a:r>
+              <a:rPr lang="en-US" altLang="zh-CN" dirty="0"/>
+              <a:t>AST.</a:t>
+            </a:r>
+          </a:p>
+          <a:p>
+            <a:r>
+              <a:rPr lang="en-US" altLang="zh-CN" dirty="0"/>
+              <a:t>Using sqlite3 as database to save record</a:t>
+            </a:r>
           </a:p>
         </p:txBody>
       </p:sp>
@@ -11673,9 +11695,9 @@
           <a:bodyPr/>
           <a:lstStyle/>
           <a:p>
-            <a:fld id="{E24B9186-B14B-412F-A517-5EAB9A7E23B3}" type="datetime1">
+            <a:fld id="{838B88C3-EF52-4FAD-BCAF-FE7662002012}" type="datetime1">
               <a:rPr lang="zh-CN" altLang="en-US" smtClean="0"/>
-              <a:t>16/7/25</a:t>
+              <a:t>2016/7/25</a:t>
             </a:fld>
             <a:endParaRPr lang="zh-CN" altLang="en-US"/>
           </a:p>
@@ -11684,13 +11706,20 @@
     </p:spTree>
     <p:extLst>
       <p:ext uri="{BB962C8B-B14F-4D97-AF65-F5344CB8AC3E}">
-        <p14:creationId xmlns:p14="http://schemas.microsoft.com/office/powerpoint/2010/main" val="1874880277"/>
+        <p14:creationId xmlns:p14="http://schemas.microsoft.com/office/powerpoint/2010/main" val="1199799923"/>
       </p:ext>
     </p:extLst>
   </p:cSld>
   <p:clrMapOvr>
     <a:masterClrMapping/>
   </p:clrMapOvr>
+  <p:timing>
+    <p:tnLst>
+      <p:par>
+        <p:cTn id="1" dur="indefinite" restart="never" nodeType="tmRoot"/>
+      </p:par>
+    </p:tnLst>
+  </p:timing>
 </p:sld>
 </file>
 
@@ -11727,16 +11756,28 @@
           <a:lstStyle/>
           <a:p>
             <a:r>
-              <a:rPr lang="en-US" altLang="zh-CN" dirty="0"/>
-              <a:t>C++ IUT</a:t>
-            </a:r>
-            <a:r>
-              <a:rPr lang="zh-CN" altLang="en-US" dirty="0"/>
+              <a:rPr lang="en-US" altLang="zh-CN">
+                <a:solidFill>
+                  <a:srgbClr val="000000"/>
+                </a:solidFill>
+              </a:rPr>
+              <a:t>Command</a:t>
+            </a:r>
+            <a:r>
+              <a:rPr lang="zh-CN" altLang="en-US">
+                <a:solidFill>
+                  <a:srgbClr val="000000"/>
+                </a:solidFill>
+              </a:rPr>
               <a:t> </a:t>
             </a:r>
             <a:r>
-              <a:rPr lang="en-US" altLang="zh-CN" dirty="0"/>
-              <a:t>Implementation</a:t>
+              <a:rPr lang="en-US" altLang="zh-CN">
+                <a:solidFill>
+                  <a:srgbClr val="000000"/>
+                </a:solidFill>
+              </a:rPr>
+              <a:t>Options</a:t>
             </a:r>
             <a:endParaRPr lang="zh-CN" altLang="en-US" dirty="0"/>
           </a:p>
@@ -11754,188 +11795,319 @@
         </p:nvSpPr>
         <p:spPr/>
         <p:txBody>
-          <a:bodyPr/>
+          <a:bodyPr>
+            <a:normAutofit fontScale="92500" lnSpcReduction="10000"/>
+          </a:bodyPr>
           <a:lstStyle/>
           <a:p>
             <a:r>
               <a:rPr lang="en-US" altLang="zh-CN" dirty="0"/>
-              <a:t>A command-line tool ‘</a:t>
-            </a:r>
-            <a:r>
-              <a:rPr lang="en-US" altLang="zh-CN" dirty="0" err="1"/>
+              <a:t>Compulsory</a:t>
+            </a:r>
+            <a:endParaRPr lang="zh-CN" altLang="en-US" dirty="0"/>
+          </a:p>
+          <a:p>
+            <a:pPr lvl="1"/>
+            <a:r>
+              <a:rPr lang="en-US" altLang="zh-CN" dirty="0" err="1">
+                <a:solidFill>
+                  <a:srgbClr val="000000"/>
+                </a:solidFill>
+              </a:rPr>
               <a:t>iutc</a:t>
             </a:r>
             <a:r>
+              <a:rPr lang="en-US" altLang="zh-CN" dirty="0">
+                <a:solidFill>
+                  <a:srgbClr val="000000"/>
+                </a:solidFill>
+              </a:rPr>
+              <a:t> –c</a:t>
+            </a:r>
+            <a:endParaRPr lang="zh-CN" altLang="en-US" dirty="0">
+              <a:solidFill>
+                <a:srgbClr val="000000"/>
+              </a:solidFill>
+            </a:endParaRPr>
+          </a:p>
+          <a:p>
+            <a:pPr lvl="2"/>
+            <a:r>
+              <a:rPr lang="en-US" altLang="zh-CN" dirty="0">
+                <a:solidFill>
+                  <a:srgbClr val="000000"/>
+                </a:solidFill>
+              </a:rPr>
+              <a:t>Execute</a:t>
+            </a:r>
+            <a:r>
+              <a:rPr lang="zh-CN" altLang="en-US" dirty="0">
+                <a:solidFill>
+                  <a:srgbClr val="000000"/>
+                </a:solidFill>
+              </a:rPr>
+              <a:t> </a:t>
+            </a:r>
+            <a:r>
+              <a:rPr lang="en-US" altLang="zh-CN" dirty="0">
+                <a:solidFill>
+                  <a:srgbClr val="000000"/>
+                </a:solidFill>
+              </a:rPr>
+              <a:t>Preprocessing</a:t>
+            </a:r>
+            <a:r>
+              <a:rPr lang="zh-CN" altLang="en-US" dirty="0">
+                <a:solidFill>
+                  <a:srgbClr val="000000"/>
+                </a:solidFill>
+              </a:rPr>
+              <a:t> </a:t>
+            </a:r>
+            <a:r>
+              <a:rPr lang="en-US" altLang="zh-CN" dirty="0">
+                <a:solidFill>
+                  <a:srgbClr val="000000"/>
+                </a:solidFill>
+              </a:rPr>
+              <a:t>phase.</a:t>
+            </a:r>
+            <a:endParaRPr lang="zh-CN" altLang="en-US" dirty="0">
+              <a:solidFill>
+                <a:srgbClr val="000000"/>
+              </a:solidFill>
+            </a:endParaRPr>
+          </a:p>
+          <a:p>
+            <a:pPr lvl="1"/>
+            <a:r>
+              <a:rPr lang="en-US" altLang="zh-CN" dirty="0" err="1">
+                <a:solidFill>
+                  <a:srgbClr val="000000"/>
+                </a:solidFill>
+              </a:rPr>
+              <a:t>iutc</a:t>
+            </a:r>
+            <a:r>
+              <a:rPr lang="en-US" altLang="zh-CN" dirty="0">
+                <a:solidFill>
+                  <a:srgbClr val="000000"/>
+                </a:solidFill>
+              </a:rPr>
+              <a:t> –s</a:t>
+            </a:r>
+            <a:endParaRPr lang="zh-CN" altLang="en-US" dirty="0">
+              <a:solidFill>
+                <a:srgbClr val="000000"/>
+              </a:solidFill>
+            </a:endParaRPr>
+          </a:p>
+          <a:p>
+            <a:pPr lvl="2"/>
+            <a:r>
+              <a:rPr lang="en-US" altLang="zh-CN" dirty="0">
+                <a:solidFill>
+                  <a:srgbClr val="000000"/>
+                </a:solidFill>
+              </a:rPr>
+              <a:t>Execute</a:t>
+            </a:r>
+            <a:r>
+              <a:rPr lang="zh-CN" altLang="en-US" dirty="0">
+                <a:solidFill>
+                  <a:srgbClr val="000000"/>
+                </a:solidFill>
+              </a:rPr>
+              <a:t> </a:t>
+            </a:r>
+            <a:r>
+              <a:rPr lang="en-US" altLang="zh-CN" dirty="0">
+                <a:solidFill>
+                  <a:srgbClr val="000000"/>
+                </a:solidFill>
+              </a:rPr>
+              <a:t>Incremental</a:t>
+            </a:r>
+            <a:r>
+              <a:rPr lang="zh-CN" altLang="en-US" dirty="0">
+                <a:solidFill>
+                  <a:srgbClr val="000000"/>
+                </a:solidFill>
+              </a:rPr>
+              <a:t> </a:t>
+            </a:r>
+            <a:r>
+              <a:rPr lang="en-US" altLang="zh-CN" dirty="0">
+                <a:solidFill>
+                  <a:srgbClr val="000000"/>
+                </a:solidFill>
+              </a:rPr>
+              <a:t>testing</a:t>
+            </a:r>
+            <a:r>
+              <a:rPr lang="zh-CN" altLang="en-US" dirty="0">
+                <a:solidFill>
+                  <a:srgbClr val="000000"/>
+                </a:solidFill>
+              </a:rPr>
+              <a:t> </a:t>
+            </a:r>
+            <a:r>
+              <a:rPr lang="en-US" altLang="zh-CN" dirty="0">
+                <a:solidFill>
+                  <a:srgbClr val="000000"/>
+                </a:solidFill>
+              </a:rPr>
+              <a:t>phase.</a:t>
+            </a:r>
+            <a:endParaRPr lang="zh-CN" altLang="en-US" dirty="0"/>
+          </a:p>
+          <a:p>
+            <a:r>
               <a:rPr lang="en-US" altLang="zh-CN" dirty="0"/>
-              <a:t>’</a:t>
-            </a:r>
-            <a:r>
-              <a:rPr lang="zh-CN" altLang="en-US" dirty="0"/>
+              <a:t>Optional</a:t>
+            </a:r>
+            <a:endParaRPr lang="zh-CN" altLang="en-US" dirty="0"/>
+          </a:p>
+          <a:p>
+            <a:pPr lvl="1"/>
+            <a:r>
+              <a:rPr lang="en-US" altLang="zh-CN" dirty="0" err="1">
+                <a:solidFill>
+                  <a:srgbClr val="000000"/>
+                </a:solidFill>
+              </a:rPr>
+              <a:t>iutc</a:t>
+            </a:r>
+            <a:r>
+              <a:rPr lang="en-US" altLang="zh-CN" dirty="0">
+                <a:solidFill>
+                  <a:srgbClr val="000000"/>
+                </a:solidFill>
+              </a:rPr>
+              <a:t> –</a:t>
+            </a:r>
+            <a:r>
+              <a:rPr lang="en-US" altLang="zh-CN" dirty="0" err="1">
+                <a:solidFill>
+                  <a:srgbClr val="000000"/>
+                </a:solidFill>
+              </a:rPr>
+              <a:t>i</a:t>
+            </a:r>
+            <a:endParaRPr lang="zh-CN" altLang="en-US" dirty="0">
+              <a:solidFill>
+                <a:srgbClr val="000000"/>
+              </a:solidFill>
+            </a:endParaRPr>
+          </a:p>
+          <a:p>
+            <a:pPr lvl="2"/>
+            <a:r>
+              <a:rPr lang="en-US" altLang="zh-CN" dirty="0">
+                <a:solidFill>
+                  <a:srgbClr val="000000"/>
+                </a:solidFill>
+              </a:rPr>
+              <a:t>Initialize a configuration template file</a:t>
+            </a:r>
+            <a:r>
+              <a:rPr lang="zh-CN" altLang="en-US" dirty="0">
+                <a:solidFill>
+                  <a:srgbClr val="000000"/>
+                </a:solidFill>
+              </a:rPr>
               <a:t> </a:t>
             </a:r>
-          </a:p>
-          <a:p>
-            <a:r>
-              <a:rPr lang="en-US" altLang="zh-CN" dirty="0"/>
-              <a:t>Support</a:t>
-            </a:r>
-            <a:r>
-              <a:rPr lang="zh-CN" altLang="en-US" dirty="0"/>
+            <a:r>
+              <a:rPr lang="en-US" altLang="zh-CN" dirty="0">
+                <a:solidFill>
+                  <a:srgbClr val="000000"/>
+                </a:solidFill>
+              </a:rPr>
+              <a:t>for</a:t>
+            </a:r>
+            <a:r>
+              <a:rPr lang="zh-CN" altLang="en-US" dirty="0">
+                <a:solidFill>
+                  <a:srgbClr val="000000"/>
+                </a:solidFill>
+              </a:rPr>
               <a:t> </a:t>
             </a:r>
             <a:r>
-              <a:rPr lang="en-US" altLang="zh-CN" dirty="0"/>
-              <a:t>executing</a:t>
-            </a:r>
-            <a:r>
-              <a:rPr lang="zh-CN" altLang="en-US" dirty="0"/>
+              <a:rPr lang="en-US" altLang="zh-CN" dirty="0">
+                <a:solidFill>
+                  <a:srgbClr val="000000"/>
+                </a:solidFill>
+              </a:rPr>
+              <a:t>current</a:t>
+            </a:r>
+            <a:r>
+              <a:rPr lang="zh-CN" altLang="en-US" dirty="0">
+                <a:solidFill>
+                  <a:srgbClr val="000000"/>
+                </a:solidFill>
+              </a:rPr>
               <a:t> </a:t>
             </a:r>
             <a:r>
-              <a:rPr lang="en-US" altLang="zh-CN" dirty="0"/>
-              <a:t>two</a:t>
-            </a:r>
-            <a:r>
-              <a:rPr lang="zh-CN" altLang="en-US" dirty="0"/>
-              <a:t> </a:t>
-            </a:r>
-            <a:r>
-              <a:rPr lang="en-US" altLang="zh-CN" dirty="0"/>
-              <a:t>phases</a:t>
-            </a:r>
-            <a:r>
-              <a:rPr lang="zh-CN" altLang="en-US" dirty="0"/>
-              <a:t> </a:t>
-            </a:r>
-            <a:r>
-              <a:rPr lang="en-US" altLang="zh-CN" dirty="0"/>
-              <a:t>separately</a:t>
-            </a:r>
-            <a:r>
-              <a:rPr lang="zh-CN" altLang="en-US" dirty="0"/>
-              <a:t> </a:t>
-            </a:r>
-            <a:r>
-              <a:rPr lang="en-US" altLang="zh-CN" dirty="0"/>
-              <a:t>by</a:t>
-            </a:r>
-            <a:r>
-              <a:rPr lang="zh-CN" altLang="en-US" dirty="0"/>
-              <a:t> </a:t>
-            </a:r>
-            <a:r>
-              <a:rPr lang="en-US" altLang="zh-CN" dirty="0"/>
-              <a:t>specifying</a:t>
-            </a:r>
-            <a:r>
-              <a:rPr lang="zh-CN" altLang="en-US" dirty="0"/>
-              <a:t> </a:t>
-            </a:r>
-            <a:r>
-              <a:rPr lang="en-US" altLang="zh-CN" dirty="0"/>
-              <a:t>different</a:t>
-            </a:r>
-            <a:r>
-              <a:rPr lang="zh-CN" altLang="en-US" dirty="0"/>
-              <a:t> </a:t>
-            </a:r>
-            <a:r>
-              <a:rPr lang="en-US" altLang="zh-CN" dirty="0"/>
-              <a:t>command</a:t>
-            </a:r>
-            <a:r>
-              <a:rPr lang="zh-CN" altLang="en-US" dirty="0"/>
-              <a:t> </a:t>
-            </a:r>
-            <a:r>
-              <a:rPr lang="en-US" altLang="zh-CN" dirty="0"/>
-              <a:t>options.</a:t>
-            </a:r>
-            <a:endParaRPr lang="zh-CN" altLang="en-US" dirty="0"/>
-          </a:p>
-          <a:p>
-            <a:r>
-              <a:rPr lang="en-US" altLang="zh-CN" dirty="0"/>
-              <a:t>Using</a:t>
-            </a:r>
-            <a:r>
-              <a:rPr lang="zh-CN" altLang="en-US" dirty="0"/>
-              <a:t> </a:t>
-            </a:r>
-            <a:r>
-              <a:rPr lang="en-US" altLang="zh-CN" dirty="0"/>
-              <a:t>Eclipse</a:t>
-            </a:r>
-            <a:r>
-              <a:rPr lang="zh-CN" altLang="en-US" dirty="0"/>
-              <a:t> </a:t>
-            </a:r>
-            <a:r>
-              <a:rPr lang="en-US" altLang="zh-CN" dirty="0"/>
-              <a:t>CDT</a:t>
-            </a:r>
-            <a:r>
-              <a:rPr lang="zh-CN" altLang="en-US" dirty="0"/>
-              <a:t> </a:t>
-            </a:r>
-            <a:r>
-              <a:rPr lang="en-US" altLang="zh-CN" dirty="0"/>
-              <a:t>to</a:t>
-            </a:r>
-            <a:r>
-              <a:rPr lang="zh-CN" altLang="en-US" dirty="0"/>
-              <a:t> </a:t>
-            </a:r>
-            <a:r>
-              <a:rPr lang="en-US" altLang="zh-CN" dirty="0"/>
-              <a:t>parse</a:t>
-            </a:r>
-            <a:r>
-              <a:rPr lang="zh-CN" altLang="en-US" dirty="0"/>
-              <a:t> </a:t>
-            </a:r>
-            <a:r>
-              <a:rPr lang="en-US" altLang="zh-CN" dirty="0"/>
-              <a:t>source</a:t>
-            </a:r>
-            <a:r>
-              <a:rPr lang="zh-CN" altLang="en-US" dirty="0"/>
-              <a:t> </a:t>
-            </a:r>
-            <a:r>
-              <a:rPr lang="en-US" altLang="zh-CN" dirty="0"/>
-              <a:t>code</a:t>
-            </a:r>
-            <a:r>
-              <a:rPr lang="zh-CN" altLang="en-US" dirty="0"/>
-              <a:t> </a:t>
-            </a:r>
-            <a:r>
-              <a:rPr lang="en-US" altLang="zh-CN" dirty="0"/>
-              <a:t>and</a:t>
-            </a:r>
-            <a:r>
-              <a:rPr lang="zh-CN" altLang="en-US" dirty="0"/>
-              <a:t> </a:t>
-            </a:r>
-            <a:r>
-              <a:rPr lang="en-US" altLang="zh-CN" dirty="0"/>
-              <a:t>generate</a:t>
-            </a:r>
-            <a:r>
-              <a:rPr lang="zh-CN" altLang="en-US" dirty="0"/>
-              <a:t> </a:t>
-            </a:r>
-            <a:r>
-              <a:rPr lang="en-US" altLang="zh-CN" dirty="0"/>
-              <a:t>AST.</a:t>
-            </a:r>
-          </a:p>
-          <a:p>
-            <a:r>
-              <a:rPr lang="en-US" altLang="zh-CN" dirty="0"/>
-              <a:t>Using sqlite3 as database to save record</a:t>
-            </a:r>
+              <a:rPr lang="en-US" altLang="zh-CN" dirty="0">
+                <a:solidFill>
+                  <a:srgbClr val="000000"/>
+                </a:solidFill>
+              </a:rPr>
+              <a:t>project. </a:t>
+            </a:r>
+            <a:endParaRPr lang="zh-CN" altLang="en-US" dirty="0">
+              <a:solidFill>
+                <a:srgbClr val="000000"/>
+              </a:solidFill>
+            </a:endParaRPr>
+          </a:p>
+          <a:p>
+            <a:pPr lvl="1"/>
+            <a:r>
+              <a:rPr lang="en-US" altLang="zh-CN" dirty="0" err="1">
+                <a:solidFill>
+                  <a:srgbClr val="000000"/>
+                </a:solidFill>
+              </a:rPr>
+              <a:t>iutc</a:t>
+            </a:r>
+            <a:r>
+              <a:rPr lang="en-US" altLang="zh-CN" dirty="0">
+                <a:solidFill>
+                  <a:srgbClr val="000000"/>
+                </a:solidFill>
+              </a:rPr>
+              <a:t> –h</a:t>
+            </a:r>
+            <a:endParaRPr lang="zh-CN" altLang="en-US" dirty="0">
+              <a:solidFill>
+                <a:srgbClr val="000000"/>
+              </a:solidFill>
+            </a:endParaRPr>
+          </a:p>
+          <a:p>
+            <a:pPr lvl="2"/>
+            <a:r>
+              <a:rPr lang="zh-CN" altLang="zh-CN" dirty="0">
+                <a:solidFill>
+                  <a:srgbClr val="000000"/>
+                </a:solidFill>
+              </a:rPr>
+              <a:t>Print help information</a:t>
+            </a:r>
+            <a:r>
+              <a:rPr lang="en-US" altLang="zh-CN" dirty="0">
+                <a:solidFill>
+                  <a:srgbClr val="000000"/>
+                </a:solidFill>
+              </a:rPr>
+              <a:t>.</a:t>
+            </a:r>
+            <a:endParaRPr lang="en-US" altLang="zh-CN" dirty="0"/>
           </a:p>
         </p:txBody>
       </p:sp>
@@ -11956,7 +12128,7 @@
           <a:p>
             <a:fld id="{838B88C3-EF52-4FAD-BCAF-FE7662002012}" type="datetime1">
               <a:rPr lang="zh-CN" altLang="en-US" smtClean="0"/>
-              <a:t>16/7/25</a:t>
+              <a:t>2016/7/25</a:t>
             </a:fld>
             <a:endParaRPr lang="zh-CN" altLang="en-US"/>
           </a:p>
@@ -11965,13 +12137,20 @@
     </p:spTree>
     <p:extLst>
       <p:ext uri="{BB962C8B-B14F-4D97-AF65-F5344CB8AC3E}">
-        <p14:creationId xmlns:p14="http://schemas.microsoft.com/office/powerpoint/2010/main" val="1199799923"/>
+        <p14:creationId xmlns:p14="http://schemas.microsoft.com/office/powerpoint/2010/main" val="917679292"/>
       </p:ext>
     </p:extLst>
   </p:cSld>
   <p:clrMapOvr>
     <a:masterClrMapping/>
   </p:clrMapOvr>
+  <p:timing>
+    <p:tnLst>
+      <p:par>
+        <p:cTn id="1" dur="indefinite" restart="never" nodeType="tmRoot"/>
+      </p:par>
+    </p:tnLst>
+  </p:timing>
 </p:sld>
 </file>
 
@@ -12008,28 +12187,8 @@
           <a:lstStyle/>
           <a:p>
             <a:r>
-              <a:rPr lang="en-US" altLang="zh-CN">
-                <a:solidFill>
-                  <a:srgbClr val="000000"/>
-                </a:solidFill>
-              </a:rPr>
-              <a:t>Command</a:t>
-            </a:r>
-            <a:r>
-              <a:rPr lang="zh-CN" altLang="en-US">
-                <a:solidFill>
-                  <a:srgbClr val="000000"/>
-                </a:solidFill>
-              </a:rPr>
-              <a:t> </a:t>
-            </a:r>
-            <a:r>
-              <a:rPr lang="en-US" altLang="zh-CN">
-                <a:solidFill>
-                  <a:srgbClr val="000000"/>
-                </a:solidFill>
-              </a:rPr>
-              <a:t>Options</a:t>
+              <a:rPr lang="en-US" altLang="zh-CN" dirty="0"/>
+              <a:t>Implementation Status</a:t>
             </a:r>
             <a:endParaRPr lang="zh-CN" altLang="en-US" dirty="0"/>
           </a:p>
@@ -12045,321 +12204,81 @@
             <p:ph idx="1"/>
           </p:nvPr>
         </p:nvSpPr>
-        <p:spPr/>
+        <p:spPr>
+          <a:xfrm>
+            <a:off x="457200" y="1600200"/>
+            <a:ext cx="8229600" cy="4925144"/>
+          </a:xfrm>
+        </p:spPr>
         <p:txBody>
           <a:bodyPr>
-            <a:normAutofit fontScale="92500" lnSpcReduction="10000"/>
+            <a:normAutofit/>
           </a:bodyPr>
           <a:lstStyle/>
           <a:p>
             <a:r>
               <a:rPr lang="en-US" altLang="zh-CN" dirty="0"/>
-              <a:t>Compulsory</a:t>
+              <a:t>Basic incremental unit testing tool</a:t>
+            </a:r>
+            <a:r>
+              <a:rPr lang="zh-CN" altLang="en-US" dirty="0"/>
+              <a:t> </a:t>
+            </a:r>
+            <a:r>
+              <a:rPr lang="en-US" altLang="zh-CN" dirty="0"/>
+              <a:t>for</a:t>
+            </a:r>
+            <a:r>
+              <a:rPr lang="zh-CN" altLang="en-US" dirty="0"/>
+              <a:t> </a:t>
+            </a:r>
+            <a:r>
+              <a:rPr lang="en-US" altLang="zh-CN" dirty="0"/>
+              <a:t>C++</a:t>
+            </a:r>
+            <a:r>
+              <a:rPr lang="zh-CN" altLang="en-US" dirty="0"/>
+              <a:t> </a:t>
+            </a:r>
+            <a:r>
+              <a:rPr lang="en-US" altLang="zh-CN" dirty="0"/>
+              <a:t>Project</a:t>
+            </a:r>
+          </a:p>
+          <a:p>
+            <a:pPr marL="742950" lvl="2" indent="-342900"/>
+            <a:r>
+              <a:rPr lang="en-US" altLang="zh-CN" sz="2800" dirty="0"/>
+              <a:t>Instrumentation source code for logging</a:t>
+            </a:r>
+          </a:p>
+          <a:p>
+            <a:pPr marL="742950" lvl="2" indent="-342900"/>
+            <a:r>
+              <a:rPr lang="en-US" altLang="zh-CN" sz="2800" dirty="0"/>
+              <a:t>Find Function</a:t>
+            </a:r>
+            <a:r>
+              <a:rPr lang="zh-CN" altLang="en-US" sz="2800" dirty="0"/>
+              <a:t> </a:t>
+            </a:r>
+            <a:r>
+              <a:rPr lang="en-US" altLang="zh-CN" sz="2800" dirty="0"/>
+              <a:t>level difference between two source folder</a:t>
+            </a:r>
+          </a:p>
+          <a:p>
+            <a:r>
+              <a:rPr lang="en-US" altLang="zh-CN" dirty="0"/>
+              <a:t>Maintain a database to keep track the relationship between test cases and functions</a:t>
+            </a:r>
+          </a:p>
+          <a:p>
+            <a:r>
+              <a:rPr lang="en-US" altLang="zh-CN" dirty="0"/>
+              <a:t>A bash script to support the workflow</a:t>
             </a:r>
             <a:endParaRPr lang="zh-CN" altLang="en-US" dirty="0"/>
-          </a:p>
-          <a:p>
-            <a:pPr lvl="1"/>
-            <a:r>
-              <a:rPr lang="en-US" altLang="zh-CN" dirty="0" err="1">
-                <a:solidFill>
-                  <a:srgbClr val="000000"/>
-                </a:solidFill>
-              </a:rPr>
-              <a:t>iutc</a:t>
-            </a:r>
-            <a:r>
-              <a:rPr lang="en-US" altLang="zh-CN" dirty="0">
-                <a:solidFill>
-                  <a:srgbClr val="000000"/>
-                </a:solidFill>
-              </a:rPr>
-              <a:t> –c</a:t>
-            </a:r>
-            <a:endParaRPr lang="zh-CN" altLang="en-US" dirty="0">
-              <a:solidFill>
-                <a:srgbClr val="000000"/>
-              </a:solidFill>
-            </a:endParaRPr>
-          </a:p>
-          <a:p>
-            <a:pPr lvl="2"/>
-            <a:r>
-              <a:rPr lang="en-US" altLang="zh-CN" dirty="0">
-                <a:solidFill>
-                  <a:srgbClr val="000000"/>
-                </a:solidFill>
-              </a:rPr>
-              <a:t>Execute</a:t>
-            </a:r>
-            <a:r>
-              <a:rPr lang="zh-CN" altLang="en-US" dirty="0">
-                <a:solidFill>
-                  <a:srgbClr val="000000"/>
-                </a:solidFill>
-              </a:rPr>
-              <a:t> </a:t>
-            </a:r>
-            <a:r>
-              <a:rPr lang="en-US" altLang="zh-CN" dirty="0">
-                <a:solidFill>
-                  <a:srgbClr val="000000"/>
-                </a:solidFill>
-              </a:rPr>
-              <a:t>Preprocessing</a:t>
-            </a:r>
-            <a:r>
-              <a:rPr lang="zh-CN" altLang="en-US" dirty="0">
-                <a:solidFill>
-                  <a:srgbClr val="000000"/>
-                </a:solidFill>
-              </a:rPr>
-              <a:t> </a:t>
-            </a:r>
-            <a:r>
-              <a:rPr lang="en-US" altLang="zh-CN" dirty="0">
-                <a:solidFill>
-                  <a:srgbClr val="000000"/>
-                </a:solidFill>
-              </a:rPr>
-              <a:t>phase.</a:t>
-            </a:r>
-            <a:endParaRPr lang="zh-CN" altLang="en-US" dirty="0">
-              <a:solidFill>
-                <a:srgbClr val="000000"/>
-              </a:solidFill>
-            </a:endParaRPr>
-          </a:p>
-          <a:p>
-            <a:pPr lvl="1"/>
-            <a:r>
-              <a:rPr lang="en-US" altLang="zh-CN" dirty="0" err="1">
-                <a:solidFill>
-                  <a:srgbClr val="000000"/>
-                </a:solidFill>
-              </a:rPr>
-              <a:t>iutc</a:t>
-            </a:r>
-            <a:r>
-              <a:rPr lang="en-US" altLang="zh-CN" dirty="0">
-                <a:solidFill>
-                  <a:srgbClr val="000000"/>
-                </a:solidFill>
-              </a:rPr>
-              <a:t> –s</a:t>
-            </a:r>
-            <a:endParaRPr lang="zh-CN" altLang="en-US" dirty="0">
-              <a:solidFill>
-                <a:srgbClr val="000000"/>
-              </a:solidFill>
-            </a:endParaRPr>
-          </a:p>
-          <a:p>
-            <a:pPr lvl="2"/>
-            <a:r>
-              <a:rPr lang="en-US" altLang="zh-CN" dirty="0">
-                <a:solidFill>
-                  <a:srgbClr val="000000"/>
-                </a:solidFill>
-              </a:rPr>
-              <a:t>Execute</a:t>
-            </a:r>
-            <a:r>
-              <a:rPr lang="zh-CN" altLang="en-US" dirty="0">
-                <a:solidFill>
-                  <a:srgbClr val="000000"/>
-                </a:solidFill>
-              </a:rPr>
-              <a:t> </a:t>
-            </a:r>
-            <a:r>
-              <a:rPr lang="en-US" altLang="zh-CN" dirty="0">
-                <a:solidFill>
-                  <a:srgbClr val="000000"/>
-                </a:solidFill>
-              </a:rPr>
-              <a:t>Incremental</a:t>
-            </a:r>
-            <a:r>
-              <a:rPr lang="zh-CN" altLang="en-US" dirty="0">
-                <a:solidFill>
-                  <a:srgbClr val="000000"/>
-                </a:solidFill>
-              </a:rPr>
-              <a:t> </a:t>
-            </a:r>
-            <a:r>
-              <a:rPr lang="en-US" altLang="zh-CN" dirty="0">
-                <a:solidFill>
-                  <a:srgbClr val="000000"/>
-                </a:solidFill>
-              </a:rPr>
-              <a:t>testing</a:t>
-            </a:r>
-            <a:r>
-              <a:rPr lang="zh-CN" altLang="en-US" dirty="0">
-                <a:solidFill>
-                  <a:srgbClr val="000000"/>
-                </a:solidFill>
-              </a:rPr>
-              <a:t> </a:t>
-            </a:r>
-            <a:r>
-              <a:rPr lang="en-US" altLang="zh-CN" dirty="0">
-                <a:solidFill>
-                  <a:srgbClr val="000000"/>
-                </a:solidFill>
-              </a:rPr>
-              <a:t>phase.</a:t>
-            </a:r>
-            <a:endParaRPr lang="zh-CN" altLang="en-US" dirty="0"/>
-          </a:p>
-          <a:p>
-            <a:r>
-              <a:rPr lang="en-US" altLang="zh-CN" dirty="0"/>
-              <a:t>Optional</a:t>
-            </a:r>
-            <a:endParaRPr lang="zh-CN" altLang="en-US" dirty="0"/>
-          </a:p>
-          <a:p>
-            <a:pPr lvl="1"/>
-            <a:r>
-              <a:rPr lang="en-US" altLang="zh-CN" dirty="0" err="1">
-                <a:solidFill>
-                  <a:srgbClr val="000000"/>
-                </a:solidFill>
-              </a:rPr>
-              <a:t>iutc</a:t>
-            </a:r>
-            <a:r>
-              <a:rPr lang="en-US" altLang="zh-CN" dirty="0">
-                <a:solidFill>
-                  <a:srgbClr val="000000"/>
-                </a:solidFill>
-              </a:rPr>
-              <a:t> –</a:t>
-            </a:r>
-            <a:r>
-              <a:rPr lang="en-US" altLang="zh-CN" dirty="0" err="1">
-                <a:solidFill>
-                  <a:srgbClr val="000000"/>
-                </a:solidFill>
-              </a:rPr>
-              <a:t>i</a:t>
-            </a:r>
-            <a:endParaRPr lang="zh-CN" altLang="en-US" dirty="0">
-              <a:solidFill>
-                <a:srgbClr val="000000"/>
-              </a:solidFill>
-            </a:endParaRPr>
-          </a:p>
-          <a:p>
-            <a:pPr lvl="2"/>
-            <a:r>
-              <a:rPr lang="en-US" altLang="zh-CN" dirty="0">
-                <a:solidFill>
-                  <a:srgbClr val="000000"/>
-                </a:solidFill>
-              </a:rPr>
-              <a:t>Initialize a configuration template file</a:t>
-            </a:r>
-            <a:r>
-              <a:rPr lang="zh-CN" altLang="en-US" dirty="0">
-                <a:solidFill>
-                  <a:srgbClr val="000000"/>
-                </a:solidFill>
-              </a:rPr>
-              <a:t> </a:t>
-            </a:r>
-            <a:r>
-              <a:rPr lang="en-US" altLang="zh-CN" dirty="0">
-                <a:solidFill>
-                  <a:srgbClr val="000000"/>
-                </a:solidFill>
-              </a:rPr>
-              <a:t>for</a:t>
-            </a:r>
-            <a:r>
-              <a:rPr lang="zh-CN" altLang="en-US" dirty="0">
-                <a:solidFill>
-                  <a:srgbClr val="000000"/>
-                </a:solidFill>
-              </a:rPr>
-              <a:t> </a:t>
-            </a:r>
-            <a:r>
-              <a:rPr lang="en-US" altLang="zh-CN" dirty="0">
-                <a:solidFill>
-                  <a:srgbClr val="000000"/>
-                </a:solidFill>
-              </a:rPr>
-              <a:t>current</a:t>
-            </a:r>
-            <a:r>
-              <a:rPr lang="zh-CN" altLang="en-US" dirty="0">
-                <a:solidFill>
-                  <a:srgbClr val="000000"/>
-                </a:solidFill>
-              </a:rPr>
-              <a:t> </a:t>
-            </a:r>
-            <a:r>
-              <a:rPr lang="en-US" altLang="zh-CN" dirty="0">
-                <a:solidFill>
-                  <a:srgbClr val="000000"/>
-                </a:solidFill>
-              </a:rPr>
-              <a:t>project. </a:t>
-            </a:r>
-            <a:endParaRPr lang="zh-CN" altLang="en-US" dirty="0">
-              <a:solidFill>
-                <a:srgbClr val="000000"/>
-              </a:solidFill>
-            </a:endParaRPr>
-          </a:p>
-          <a:p>
-            <a:pPr lvl="1"/>
-            <a:r>
-              <a:rPr lang="en-US" altLang="zh-CN" dirty="0" err="1">
-                <a:solidFill>
-                  <a:srgbClr val="000000"/>
-                </a:solidFill>
-              </a:rPr>
-              <a:t>iutc</a:t>
-            </a:r>
-            <a:r>
-              <a:rPr lang="en-US" altLang="zh-CN" dirty="0">
-                <a:solidFill>
-                  <a:srgbClr val="000000"/>
-                </a:solidFill>
-              </a:rPr>
-              <a:t> –h</a:t>
-            </a:r>
-            <a:endParaRPr lang="zh-CN" altLang="en-US" dirty="0">
-              <a:solidFill>
-                <a:srgbClr val="000000"/>
-              </a:solidFill>
-            </a:endParaRPr>
-          </a:p>
-          <a:p>
-            <a:pPr lvl="2"/>
-            <a:r>
-              <a:rPr lang="zh-CN" altLang="zh-CN" dirty="0">
-                <a:solidFill>
-                  <a:srgbClr val="000000"/>
-                </a:solidFill>
-              </a:rPr>
-              <a:t>Print help information</a:t>
-            </a:r>
-            <a:r>
-              <a:rPr lang="en-US" altLang="zh-CN" dirty="0">
-                <a:solidFill>
-                  <a:srgbClr val="000000"/>
-                </a:solidFill>
-              </a:rPr>
-              <a:t>.</a:t>
-            </a:r>
-            <a:endParaRPr lang="en-US" altLang="zh-CN" dirty="0"/>
           </a:p>
         </p:txBody>
       </p:sp>
@@ -12378,9 +12297,9 @@
           <a:bodyPr/>
           <a:lstStyle/>
           <a:p>
-            <a:fld id="{838B88C3-EF52-4FAD-BCAF-FE7662002012}" type="datetime1">
+            <a:fld id="{5E9EDCF8-D286-4E1D-9375-84D78D0AD50E}" type="datetime1">
               <a:rPr lang="zh-CN" altLang="en-US" smtClean="0"/>
-              <a:t>16/7/25</a:t>
+              <a:t>2016/7/25</a:t>
             </a:fld>
             <a:endParaRPr lang="zh-CN" altLang="en-US"/>
           </a:p>
@@ -12389,13 +12308,20 @@
     </p:spTree>
     <p:extLst>
       <p:ext uri="{BB962C8B-B14F-4D97-AF65-F5344CB8AC3E}">
-        <p14:creationId xmlns:p14="http://schemas.microsoft.com/office/powerpoint/2010/main" val="917679292"/>
+        <p14:creationId xmlns:p14="http://schemas.microsoft.com/office/powerpoint/2010/main" val="3650512781"/>
       </p:ext>
     </p:extLst>
   </p:cSld>
   <p:clrMapOvr>
     <a:masterClrMapping/>
   </p:clrMapOvr>
+  <p:timing>
+    <p:tnLst>
+      <p:par>
+        <p:cTn id="1" dur="indefinite" restart="never" nodeType="tmRoot"/>
+      </p:par>
+    </p:tnLst>
+  </p:timing>
 </p:sld>
 </file>
 
@@ -12525,7 +12451,7 @@
           <a:p>
             <a:fld id="{F3A6A64E-5DC9-4093-BE19-477C24ABD859}" type="datetime1">
               <a:rPr lang="zh-CN" altLang="en-US" smtClean="0"/>
-              <a:t>16/7/25</a:t>
+              <a:t>2016/7/25</a:t>
             </a:fld>
             <a:endParaRPr lang="zh-CN" altLang="en-US"/>
           </a:p>
@@ -12578,7 +12504,7 @@
           <a:p>
             <a:r>
               <a:rPr lang="en-US" altLang="zh-CN" dirty="0"/>
-              <a:t>Implementation Status</a:t>
+              <a:t>Limitations</a:t>
             </a:r>
             <a:endParaRPr lang="zh-CN" altLang="en-US" dirty="0"/>
           </a:p>
@@ -12594,21 +12520,14 @@
             <p:ph idx="1"/>
           </p:nvPr>
         </p:nvSpPr>
-        <p:spPr>
-          <a:xfrm>
-            <a:off x="457200" y="1600200"/>
-            <a:ext cx="8229600" cy="4925144"/>
-          </a:xfrm>
-        </p:spPr>
+        <p:spPr/>
         <p:txBody>
-          <a:bodyPr>
-            <a:normAutofit/>
-          </a:bodyPr>
+          <a:bodyPr/>
           <a:lstStyle/>
           <a:p>
             <a:r>
               <a:rPr lang="en-US" altLang="zh-CN" dirty="0"/>
-              <a:t>Basic incremental unit testing tool</a:t>
+              <a:t>Only</a:t>
             </a:r>
             <a:r>
               <a:rPr lang="zh-CN" altLang="en-US" dirty="0"/>
@@ -12616,7 +12535,7 @@
             </a:r>
             <a:r>
               <a:rPr lang="en-US" altLang="zh-CN" dirty="0"/>
-              <a:t>for</a:t>
+              <a:t>available</a:t>
             </a:r>
             <a:r>
               <a:rPr lang="zh-CN" altLang="en-US" dirty="0"/>
@@ -12624,7 +12543,7 @@
             </a:r>
             <a:r>
               <a:rPr lang="en-US" altLang="zh-CN" dirty="0"/>
-              <a:t>C++</a:t>
+              <a:t>for</a:t>
             </a:r>
             <a:r>
               <a:rPr lang="zh-CN" altLang="en-US" dirty="0"/>
@@ -12632,41 +12551,222 @@
             </a:r>
             <a:r>
               <a:rPr lang="en-US" altLang="zh-CN" dirty="0"/>
-              <a:t>Project</a:t>
-            </a:r>
-          </a:p>
-          <a:p>
-            <a:pPr marL="742950" lvl="2" indent="-342900"/>
-            <a:r>
-              <a:rPr lang="en-US" altLang="zh-CN" sz="2800" dirty="0"/>
-              <a:t>Instrumentation source code for logging</a:t>
-            </a:r>
-          </a:p>
-          <a:p>
-            <a:pPr marL="742950" lvl="2" indent="-342900"/>
-            <a:r>
-              <a:rPr lang="en-US" altLang="zh-CN" sz="2800" dirty="0"/>
-              <a:t>Find Function</a:t>
-            </a:r>
-            <a:r>
-              <a:rPr lang="zh-CN" altLang="en-US" sz="2800" dirty="0"/>
+              <a:t>projects</a:t>
+            </a:r>
+            <a:r>
+              <a:rPr lang="zh-CN" altLang="en-US" dirty="0"/>
               <a:t> </a:t>
             </a:r>
             <a:r>
-              <a:rPr lang="en-US" altLang="zh-CN" sz="2800" dirty="0"/>
-              <a:t>level difference between two source folder</a:t>
-            </a:r>
-          </a:p>
-          <a:p>
-            <a:r>
               <a:rPr lang="en-US" altLang="zh-CN" dirty="0"/>
-              <a:t>Maintain a database to keep track the relationship between test cases and functions</a:t>
-            </a:r>
-          </a:p>
-          <a:p>
+              <a:t>that</a:t>
+            </a:r>
+            <a:r>
+              <a:rPr lang="zh-CN" altLang="en-US" dirty="0"/>
+              <a:t> </a:t>
+            </a:r>
             <a:r>
               <a:rPr lang="en-US" altLang="zh-CN" dirty="0"/>
-              <a:t>A bash script to support the workflow</a:t>
+              <a:t>use</a:t>
+            </a:r>
+            <a:r>
+              <a:rPr lang="zh-CN" altLang="en-US" dirty="0"/>
+              <a:t> </a:t>
+            </a:r>
+            <a:r>
+              <a:rPr lang="en-US" altLang="zh-CN" dirty="0"/>
+              <a:t>Google</a:t>
+            </a:r>
+            <a:r>
+              <a:rPr lang="zh-CN" altLang="en-US" dirty="0"/>
+              <a:t> </a:t>
+            </a:r>
+            <a:r>
+              <a:rPr lang="en-US" altLang="zh-CN" dirty="0"/>
+              <a:t>Test</a:t>
+            </a:r>
+            <a:r>
+              <a:rPr lang="zh-CN" altLang="en-US" dirty="0"/>
+              <a:t> </a:t>
+            </a:r>
+            <a:r>
+              <a:rPr lang="en-US" altLang="zh-CN" dirty="0"/>
+              <a:t>framework</a:t>
+            </a:r>
+            <a:endParaRPr lang="zh-CN" altLang="en-US" dirty="0"/>
+          </a:p>
+          <a:p>
+            <a:r>
+              <a:rPr lang="en-US" altLang="zh-CN" dirty="0"/>
+              <a:t>After</a:t>
+            </a:r>
+            <a:r>
+              <a:rPr lang="zh-CN" altLang="en-US" dirty="0"/>
+              <a:t> </a:t>
+            </a:r>
+            <a:r>
+              <a:rPr lang="en-US" altLang="zh-CN" dirty="0"/>
+              <a:t>rerunning</a:t>
+            </a:r>
+            <a:r>
+              <a:rPr lang="zh-CN" altLang="en-US" dirty="0"/>
+              <a:t> </a:t>
+            </a:r>
+            <a:r>
+              <a:rPr lang="en-US" altLang="zh-CN" dirty="0"/>
+              <a:t>the</a:t>
+            </a:r>
+            <a:r>
+              <a:rPr lang="zh-CN" altLang="en-US" dirty="0"/>
+              <a:t> </a:t>
+            </a:r>
+            <a:r>
+              <a:rPr lang="en-US" altLang="zh-CN" dirty="0"/>
+              <a:t>affected</a:t>
+            </a:r>
+            <a:r>
+              <a:rPr lang="zh-CN" altLang="en-US" dirty="0"/>
+              <a:t> </a:t>
+            </a:r>
+            <a:r>
+              <a:rPr lang="en-US" altLang="zh-CN" dirty="0"/>
+              <a:t>test</a:t>
+            </a:r>
+            <a:r>
+              <a:rPr lang="zh-CN" altLang="en-US" dirty="0"/>
+              <a:t> </a:t>
+            </a:r>
+            <a:r>
+              <a:rPr lang="en-US" altLang="zh-CN" dirty="0"/>
+              <a:t>cases</a:t>
+            </a:r>
+            <a:r>
+              <a:rPr lang="zh-CN" altLang="en-US" dirty="0"/>
+              <a:t> </a:t>
+            </a:r>
+            <a:r>
+              <a:rPr lang="en-US" altLang="zh-CN" dirty="0"/>
+              <a:t>or</a:t>
+            </a:r>
+            <a:r>
+              <a:rPr lang="zh-CN" altLang="en-US" dirty="0"/>
+              <a:t> </a:t>
+            </a:r>
+            <a:r>
+              <a:rPr lang="en-US" altLang="zh-CN" dirty="0"/>
+              <a:t>rerunning</a:t>
+            </a:r>
+            <a:r>
+              <a:rPr lang="zh-CN" altLang="en-US" dirty="0"/>
+              <a:t> </a:t>
+            </a:r>
+            <a:r>
+              <a:rPr lang="en-US" altLang="zh-CN" dirty="0"/>
+              <a:t>all</a:t>
+            </a:r>
+            <a:r>
+              <a:rPr lang="zh-CN" altLang="en-US" dirty="0"/>
+              <a:t> </a:t>
+            </a:r>
+            <a:r>
+              <a:rPr lang="en-US" altLang="zh-CN" dirty="0"/>
+              <a:t>test</a:t>
+            </a:r>
+            <a:r>
+              <a:rPr lang="zh-CN" altLang="en-US" dirty="0"/>
+              <a:t> </a:t>
+            </a:r>
+            <a:r>
+              <a:rPr lang="en-US" altLang="zh-CN" dirty="0"/>
+              <a:t>cases,</a:t>
+            </a:r>
+            <a:r>
+              <a:rPr lang="zh-CN" altLang="en-US" dirty="0"/>
+              <a:t> </a:t>
+            </a:r>
+            <a:r>
+              <a:rPr lang="en-US" altLang="zh-CN" dirty="0"/>
+              <a:t>the</a:t>
+            </a:r>
+            <a:r>
+              <a:rPr lang="zh-CN" altLang="en-US" dirty="0"/>
+              <a:t> </a:t>
+            </a:r>
+            <a:r>
+              <a:rPr lang="en-US" altLang="zh-CN" dirty="0" err="1"/>
+              <a:t>iut</a:t>
+            </a:r>
+            <a:r>
+              <a:rPr lang="zh-CN" altLang="en-US" dirty="0"/>
+              <a:t> </a:t>
+            </a:r>
+            <a:r>
+              <a:rPr lang="en-US" altLang="zh-CN" dirty="0"/>
+              <a:t>program</a:t>
+            </a:r>
+            <a:r>
+              <a:rPr lang="zh-CN" altLang="en-US" dirty="0"/>
+              <a:t> </a:t>
+            </a:r>
+            <a:r>
+              <a:rPr lang="en-US" altLang="zh-CN" dirty="0"/>
+              <a:t>doesn’t</a:t>
+            </a:r>
+            <a:r>
+              <a:rPr lang="zh-CN" altLang="en-US" dirty="0"/>
+              <a:t> </a:t>
+            </a:r>
+            <a:r>
+              <a:rPr lang="en-US" altLang="zh-CN" dirty="0"/>
+              <a:t>update</a:t>
+            </a:r>
+            <a:r>
+              <a:rPr lang="zh-CN" altLang="en-US" dirty="0"/>
+              <a:t> </a:t>
+            </a:r>
+            <a:r>
+              <a:rPr lang="en-US" altLang="zh-CN" dirty="0"/>
+              <a:t>the</a:t>
+            </a:r>
+            <a:r>
+              <a:rPr lang="zh-CN" altLang="en-US" dirty="0"/>
+              <a:t> </a:t>
+            </a:r>
+            <a:r>
+              <a:rPr lang="en-US" altLang="zh-CN" dirty="0"/>
+              <a:t>running</a:t>
+            </a:r>
+            <a:r>
+              <a:rPr lang="zh-CN" altLang="en-US" dirty="0"/>
+              <a:t> </a:t>
+            </a:r>
+            <a:r>
+              <a:rPr lang="en-US" altLang="zh-CN" dirty="0"/>
+              <a:t>result</a:t>
+            </a:r>
+            <a:r>
+              <a:rPr lang="zh-CN" altLang="en-US" dirty="0"/>
+              <a:t> </a:t>
+            </a:r>
+            <a:r>
+              <a:rPr lang="en-US" altLang="zh-CN" dirty="0"/>
+              <a:t>to</a:t>
+            </a:r>
+            <a:r>
+              <a:rPr lang="zh-CN" altLang="en-US" dirty="0"/>
+              <a:t> </a:t>
+            </a:r>
+            <a:r>
+              <a:rPr lang="en-US" altLang="zh-CN" dirty="0"/>
+              <a:t>the</a:t>
+            </a:r>
+            <a:r>
+              <a:rPr lang="zh-CN" altLang="en-US" dirty="0"/>
+              <a:t> </a:t>
+            </a:r>
+            <a:r>
+              <a:rPr lang="en-US" altLang="zh-CN" dirty="0"/>
+              <a:t>database.</a:t>
             </a:r>
             <a:endParaRPr lang="zh-CN" altLang="en-US" dirty="0"/>
           </a:p>
@@ -12687,9 +12787,9 @@
           <a:bodyPr/>
           <a:lstStyle/>
           <a:p>
-            <a:fld id="{5E9EDCF8-D286-4E1D-9375-84D78D0AD50E}" type="datetime1">
+            <a:fld id="{D69B4C5C-ED01-4E3B-A26B-4D49EB11DA60}" type="datetime1">
               <a:rPr lang="zh-CN" altLang="en-US" smtClean="0"/>
-              <a:t>16/7/25</a:t>
+              <a:t>2016/7/25</a:t>
             </a:fld>
             <a:endParaRPr lang="zh-CN" altLang="en-US"/>
           </a:p>
@@ -12698,13 +12798,20 @@
     </p:spTree>
     <p:extLst>
       <p:ext uri="{BB962C8B-B14F-4D97-AF65-F5344CB8AC3E}">
-        <p14:creationId xmlns:p14="http://schemas.microsoft.com/office/powerpoint/2010/main" val="3650512781"/>
+        <p14:creationId xmlns:p14="http://schemas.microsoft.com/office/powerpoint/2010/main" val="391369999"/>
       </p:ext>
     </p:extLst>
   </p:cSld>
   <p:clrMapOvr>
     <a:masterClrMapping/>
   </p:clrMapOvr>
+  <p:timing>
+    <p:tnLst>
+      <p:par>
+        <p:cTn id="1" dur="indefinite" restart="never" nodeType="tmRoot"/>
+      </p:par>
+    </p:tnLst>
+  </p:timing>
 </p:sld>
 </file>
 
@@ -12742,7 +12849,7 @@
           <a:p>
             <a:r>
               <a:rPr lang="en-US" altLang="zh-CN" dirty="0"/>
-              <a:t>Limitations</a:t>
+              <a:t>Agenda</a:t>
             </a:r>
             <a:endParaRPr lang="zh-CN" altLang="en-US" dirty="0"/>
           </a:p>
@@ -12764,249 +12871,94 @@
           <a:lstStyle/>
           <a:p>
             <a:r>
+              <a:rPr lang="en-US" altLang="zh-CN" dirty="0">
+                <a:solidFill>
+                  <a:schemeClr val="bg1">
+                    <a:lumMod val="75000"/>
+                  </a:schemeClr>
+                </a:solidFill>
+              </a:rPr>
+              <a:t>Introduction</a:t>
+            </a:r>
+          </a:p>
+          <a:p>
+            <a:r>
+              <a:rPr lang="en-US" altLang="zh-CN" dirty="0">
+                <a:solidFill>
+                  <a:schemeClr val="bg1">
+                    <a:lumMod val="75000"/>
+                  </a:schemeClr>
+                </a:solidFill>
+              </a:rPr>
+              <a:t>Design</a:t>
+            </a:r>
+          </a:p>
+          <a:p>
+            <a:r>
+              <a:rPr lang="en-US" altLang="zh-CN" dirty="0">
+                <a:solidFill>
+                  <a:schemeClr val="bg1">
+                    <a:lumMod val="75000"/>
+                  </a:schemeClr>
+                </a:solidFill>
+              </a:rPr>
+              <a:t>C++ IUT Implementation</a:t>
+            </a:r>
+          </a:p>
+          <a:p>
+            <a:r>
               <a:rPr lang="en-US" altLang="zh-CN" dirty="0"/>
-              <a:t>Only</a:t>
-            </a:r>
-            <a:r>
-              <a:rPr lang="zh-CN" altLang="en-US" dirty="0"/>
-              <a:t> </a:t>
-            </a:r>
-            <a:r>
-              <a:rPr lang="en-US" altLang="zh-CN" dirty="0"/>
-              <a:t>available</a:t>
-            </a:r>
-            <a:r>
-              <a:rPr lang="zh-CN" altLang="en-US" dirty="0"/>
-              <a:t> </a:t>
-            </a:r>
-            <a:r>
-              <a:rPr lang="en-US" altLang="zh-CN" dirty="0"/>
-              <a:t>for</a:t>
-            </a:r>
-            <a:r>
-              <a:rPr lang="zh-CN" altLang="en-US" dirty="0"/>
-              <a:t> </a:t>
-            </a:r>
-            <a:r>
-              <a:rPr lang="en-US" altLang="zh-CN" dirty="0"/>
-              <a:t>projects</a:t>
-            </a:r>
-            <a:r>
-              <a:rPr lang="zh-CN" altLang="en-US" dirty="0"/>
-              <a:t> </a:t>
-            </a:r>
-            <a:r>
-              <a:rPr lang="en-US" altLang="zh-CN" dirty="0"/>
-              <a:t>that</a:t>
-            </a:r>
-            <a:r>
-              <a:rPr lang="zh-CN" altLang="en-US" dirty="0"/>
-              <a:t> </a:t>
-            </a:r>
-            <a:r>
-              <a:rPr lang="en-US" altLang="zh-CN" dirty="0"/>
-              <a:t>use</a:t>
-            </a:r>
-            <a:r>
-              <a:rPr lang="zh-CN" altLang="en-US" dirty="0"/>
-              <a:t> </a:t>
-            </a:r>
-            <a:r>
-              <a:rPr lang="en-US" altLang="zh-CN" dirty="0"/>
-              <a:t>Google</a:t>
-            </a:r>
-            <a:r>
-              <a:rPr lang="zh-CN" altLang="en-US" dirty="0"/>
-              <a:t> </a:t>
-            </a:r>
-            <a:r>
-              <a:rPr lang="en-US" altLang="zh-CN" dirty="0"/>
-              <a:t>Test</a:t>
-            </a:r>
-            <a:r>
-              <a:rPr lang="zh-CN" altLang="en-US" dirty="0"/>
-              <a:t> </a:t>
-            </a:r>
-            <a:r>
-              <a:rPr lang="en-US" altLang="zh-CN" dirty="0"/>
-              <a:t>framework</a:t>
-            </a:r>
-            <a:endParaRPr lang="zh-CN" altLang="en-US" dirty="0"/>
-          </a:p>
-          <a:p>
-            <a:r>
-              <a:rPr lang="en-US" altLang="zh-CN" dirty="0"/>
-              <a:t>After</a:t>
-            </a:r>
-            <a:r>
-              <a:rPr lang="zh-CN" altLang="en-US" dirty="0"/>
-              <a:t> </a:t>
-            </a:r>
-            <a:r>
-              <a:rPr lang="en-US" altLang="zh-CN" dirty="0"/>
-              <a:t>rerunning</a:t>
-            </a:r>
-            <a:r>
-              <a:rPr lang="zh-CN" altLang="en-US" dirty="0"/>
-              <a:t> </a:t>
-            </a:r>
-            <a:r>
-              <a:rPr lang="en-US" altLang="zh-CN" dirty="0"/>
-              <a:t>the</a:t>
-            </a:r>
-            <a:r>
-              <a:rPr lang="zh-CN" altLang="en-US" dirty="0"/>
-              <a:t> </a:t>
-            </a:r>
-            <a:r>
-              <a:rPr lang="en-US" altLang="zh-CN" dirty="0"/>
-              <a:t>affected</a:t>
-            </a:r>
-            <a:r>
-              <a:rPr lang="zh-CN" altLang="en-US" dirty="0"/>
-              <a:t> </a:t>
-            </a:r>
-            <a:r>
-              <a:rPr lang="en-US" altLang="zh-CN" dirty="0"/>
-              <a:t>test</a:t>
-            </a:r>
-            <a:r>
-              <a:rPr lang="zh-CN" altLang="en-US" dirty="0"/>
-              <a:t> </a:t>
-            </a:r>
-            <a:r>
-              <a:rPr lang="en-US" altLang="zh-CN" dirty="0"/>
-              <a:t>cases</a:t>
-            </a:r>
-            <a:r>
-              <a:rPr lang="zh-CN" altLang="en-US" dirty="0"/>
-              <a:t> </a:t>
-            </a:r>
-            <a:r>
-              <a:rPr lang="en-US" altLang="zh-CN" dirty="0"/>
-              <a:t>or</a:t>
-            </a:r>
-            <a:r>
-              <a:rPr lang="zh-CN" altLang="en-US" dirty="0"/>
-              <a:t> </a:t>
-            </a:r>
-            <a:r>
-              <a:rPr lang="en-US" altLang="zh-CN" dirty="0"/>
-              <a:t>rerunning</a:t>
-            </a:r>
-            <a:r>
-              <a:rPr lang="zh-CN" altLang="en-US" dirty="0"/>
-              <a:t> </a:t>
-            </a:r>
-            <a:r>
-              <a:rPr lang="en-US" altLang="zh-CN" dirty="0"/>
-              <a:t>all</a:t>
-            </a:r>
-            <a:r>
-              <a:rPr lang="zh-CN" altLang="en-US" dirty="0"/>
-              <a:t> </a:t>
-            </a:r>
-            <a:r>
-              <a:rPr lang="en-US" altLang="zh-CN" dirty="0"/>
-              <a:t>test</a:t>
-            </a:r>
-            <a:r>
-              <a:rPr lang="zh-CN" altLang="en-US" dirty="0"/>
-              <a:t> </a:t>
-            </a:r>
-            <a:r>
-              <a:rPr lang="en-US" altLang="zh-CN" dirty="0"/>
-              <a:t>cases,</a:t>
-            </a:r>
-            <a:r>
-              <a:rPr lang="zh-CN" altLang="en-US" dirty="0"/>
-              <a:t> </a:t>
-            </a:r>
-            <a:r>
-              <a:rPr lang="en-US" altLang="zh-CN" dirty="0"/>
-              <a:t>the</a:t>
-            </a:r>
-            <a:r>
-              <a:rPr lang="zh-CN" altLang="en-US" dirty="0"/>
-              <a:t> </a:t>
-            </a:r>
-            <a:r>
-              <a:rPr lang="en-US" altLang="zh-CN" dirty="0" err="1"/>
-              <a:t>iut</a:t>
-            </a:r>
-            <a:r>
-              <a:rPr lang="zh-CN" altLang="en-US" dirty="0"/>
-              <a:t> </a:t>
-            </a:r>
-            <a:r>
-              <a:rPr lang="en-US" altLang="zh-CN" dirty="0"/>
-              <a:t>program</a:t>
-            </a:r>
-            <a:r>
-              <a:rPr lang="zh-CN" altLang="en-US" dirty="0"/>
-              <a:t> </a:t>
-            </a:r>
-            <a:r>
-              <a:rPr lang="en-US" altLang="zh-CN" dirty="0"/>
-              <a:t>doesn’t</a:t>
-            </a:r>
-            <a:r>
-              <a:rPr lang="zh-CN" altLang="en-US" dirty="0"/>
-              <a:t> </a:t>
-            </a:r>
-            <a:r>
-              <a:rPr lang="en-US" altLang="zh-CN" dirty="0"/>
-              <a:t>update</a:t>
-            </a:r>
-            <a:r>
-              <a:rPr lang="zh-CN" altLang="en-US" dirty="0"/>
-              <a:t> </a:t>
-            </a:r>
-            <a:r>
-              <a:rPr lang="en-US" altLang="zh-CN" dirty="0"/>
-              <a:t>the</a:t>
-            </a:r>
-            <a:r>
-              <a:rPr lang="zh-CN" altLang="en-US" dirty="0"/>
-              <a:t> </a:t>
-            </a:r>
-            <a:r>
-              <a:rPr lang="en-US" altLang="zh-CN" dirty="0"/>
-              <a:t>running</a:t>
-            </a:r>
-            <a:r>
-              <a:rPr lang="zh-CN" altLang="en-US" dirty="0"/>
-              <a:t> </a:t>
-            </a:r>
-            <a:r>
-              <a:rPr lang="en-US" altLang="zh-CN" dirty="0"/>
-              <a:t>result</a:t>
-            </a:r>
-            <a:r>
-              <a:rPr lang="zh-CN" altLang="en-US" dirty="0"/>
-              <a:t> </a:t>
-            </a:r>
-            <a:r>
-              <a:rPr lang="en-US" altLang="zh-CN" dirty="0"/>
-              <a:t>to</a:t>
-            </a:r>
-            <a:r>
-              <a:rPr lang="zh-CN" altLang="en-US" dirty="0"/>
-              <a:t> </a:t>
-            </a:r>
-            <a:r>
-              <a:rPr lang="en-US" altLang="zh-CN" dirty="0"/>
-              <a:t>the</a:t>
-            </a:r>
-            <a:r>
-              <a:rPr lang="zh-CN" altLang="en-US" dirty="0"/>
-              <a:t> </a:t>
-            </a:r>
-            <a:r>
-              <a:rPr lang="en-US" altLang="zh-CN" dirty="0"/>
-              <a:t>database.</a:t>
-            </a:r>
-            <a:endParaRPr lang="zh-CN" altLang="en-US" dirty="0"/>
+              <a:t>Java IUT Refinement</a:t>
+            </a:r>
+          </a:p>
+          <a:p>
+            <a:r>
+              <a:rPr lang="en-US" altLang="zh-CN" dirty="0">
+                <a:solidFill>
+                  <a:schemeClr val="bg1">
+                    <a:lumMod val="75000"/>
+                  </a:schemeClr>
+                </a:solidFill>
+              </a:rPr>
+              <a:t>Demo</a:t>
+            </a:r>
+          </a:p>
+          <a:p>
+            <a:r>
+              <a:rPr lang="en-US" altLang="zh-CN" dirty="0">
+                <a:solidFill>
+                  <a:schemeClr val="bg1">
+                    <a:lumMod val="75000"/>
+                  </a:schemeClr>
+                </a:solidFill>
+              </a:rPr>
+              <a:t>Future Work</a:t>
+            </a:r>
+            <a:endParaRPr lang="zh-CN" altLang="en-US" dirty="0">
+              <a:solidFill>
+                <a:schemeClr val="bg1">
+                  <a:lumMod val="75000"/>
+                </a:schemeClr>
+              </a:solidFill>
+            </a:endParaRPr>
+          </a:p>
+          <a:p>
+            <a:endParaRPr lang="zh-CN" altLang="en-US" dirty="0">
+              <a:solidFill>
+                <a:schemeClr val="bg1">
+                  <a:lumMod val="75000"/>
+                </a:schemeClr>
+              </a:solidFill>
+            </a:endParaRPr>
+          </a:p>
+          <a:p>
+            <a:endParaRPr lang="zh-CN" altLang="en-US" dirty="0">
+              <a:solidFill>
+                <a:schemeClr val="bg1">
+                  <a:lumMod val="75000"/>
+                </a:schemeClr>
+              </a:solidFill>
+            </a:endParaRPr>
           </a:p>
         </p:txBody>
       </p:sp>
@@ -13025,9 +12977,9 @@
           <a:bodyPr/>
           <a:lstStyle/>
           <a:p>
-            <a:fld id="{D69B4C5C-ED01-4E3B-A26B-4D49EB11DA60}" type="datetime1">
+            <a:fld id="{E24B9186-B14B-412F-A517-5EAB9A7E23B3}" type="datetime1">
               <a:rPr lang="zh-CN" altLang="en-US" smtClean="0"/>
-              <a:t>16/7/25</a:t>
+              <a:t>2016/7/25</a:t>
             </a:fld>
             <a:endParaRPr lang="zh-CN" altLang="en-US"/>
           </a:p>
@@ -13036,13 +12988,20 @@
     </p:spTree>
     <p:extLst>
       <p:ext uri="{BB962C8B-B14F-4D97-AF65-F5344CB8AC3E}">
-        <p14:creationId xmlns:p14="http://schemas.microsoft.com/office/powerpoint/2010/main" val="391369999"/>
+        <p14:creationId xmlns:p14="http://schemas.microsoft.com/office/powerpoint/2010/main" val="716898500"/>
       </p:ext>
     </p:extLst>
   </p:cSld>
   <p:clrMapOvr>
     <a:masterClrMapping/>
   </p:clrMapOvr>
+  <p:timing>
+    <p:tnLst>
+      <p:par>
+        <p:cTn id="1" dur="indefinite" restart="never" nodeType="tmRoot"/>
+      </p:par>
+    </p:tnLst>
+  </p:timing>
 </p:sld>
 </file>
 
@@ -13080,7 +13039,23 @@
           <a:p>
             <a:r>
               <a:rPr lang="en-US" altLang="zh-CN" dirty="0"/>
-              <a:t>Agenda</a:t>
+              <a:t>Java</a:t>
+            </a:r>
+            <a:r>
+              <a:rPr lang="zh-CN" altLang="en-US" dirty="0"/>
+              <a:t> </a:t>
+            </a:r>
+            <a:r>
+              <a:rPr lang="en-US" altLang="zh-CN" dirty="0"/>
+              <a:t>IUT</a:t>
+            </a:r>
+            <a:r>
+              <a:rPr lang="zh-CN" altLang="en-US" dirty="0"/>
+              <a:t> </a:t>
+            </a:r>
+            <a:r>
+              <a:rPr lang="en-US" altLang="zh-CN" dirty="0"/>
+              <a:t>Refinement</a:t>
             </a:r>
             <a:endParaRPr lang="zh-CN" altLang="en-US" dirty="0"/>
           </a:p>
@@ -13102,94 +13077,16 @@
           <a:lstStyle/>
           <a:p>
             <a:r>
-              <a:rPr lang="en-US" altLang="zh-CN" dirty="0">
-                <a:solidFill>
-                  <a:schemeClr val="bg1">
-                    <a:lumMod val="75000"/>
-                  </a:schemeClr>
-                </a:solidFill>
-              </a:rPr>
-              <a:t>Introduction</a:t>
-            </a:r>
-          </a:p>
-          <a:p>
-            <a:r>
-              <a:rPr lang="en-US" altLang="zh-CN" dirty="0">
-                <a:solidFill>
-                  <a:schemeClr val="bg1">
-                    <a:lumMod val="75000"/>
-                  </a:schemeClr>
-                </a:solidFill>
-              </a:rPr>
-              <a:t>Design</a:t>
-            </a:r>
-          </a:p>
-          <a:p>
-            <a:r>
-              <a:rPr lang="en-US" altLang="zh-CN" dirty="0">
-                <a:solidFill>
-                  <a:schemeClr val="bg1">
-                    <a:lumMod val="75000"/>
-                  </a:schemeClr>
-                </a:solidFill>
-              </a:rPr>
-              <a:t>C++ IUT Implementation</a:t>
-            </a:r>
-          </a:p>
-          <a:p>
-            <a:r>
               <a:rPr lang="en-US" altLang="zh-CN" dirty="0"/>
-              <a:t>Java IUT Refinement</a:t>
-            </a:r>
-          </a:p>
-          <a:p>
-            <a:r>
-              <a:rPr lang="en-US" altLang="zh-CN" dirty="0">
-                <a:solidFill>
-                  <a:schemeClr val="bg1">
-                    <a:lumMod val="75000"/>
-                  </a:schemeClr>
-                </a:solidFill>
-              </a:rPr>
-              <a:t>Demo</a:t>
-            </a:r>
-          </a:p>
-          <a:p>
-            <a:r>
-              <a:rPr lang="en-US" altLang="zh-CN" dirty="0">
-                <a:solidFill>
-                  <a:schemeClr val="bg1">
-                    <a:lumMod val="75000"/>
-                  </a:schemeClr>
-                </a:solidFill>
-              </a:rPr>
-              <a:t>Future Work</a:t>
-            </a:r>
-            <a:endParaRPr lang="zh-CN" altLang="en-US" dirty="0">
-              <a:solidFill>
-                <a:schemeClr val="bg1">
-                  <a:lumMod val="75000"/>
-                </a:schemeClr>
-              </a:solidFill>
-            </a:endParaRPr>
-          </a:p>
-          <a:p>
-            <a:endParaRPr lang="zh-CN" altLang="en-US" dirty="0">
-              <a:solidFill>
-                <a:schemeClr val="bg1">
-                  <a:lumMod val="75000"/>
-                </a:schemeClr>
-              </a:solidFill>
-            </a:endParaRPr>
-          </a:p>
-          <a:p>
-            <a:endParaRPr lang="zh-CN" altLang="en-US" dirty="0">
-              <a:solidFill>
-                <a:schemeClr val="bg1">
-                  <a:lumMod val="75000"/>
-                </a:schemeClr>
-              </a:solidFill>
-            </a:endParaRPr>
+              <a:t>Reduce the previous command options from 7 to 3.</a:t>
+            </a:r>
+            <a:endParaRPr lang="zh-CN" altLang="en-US" dirty="0"/>
+          </a:p>
+          <a:p>
+            <a:endParaRPr lang="zh-CN" altLang="en-US" dirty="0"/>
+          </a:p>
+          <a:p>
+            <a:endParaRPr lang="zh-CN" altLang="en-US" dirty="0"/>
           </a:p>
         </p:txBody>
       </p:sp>
@@ -13208,130 +13105,9 @@
           <a:bodyPr/>
           <a:lstStyle/>
           <a:p>
-            <a:fld id="{E24B9186-B14B-412F-A517-5EAB9A7E23B3}" type="datetime1">
-              <a:rPr lang="zh-CN" altLang="en-US" smtClean="0"/>
-              <a:t>16/7/25</a:t>
-            </a:fld>
-            <a:endParaRPr lang="zh-CN" altLang="en-US"/>
-          </a:p>
-        </p:txBody>
-      </p:sp>
-    </p:spTree>
-    <p:extLst>
-      <p:ext uri="{BB962C8B-B14F-4D97-AF65-F5344CB8AC3E}">
-        <p14:creationId xmlns:p14="http://schemas.microsoft.com/office/powerpoint/2010/main" val="716898500"/>
-      </p:ext>
-    </p:extLst>
-  </p:cSld>
-  <p:clrMapOvr>
-    <a:masterClrMapping/>
-  </p:clrMapOvr>
-</p:sld>
-</file>
-
-<file path=ppt/slides/slide23.xml><?xml version="1.0" encoding="utf-8"?>
-<p:sld xmlns:a="http://schemas.openxmlformats.org/drawingml/2006/main" xmlns:r="http://schemas.openxmlformats.org/officeDocument/2006/relationships" xmlns:p="http://schemas.openxmlformats.org/presentationml/2006/main">
-  <p:cSld>
-    <p:spTree>
-      <p:nvGrpSpPr>
-        <p:cNvPr id="1" name=""/>
-        <p:cNvGrpSpPr/>
-        <p:nvPr/>
-      </p:nvGrpSpPr>
-      <p:grpSpPr>
-        <a:xfrm>
-          <a:off x="0" y="0"/>
-          <a:ext cx="0" cy="0"/>
-          <a:chOff x="0" y="0"/>
-          <a:chExt cx="0" cy="0"/>
-        </a:xfrm>
-      </p:grpSpPr>
-      <p:sp>
-        <p:nvSpPr>
-          <p:cNvPr id="2" name="标题 1"/>
-          <p:cNvSpPr>
-            <a:spLocks noGrp="1"/>
-          </p:cNvSpPr>
-          <p:nvPr>
-            <p:ph type="title"/>
-          </p:nvPr>
-        </p:nvSpPr>
-        <p:spPr/>
-        <p:txBody>
-          <a:bodyPr/>
-          <a:lstStyle/>
-          <a:p>
-            <a:r>
-              <a:rPr lang="en-US" altLang="zh-CN" dirty="0"/>
-              <a:t>Java</a:t>
-            </a:r>
-            <a:r>
-              <a:rPr lang="zh-CN" altLang="en-US" dirty="0"/>
-              <a:t> </a:t>
-            </a:r>
-            <a:r>
-              <a:rPr lang="en-US" altLang="zh-CN" dirty="0"/>
-              <a:t>IUT</a:t>
-            </a:r>
-            <a:r>
-              <a:rPr lang="zh-CN" altLang="en-US" dirty="0"/>
-              <a:t> </a:t>
-            </a:r>
-            <a:r>
-              <a:rPr lang="en-US" altLang="zh-CN" dirty="0"/>
-              <a:t>Refinement</a:t>
-            </a:r>
-            <a:endParaRPr lang="zh-CN" altLang="en-US" dirty="0"/>
-          </a:p>
-        </p:txBody>
-      </p:sp>
-      <p:sp>
-        <p:nvSpPr>
-          <p:cNvPr id="3" name="内容占位符 2"/>
-          <p:cNvSpPr>
-            <a:spLocks noGrp="1"/>
-          </p:cNvSpPr>
-          <p:nvPr>
-            <p:ph idx="1"/>
-          </p:nvPr>
-        </p:nvSpPr>
-        <p:spPr/>
-        <p:txBody>
-          <a:bodyPr/>
-          <a:lstStyle/>
-          <a:p>
-            <a:r>
-              <a:rPr lang="en-US" altLang="zh-CN" dirty="0"/>
-              <a:t>Reduce the previous command options from 7 to 3.</a:t>
-            </a:r>
-            <a:endParaRPr lang="zh-CN" altLang="en-US" dirty="0"/>
-          </a:p>
-          <a:p>
-            <a:endParaRPr lang="zh-CN" altLang="en-US" dirty="0"/>
-          </a:p>
-          <a:p>
-            <a:endParaRPr lang="zh-CN" altLang="en-US" dirty="0"/>
-          </a:p>
-        </p:txBody>
-      </p:sp>
-      <p:sp>
-        <p:nvSpPr>
-          <p:cNvPr id="5" name="日期占位符 4"/>
-          <p:cNvSpPr>
-            <a:spLocks noGrp="1"/>
-          </p:cNvSpPr>
-          <p:nvPr>
-            <p:ph type="dt" sz="half" idx="10"/>
-          </p:nvPr>
-        </p:nvSpPr>
-        <p:spPr/>
-        <p:txBody>
-          <a:bodyPr/>
-          <a:lstStyle/>
-          <a:p>
             <a:fld id="{D69B4C5C-ED01-4E3B-A26B-4D49EB11DA60}" type="datetime1">
               <a:rPr lang="zh-CN" altLang="en-US" smtClean="0"/>
-              <a:t>16/7/25</a:t>
+              <a:t>2016/7/25</a:t>
             </a:fld>
             <a:endParaRPr lang="zh-CN" altLang="en-US"/>
           </a:p>
@@ -15127,10 +14903,17 @@
   <p:clrMapOvr>
     <a:masterClrMapping/>
   </p:clrMapOvr>
+  <p:timing>
+    <p:tnLst>
+      <p:par>
+        <p:cTn id="1" dur="indefinite" restart="never" nodeType="tmRoot"/>
+      </p:par>
+    </p:tnLst>
+  </p:timing>
 </p:sld>
 </file>
 
-<file path=ppt/slides/slide24.xml><?xml version="1.0" encoding="utf-8"?>
+<file path=ppt/slides/slide23.xml><?xml version="1.0" encoding="utf-8"?>
 <p:sld xmlns:a="http://schemas.openxmlformats.org/drawingml/2006/main" xmlns:r="http://schemas.openxmlformats.org/officeDocument/2006/relationships" xmlns:p="http://schemas.openxmlformats.org/presentationml/2006/main">
   <p:cSld>
     <p:spTree>
@@ -16815,7 +16598,7 @@
           <a:p>
             <a:fld id="{BD9BEC3B-8491-4FBA-94D5-C692EE49C8C8}" type="datetime1">
               <a:rPr lang="zh-CN" altLang="en-US" smtClean="0"/>
-              <a:t>16/7/25</a:t>
+              <a:t>2016/7/25</a:t>
             </a:fld>
             <a:endParaRPr lang="zh-CN" altLang="en-US"/>
           </a:p>
@@ -16831,10 +16614,17 @@
   <p:clrMapOvr>
     <a:masterClrMapping/>
   </p:clrMapOvr>
+  <p:timing>
+    <p:tnLst>
+      <p:par>
+        <p:cTn id="1" dur="indefinite" restart="never" nodeType="tmRoot"/>
+      </p:par>
+    </p:tnLst>
+  </p:timing>
 </p:sld>
 </file>
 
-<file path=ppt/slides/slide25.xml><?xml version="1.0" encoding="utf-8"?>
+<file path=ppt/slides/slide24.xml><?xml version="1.0" encoding="utf-8"?>
 <p:sld xmlns:a="http://schemas.openxmlformats.org/drawingml/2006/main" xmlns:r="http://schemas.openxmlformats.org/officeDocument/2006/relationships" xmlns:p="http://schemas.openxmlformats.org/presentationml/2006/main">
   <p:cSld>
     <p:spTree>
@@ -18355,7 +18145,7 @@
           <a:p>
             <a:fld id="{BD9BEC3B-8491-4FBA-94D5-C692EE49C8C8}" type="datetime1">
               <a:rPr lang="zh-CN" altLang="en-US" smtClean="0"/>
-              <a:t>16/7/25</a:t>
+              <a:t>2016/7/25</a:t>
             </a:fld>
             <a:endParaRPr lang="zh-CN" altLang="en-US"/>
           </a:p>
@@ -18371,6 +18161,203 @@
   <p:clrMapOvr>
     <a:masterClrMapping/>
   </p:clrMapOvr>
+  <p:timing>
+    <p:tnLst>
+      <p:par>
+        <p:cTn id="1" dur="indefinite" restart="never" nodeType="tmRoot"/>
+      </p:par>
+    </p:tnLst>
+  </p:timing>
+</p:sld>
+</file>
+
+<file path=ppt/slides/slide25.xml><?xml version="1.0" encoding="utf-8"?>
+<p:sld xmlns:a="http://schemas.openxmlformats.org/drawingml/2006/main" xmlns:r="http://schemas.openxmlformats.org/officeDocument/2006/relationships" xmlns:p="http://schemas.openxmlformats.org/presentationml/2006/main">
+  <p:cSld>
+    <p:spTree>
+      <p:nvGrpSpPr>
+        <p:cNvPr id="1" name=""/>
+        <p:cNvGrpSpPr/>
+        <p:nvPr/>
+      </p:nvGrpSpPr>
+      <p:grpSpPr>
+        <a:xfrm>
+          <a:off x="0" y="0"/>
+          <a:ext cx="0" cy="0"/>
+          <a:chOff x="0" y="0"/>
+          <a:chExt cx="0" cy="0"/>
+        </a:xfrm>
+      </p:grpSpPr>
+      <p:sp>
+        <p:nvSpPr>
+          <p:cNvPr id="2" name="标题 1"/>
+          <p:cNvSpPr>
+            <a:spLocks noGrp="1"/>
+          </p:cNvSpPr>
+          <p:nvPr>
+            <p:ph type="title"/>
+          </p:nvPr>
+        </p:nvSpPr>
+        <p:spPr/>
+        <p:txBody>
+          <a:bodyPr/>
+          <a:lstStyle/>
+          <a:p>
+            <a:r>
+              <a:rPr lang="en-US" altLang="zh-CN" dirty="0"/>
+              <a:t>Agenda</a:t>
+            </a:r>
+            <a:endParaRPr lang="zh-CN" altLang="en-US" dirty="0"/>
+          </a:p>
+        </p:txBody>
+      </p:sp>
+      <p:sp>
+        <p:nvSpPr>
+          <p:cNvPr id="3" name="内容占位符 2"/>
+          <p:cNvSpPr>
+            <a:spLocks noGrp="1"/>
+          </p:cNvSpPr>
+          <p:nvPr>
+            <p:ph idx="1"/>
+          </p:nvPr>
+        </p:nvSpPr>
+        <p:spPr/>
+        <p:txBody>
+          <a:bodyPr/>
+          <a:lstStyle/>
+          <a:p>
+            <a:r>
+              <a:rPr lang="en-US" altLang="zh-CN" dirty="0">
+                <a:solidFill>
+                  <a:schemeClr val="bg1">
+                    <a:lumMod val="75000"/>
+                  </a:schemeClr>
+                </a:solidFill>
+              </a:rPr>
+              <a:t>Introduction</a:t>
+            </a:r>
+          </a:p>
+          <a:p>
+            <a:r>
+              <a:rPr lang="en-US" altLang="zh-CN" dirty="0">
+                <a:solidFill>
+                  <a:schemeClr val="bg1">
+                    <a:lumMod val="75000"/>
+                  </a:schemeClr>
+                </a:solidFill>
+              </a:rPr>
+              <a:t>Design</a:t>
+            </a:r>
+          </a:p>
+          <a:p>
+            <a:r>
+              <a:rPr lang="en-US" altLang="zh-CN" dirty="0">
+                <a:solidFill>
+                  <a:schemeClr val="bg1">
+                    <a:lumMod val="75000"/>
+                  </a:schemeClr>
+                </a:solidFill>
+              </a:rPr>
+              <a:t>C++ IUT Implementation</a:t>
+            </a:r>
+          </a:p>
+          <a:p>
+            <a:r>
+              <a:rPr lang="en-US" altLang="zh-CN" dirty="0">
+                <a:solidFill>
+                  <a:schemeClr val="bg1">
+                    <a:lumMod val="75000"/>
+                  </a:schemeClr>
+                </a:solidFill>
+              </a:rPr>
+              <a:t>Java IUT Refinement</a:t>
+            </a:r>
+          </a:p>
+          <a:p>
+            <a:r>
+              <a:rPr lang="en-US" altLang="zh-CN" dirty="0"/>
+              <a:t>Demo</a:t>
+            </a:r>
+          </a:p>
+          <a:p>
+            <a:r>
+              <a:rPr lang="en-US" altLang="zh-CN" dirty="0">
+                <a:solidFill>
+                  <a:schemeClr val="bg1">
+                    <a:lumMod val="75000"/>
+                  </a:schemeClr>
+                </a:solidFill>
+              </a:rPr>
+              <a:t>Future Work</a:t>
+            </a:r>
+            <a:endParaRPr lang="zh-CN" altLang="en-US" dirty="0">
+              <a:solidFill>
+                <a:schemeClr val="bg1">
+                  <a:lumMod val="75000"/>
+                </a:schemeClr>
+              </a:solidFill>
+            </a:endParaRPr>
+          </a:p>
+          <a:p>
+            <a:endParaRPr lang="zh-CN" altLang="en-US" dirty="0">
+              <a:solidFill>
+                <a:schemeClr val="bg1">
+                  <a:lumMod val="75000"/>
+                </a:schemeClr>
+              </a:solidFill>
+            </a:endParaRPr>
+          </a:p>
+          <a:p>
+            <a:endParaRPr lang="zh-CN" altLang="en-US" dirty="0">
+              <a:solidFill>
+                <a:schemeClr val="bg1">
+                  <a:lumMod val="75000"/>
+                </a:schemeClr>
+              </a:solidFill>
+            </a:endParaRPr>
+          </a:p>
+        </p:txBody>
+      </p:sp>
+      <p:sp>
+        <p:nvSpPr>
+          <p:cNvPr id="5" name="日期占位符 4"/>
+          <p:cNvSpPr>
+            <a:spLocks noGrp="1"/>
+          </p:cNvSpPr>
+          <p:nvPr>
+            <p:ph type="dt" sz="half" idx="10"/>
+          </p:nvPr>
+        </p:nvSpPr>
+        <p:spPr/>
+        <p:txBody>
+          <a:bodyPr/>
+          <a:lstStyle/>
+          <a:p>
+            <a:fld id="{E24B9186-B14B-412F-A517-5EAB9A7E23B3}" type="datetime1">
+              <a:rPr lang="zh-CN" altLang="en-US" smtClean="0"/>
+              <a:t>2016/7/25</a:t>
+            </a:fld>
+            <a:endParaRPr lang="zh-CN" altLang="en-US"/>
+          </a:p>
+        </p:txBody>
+      </p:sp>
+    </p:spTree>
+    <p:extLst>
+      <p:ext uri="{BB962C8B-B14F-4D97-AF65-F5344CB8AC3E}">
+        <p14:creationId xmlns:p14="http://schemas.microsoft.com/office/powerpoint/2010/main" val="1851445950"/>
+      </p:ext>
+    </p:extLst>
+  </p:cSld>
+  <p:clrMapOvr>
+    <a:masterClrMapping/>
+  </p:clrMapOvr>
+  <p:timing>
+    <p:tnLst>
+      <p:par>
+        <p:cTn id="1" dur="indefinite" restart="never" nodeType="tmRoot"/>
+      </p:par>
+    </p:tnLst>
+  </p:timing>
 </p:sld>
 </file>
 
@@ -18408,7 +18395,7 @@
           <a:p>
             <a:r>
               <a:rPr lang="en-US" altLang="zh-CN" dirty="0"/>
-              <a:t>Agenda</a:t>
+              <a:t>DEMO</a:t>
             </a:r>
             <a:endParaRPr lang="zh-CN" altLang="en-US" dirty="0"/>
           </a:p>
@@ -18429,95 +18416,7 @@
           <a:bodyPr/>
           <a:lstStyle/>
           <a:p>
-            <a:r>
-              <a:rPr lang="en-US" altLang="zh-CN" dirty="0">
-                <a:solidFill>
-                  <a:schemeClr val="bg1">
-                    <a:lumMod val="75000"/>
-                  </a:schemeClr>
-                </a:solidFill>
-              </a:rPr>
-              <a:t>Introduction</a:t>
-            </a:r>
-          </a:p>
-          <a:p>
-            <a:r>
-              <a:rPr lang="en-US" altLang="zh-CN" dirty="0">
-                <a:solidFill>
-                  <a:schemeClr val="bg1">
-                    <a:lumMod val="75000"/>
-                  </a:schemeClr>
-                </a:solidFill>
-              </a:rPr>
-              <a:t>Design</a:t>
-            </a:r>
-          </a:p>
-          <a:p>
-            <a:r>
-              <a:rPr lang="en-US" altLang="zh-CN" dirty="0">
-                <a:solidFill>
-                  <a:schemeClr val="bg1">
-                    <a:lumMod val="75000"/>
-                  </a:schemeClr>
-                </a:solidFill>
-              </a:rPr>
-              <a:t>C++ IUT Implementation</a:t>
-            </a:r>
-          </a:p>
-          <a:p>
-            <a:r>
-              <a:rPr lang="en-US" altLang="zh-CN" dirty="0">
-                <a:solidFill>
-                  <a:schemeClr val="bg1">
-                    <a:lumMod val="75000"/>
-                  </a:schemeClr>
-                </a:solidFill>
-              </a:rPr>
-              <a:t>Java IUT Refinement</a:t>
-            </a:r>
-          </a:p>
-          <a:p>
-            <a:r>
-              <a:rPr lang="en-US" altLang="zh-CN" dirty="0"/>
-              <a:t>Demo</a:t>
-            </a:r>
-          </a:p>
-          <a:p>
-            <a:r>
-              <a:rPr lang="en-US" altLang="zh-CN" dirty="0">
-                <a:solidFill>
-                  <a:schemeClr val="bg1">
-                    <a:lumMod val="75000"/>
-                  </a:schemeClr>
-                </a:solidFill>
-              </a:rPr>
-              <a:t>Future Work</a:t>
-            </a:r>
-            <a:endParaRPr lang="zh-CN" altLang="en-US" dirty="0">
-              <a:solidFill>
-                <a:schemeClr val="bg1">
-                  <a:lumMod val="75000"/>
-                </a:schemeClr>
-              </a:solidFill>
-            </a:endParaRPr>
-          </a:p>
-          <a:p>
-            <a:endParaRPr lang="zh-CN" altLang="en-US" dirty="0">
-              <a:solidFill>
-                <a:schemeClr val="bg1">
-                  <a:lumMod val="75000"/>
-                </a:schemeClr>
-              </a:solidFill>
-            </a:endParaRPr>
-          </a:p>
-          <a:p>
-            <a:endParaRPr lang="zh-CN" altLang="en-US" dirty="0">
-              <a:solidFill>
-                <a:schemeClr val="bg1">
-                  <a:lumMod val="75000"/>
-                </a:schemeClr>
-              </a:solidFill>
-            </a:endParaRPr>
+            <a:endParaRPr lang="zh-CN" altLang="en-US"/>
           </a:p>
         </p:txBody>
       </p:sp>
@@ -18536,9 +18435,9 @@
           <a:bodyPr/>
           <a:lstStyle/>
           <a:p>
-            <a:fld id="{E24B9186-B14B-412F-A517-5EAB9A7E23B3}" type="datetime1">
+            <a:fld id="{C1D4F7DD-263F-4C5F-A4F9-B010F65DFD17}" type="datetime1">
               <a:rPr lang="zh-CN" altLang="en-US" smtClean="0"/>
-              <a:t>16/7/25</a:t>
+              <a:t>2016/7/25</a:t>
             </a:fld>
             <a:endParaRPr lang="zh-CN" altLang="en-US"/>
           </a:p>
@@ -18547,13 +18446,20 @@
     </p:spTree>
     <p:extLst>
       <p:ext uri="{BB962C8B-B14F-4D97-AF65-F5344CB8AC3E}">
-        <p14:creationId xmlns:p14="http://schemas.microsoft.com/office/powerpoint/2010/main" val="1851445950"/>
+        <p14:creationId xmlns:p14="http://schemas.microsoft.com/office/powerpoint/2010/main" val="4182109485"/>
       </p:ext>
     </p:extLst>
   </p:cSld>
   <p:clrMapOvr>
     <a:masterClrMapping/>
   </p:clrMapOvr>
+  <p:timing>
+    <p:tnLst>
+      <p:par>
+        <p:cTn id="1" dur="indefinite" restart="never" nodeType="tmRoot"/>
+      </p:par>
+    </p:tnLst>
+  </p:timing>
 </p:sld>
 </file>
 
@@ -18591,7 +18497,7 @@
           <a:p>
             <a:r>
               <a:rPr lang="en-US" altLang="zh-CN" dirty="0"/>
-              <a:t>DEMO</a:t>
+              <a:t>Agenda</a:t>
             </a:r>
             <a:endParaRPr lang="zh-CN" altLang="en-US" dirty="0"/>
           </a:p>
@@ -18612,7 +18518,89 @@
           <a:bodyPr/>
           <a:lstStyle/>
           <a:p>
-            <a:endParaRPr lang="zh-CN" altLang="en-US"/>
+            <a:r>
+              <a:rPr lang="en-US" altLang="zh-CN" dirty="0">
+                <a:solidFill>
+                  <a:schemeClr val="bg1">
+                    <a:lumMod val="75000"/>
+                  </a:schemeClr>
+                </a:solidFill>
+              </a:rPr>
+              <a:t>Introduction</a:t>
+            </a:r>
+          </a:p>
+          <a:p>
+            <a:r>
+              <a:rPr lang="en-US" altLang="zh-CN" dirty="0">
+                <a:solidFill>
+                  <a:schemeClr val="bg1">
+                    <a:lumMod val="75000"/>
+                  </a:schemeClr>
+                </a:solidFill>
+              </a:rPr>
+              <a:t>Design</a:t>
+            </a:r>
+          </a:p>
+          <a:p>
+            <a:r>
+              <a:rPr lang="en-US" altLang="zh-CN" dirty="0">
+                <a:solidFill>
+                  <a:schemeClr val="bg1">
+                    <a:lumMod val="75000"/>
+                  </a:schemeClr>
+                </a:solidFill>
+              </a:rPr>
+              <a:t>C++ IUT Implementation</a:t>
+            </a:r>
+          </a:p>
+          <a:p>
+            <a:r>
+              <a:rPr lang="en-US" altLang="zh-CN" dirty="0">
+                <a:solidFill>
+                  <a:schemeClr val="bg1">
+                    <a:lumMod val="75000"/>
+                  </a:schemeClr>
+                </a:solidFill>
+              </a:rPr>
+              <a:t>Java IUT Refinement</a:t>
+            </a:r>
+          </a:p>
+          <a:p>
+            <a:r>
+              <a:rPr lang="en-US" altLang="zh-CN" dirty="0">
+                <a:solidFill>
+                  <a:schemeClr val="bg1">
+                    <a:lumMod val="75000"/>
+                  </a:schemeClr>
+                </a:solidFill>
+              </a:rPr>
+              <a:t>Demo</a:t>
+            </a:r>
+          </a:p>
+          <a:p>
+            <a:r>
+              <a:rPr lang="en-US" altLang="zh-CN" dirty="0"/>
+              <a:t>Future Work</a:t>
+            </a:r>
+            <a:endParaRPr lang="zh-CN" altLang="en-US" dirty="0"/>
+          </a:p>
+          <a:p>
+            <a:endParaRPr lang="zh-CN" altLang="en-US" dirty="0">
+              <a:solidFill>
+                <a:schemeClr val="bg1">
+                  <a:lumMod val="75000"/>
+                </a:schemeClr>
+              </a:solidFill>
+            </a:endParaRPr>
+          </a:p>
+          <a:p>
+            <a:endParaRPr lang="zh-CN" altLang="en-US" dirty="0">
+              <a:solidFill>
+                <a:schemeClr val="bg1">
+                  <a:lumMod val="75000"/>
+                </a:schemeClr>
+              </a:solidFill>
+            </a:endParaRPr>
           </a:p>
         </p:txBody>
       </p:sp>
@@ -18631,9 +18619,9 @@
           <a:bodyPr/>
           <a:lstStyle/>
           <a:p>
-            <a:fld id="{C1D4F7DD-263F-4C5F-A4F9-B010F65DFD17}" type="datetime1">
+            <a:fld id="{E24B9186-B14B-412F-A517-5EAB9A7E23B3}" type="datetime1">
               <a:rPr lang="zh-CN" altLang="en-US" smtClean="0"/>
-              <a:t>16/7/25</a:t>
+              <a:t>2016/7/25</a:t>
             </a:fld>
             <a:endParaRPr lang="zh-CN" altLang="en-US"/>
           </a:p>
@@ -18642,13 +18630,20 @@
     </p:spTree>
     <p:extLst>
       <p:ext uri="{BB962C8B-B14F-4D97-AF65-F5344CB8AC3E}">
-        <p14:creationId xmlns:p14="http://schemas.microsoft.com/office/powerpoint/2010/main" val="4182109485"/>
+        <p14:creationId xmlns:p14="http://schemas.microsoft.com/office/powerpoint/2010/main" val="1051402293"/>
       </p:ext>
     </p:extLst>
   </p:cSld>
   <p:clrMapOvr>
     <a:masterClrMapping/>
   </p:clrMapOvr>
+  <p:timing>
+    <p:tnLst>
+      <p:par>
+        <p:cTn id="1" dur="indefinite" restart="never" nodeType="tmRoot"/>
+      </p:par>
+    </p:tnLst>
+  </p:timing>
 </p:sld>
 </file>
 
@@ -18681,183 +18676,6 @@
         </p:nvSpPr>
         <p:spPr/>
         <p:txBody>
-          <a:bodyPr/>
-          <a:lstStyle/>
-          <a:p>
-            <a:r>
-              <a:rPr lang="en-US" altLang="zh-CN" dirty="0"/>
-              <a:t>Agenda</a:t>
-            </a:r>
-            <a:endParaRPr lang="zh-CN" altLang="en-US" dirty="0"/>
-          </a:p>
-        </p:txBody>
-      </p:sp>
-      <p:sp>
-        <p:nvSpPr>
-          <p:cNvPr id="3" name="内容占位符 2"/>
-          <p:cNvSpPr>
-            <a:spLocks noGrp="1"/>
-          </p:cNvSpPr>
-          <p:nvPr>
-            <p:ph idx="1"/>
-          </p:nvPr>
-        </p:nvSpPr>
-        <p:spPr/>
-        <p:txBody>
-          <a:bodyPr/>
-          <a:lstStyle/>
-          <a:p>
-            <a:r>
-              <a:rPr lang="en-US" altLang="zh-CN" dirty="0">
-                <a:solidFill>
-                  <a:schemeClr val="bg1">
-                    <a:lumMod val="75000"/>
-                  </a:schemeClr>
-                </a:solidFill>
-              </a:rPr>
-              <a:t>Introduction</a:t>
-            </a:r>
-          </a:p>
-          <a:p>
-            <a:r>
-              <a:rPr lang="en-US" altLang="zh-CN" dirty="0">
-                <a:solidFill>
-                  <a:schemeClr val="bg1">
-                    <a:lumMod val="75000"/>
-                  </a:schemeClr>
-                </a:solidFill>
-              </a:rPr>
-              <a:t>Design</a:t>
-            </a:r>
-          </a:p>
-          <a:p>
-            <a:r>
-              <a:rPr lang="en-US" altLang="zh-CN" dirty="0">
-                <a:solidFill>
-                  <a:schemeClr val="bg1">
-                    <a:lumMod val="75000"/>
-                  </a:schemeClr>
-                </a:solidFill>
-              </a:rPr>
-              <a:t>C++ IUT Implementation</a:t>
-            </a:r>
-          </a:p>
-          <a:p>
-            <a:r>
-              <a:rPr lang="en-US" altLang="zh-CN" dirty="0">
-                <a:solidFill>
-                  <a:schemeClr val="bg1">
-                    <a:lumMod val="75000"/>
-                  </a:schemeClr>
-                </a:solidFill>
-              </a:rPr>
-              <a:t>Java IUT Refinement</a:t>
-            </a:r>
-          </a:p>
-          <a:p>
-            <a:r>
-              <a:rPr lang="en-US" altLang="zh-CN" dirty="0">
-                <a:solidFill>
-                  <a:schemeClr val="bg1">
-                    <a:lumMod val="75000"/>
-                  </a:schemeClr>
-                </a:solidFill>
-              </a:rPr>
-              <a:t>Demo</a:t>
-            </a:r>
-          </a:p>
-          <a:p>
-            <a:r>
-              <a:rPr lang="en-US" altLang="zh-CN" dirty="0"/>
-              <a:t>Future Work</a:t>
-            </a:r>
-            <a:endParaRPr lang="zh-CN" altLang="en-US" dirty="0"/>
-          </a:p>
-          <a:p>
-            <a:endParaRPr lang="zh-CN" altLang="en-US" dirty="0">
-              <a:solidFill>
-                <a:schemeClr val="bg1">
-                  <a:lumMod val="75000"/>
-                </a:schemeClr>
-              </a:solidFill>
-            </a:endParaRPr>
-          </a:p>
-          <a:p>
-            <a:endParaRPr lang="zh-CN" altLang="en-US" dirty="0">
-              <a:solidFill>
-                <a:schemeClr val="bg1">
-                  <a:lumMod val="75000"/>
-                </a:schemeClr>
-              </a:solidFill>
-            </a:endParaRPr>
-          </a:p>
-        </p:txBody>
-      </p:sp>
-      <p:sp>
-        <p:nvSpPr>
-          <p:cNvPr id="5" name="日期占位符 4"/>
-          <p:cNvSpPr>
-            <a:spLocks noGrp="1"/>
-          </p:cNvSpPr>
-          <p:nvPr>
-            <p:ph type="dt" sz="half" idx="10"/>
-          </p:nvPr>
-        </p:nvSpPr>
-        <p:spPr/>
-        <p:txBody>
-          <a:bodyPr/>
-          <a:lstStyle/>
-          <a:p>
-            <a:fld id="{E24B9186-B14B-412F-A517-5EAB9A7E23B3}" type="datetime1">
-              <a:rPr lang="zh-CN" altLang="en-US" smtClean="0"/>
-              <a:t>16/7/25</a:t>
-            </a:fld>
-            <a:endParaRPr lang="zh-CN" altLang="en-US"/>
-          </a:p>
-        </p:txBody>
-      </p:sp>
-    </p:spTree>
-    <p:extLst>
-      <p:ext uri="{BB962C8B-B14F-4D97-AF65-F5344CB8AC3E}">
-        <p14:creationId xmlns:p14="http://schemas.microsoft.com/office/powerpoint/2010/main" val="1051402293"/>
-      </p:ext>
-    </p:extLst>
-  </p:cSld>
-  <p:clrMapOvr>
-    <a:masterClrMapping/>
-  </p:clrMapOvr>
-</p:sld>
-</file>
-
-<file path=ppt/slides/slide29.xml><?xml version="1.0" encoding="utf-8"?>
-<p:sld xmlns:a="http://schemas.openxmlformats.org/drawingml/2006/main" xmlns:r="http://schemas.openxmlformats.org/officeDocument/2006/relationships" xmlns:p="http://schemas.openxmlformats.org/presentationml/2006/main">
-  <p:cSld>
-    <p:spTree>
-      <p:nvGrpSpPr>
-        <p:cNvPr id="1" name=""/>
-        <p:cNvGrpSpPr/>
-        <p:nvPr/>
-      </p:nvGrpSpPr>
-      <p:grpSpPr>
-        <a:xfrm>
-          <a:off x="0" y="0"/>
-          <a:ext cx="0" cy="0"/>
-          <a:chOff x="0" y="0"/>
-          <a:chExt cx="0" cy="0"/>
-        </a:xfrm>
-      </p:grpSpPr>
-      <p:sp>
-        <p:nvSpPr>
-          <p:cNvPr id="2" name="标题 1"/>
-          <p:cNvSpPr>
-            <a:spLocks noGrp="1"/>
-          </p:cNvSpPr>
-          <p:nvPr>
-            <p:ph type="title"/>
-          </p:nvPr>
-        </p:nvSpPr>
-        <p:spPr/>
-        <p:txBody>
           <a:bodyPr>
             <a:normAutofit/>
           </a:bodyPr>
@@ -18949,7 +18767,7 @@
           <a:p>
             <a:fld id="{FC91C104-76BD-4C9C-8475-1BCC6B31C9F1}" type="datetime1">
               <a:rPr lang="zh-CN" altLang="en-US" smtClean="0"/>
-              <a:t>16/7/25</a:t>
+              <a:t>2016/7/25</a:t>
             </a:fld>
             <a:endParaRPr lang="zh-CN" altLang="en-US"/>
           </a:p>
@@ -18965,184 +18783,17 @@
   <p:clrMapOvr>
     <a:masterClrMapping/>
   </p:clrMapOvr>
+  <p:timing>
+    <p:tnLst>
+      <p:par>
+        <p:cTn id="1" dur="indefinite" restart="never" nodeType="tmRoot"/>
+      </p:par>
+    </p:tnLst>
+  </p:timing>
 </p:sld>
 </file>
 
-<file path=ppt/slides/slide3.xml><?xml version="1.0" encoding="utf-8"?>
-<p:sld xmlns:a="http://schemas.openxmlformats.org/drawingml/2006/main" xmlns:r="http://schemas.openxmlformats.org/officeDocument/2006/relationships" xmlns:p="http://schemas.openxmlformats.org/presentationml/2006/main">
-  <p:cSld>
-    <p:spTree>
-      <p:nvGrpSpPr>
-        <p:cNvPr id="1" name=""/>
-        <p:cNvGrpSpPr/>
-        <p:nvPr/>
-      </p:nvGrpSpPr>
-      <p:grpSpPr>
-        <a:xfrm>
-          <a:off x="0" y="0"/>
-          <a:ext cx="0" cy="0"/>
-          <a:chOff x="0" y="0"/>
-          <a:chExt cx="0" cy="0"/>
-        </a:xfrm>
-      </p:grpSpPr>
-      <p:sp>
-        <p:nvSpPr>
-          <p:cNvPr id="2" name="标题 1"/>
-          <p:cNvSpPr>
-            <a:spLocks noGrp="1"/>
-          </p:cNvSpPr>
-          <p:nvPr>
-            <p:ph type="title"/>
-          </p:nvPr>
-        </p:nvSpPr>
-        <p:spPr/>
-        <p:txBody>
-          <a:bodyPr/>
-          <a:lstStyle/>
-          <a:p>
-            <a:r>
-              <a:rPr lang="en-US" altLang="zh-CN" dirty="0"/>
-              <a:t>Agenda</a:t>
-            </a:r>
-            <a:endParaRPr lang="zh-CN" altLang="en-US" dirty="0"/>
-          </a:p>
-        </p:txBody>
-      </p:sp>
-      <p:sp>
-        <p:nvSpPr>
-          <p:cNvPr id="3" name="内容占位符 2"/>
-          <p:cNvSpPr>
-            <a:spLocks noGrp="1"/>
-          </p:cNvSpPr>
-          <p:nvPr>
-            <p:ph idx="1"/>
-          </p:nvPr>
-        </p:nvSpPr>
-        <p:spPr/>
-        <p:txBody>
-          <a:bodyPr/>
-          <a:lstStyle/>
-          <a:p>
-            <a:r>
-              <a:rPr lang="en-US" altLang="zh-CN" dirty="0"/>
-              <a:t>Introduction</a:t>
-            </a:r>
-          </a:p>
-          <a:p>
-            <a:r>
-              <a:rPr lang="en-US" altLang="zh-CN" dirty="0">
-                <a:solidFill>
-                  <a:schemeClr val="bg1">
-                    <a:lumMod val="75000"/>
-                  </a:schemeClr>
-                </a:solidFill>
-              </a:rPr>
-              <a:t>Design</a:t>
-            </a:r>
-          </a:p>
-          <a:p>
-            <a:r>
-              <a:rPr lang="en-US" altLang="zh-CN" dirty="0">
-                <a:solidFill>
-                  <a:schemeClr val="bg1">
-                    <a:lumMod val="75000"/>
-                  </a:schemeClr>
-                </a:solidFill>
-              </a:rPr>
-              <a:t>C++ IUT Implementation</a:t>
-            </a:r>
-          </a:p>
-          <a:p>
-            <a:r>
-              <a:rPr lang="en-US" altLang="zh-CN" dirty="0">
-                <a:solidFill>
-                  <a:schemeClr val="bg1">
-                    <a:lumMod val="75000"/>
-                  </a:schemeClr>
-                </a:solidFill>
-              </a:rPr>
-              <a:t>Java IUT Refinement</a:t>
-            </a:r>
-          </a:p>
-          <a:p>
-            <a:r>
-              <a:rPr lang="en-US" altLang="zh-CN" dirty="0">
-                <a:solidFill>
-                  <a:schemeClr val="bg1">
-                    <a:lumMod val="75000"/>
-                  </a:schemeClr>
-                </a:solidFill>
-              </a:rPr>
-              <a:t>Demo</a:t>
-            </a:r>
-          </a:p>
-          <a:p>
-            <a:r>
-              <a:rPr lang="en-US" altLang="zh-CN" dirty="0">
-                <a:solidFill>
-                  <a:schemeClr val="bg1">
-                    <a:lumMod val="75000"/>
-                  </a:schemeClr>
-                </a:solidFill>
-              </a:rPr>
-              <a:t>Future Work</a:t>
-            </a:r>
-            <a:endParaRPr lang="zh-CN" altLang="en-US" dirty="0">
-              <a:solidFill>
-                <a:schemeClr val="bg1">
-                  <a:lumMod val="75000"/>
-                </a:schemeClr>
-              </a:solidFill>
-            </a:endParaRPr>
-          </a:p>
-          <a:p>
-            <a:endParaRPr lang="zh-CN" altLang="en-US" dirty="0">
-              <a:solidFill>
-                <a:schemeClr val="bg1">
-                  <a:lumMod val="75000"/>
-                </a:schemeClr>
-              </a:solidFill>
-            </a:endParaRPr>
-          </a:p>
-        </p:txBody>
-      </p:sp>
-      <p:sp>
-        <p:nvSpPr>
-          <p:cNvPr id="5" name="日期占位符 4"/>
-          <p:cNvSpPr>
-            <a:spLocks noGrp="1"/>
-          </p:cNvSpPr>
-          <p:nvPr>
-            <p:ph type="dt" sz="half" idx="10"/>
-          </p:nvPr>
-        </p:nvSpPr>
-        <p:spPr/>
-        <p:txBody>
-          <a:bodyPr/>
-          <a:lstStyle/>
-          <a:p>
-            <a:fld id="{98E086D8-1854-4026-8A21-4877218E6D0B}" type="datetime1">
-              <a:rPr lang="zh-CN" altLang="en-US" smtClean="0"/>
-              <a:t>16/7/25</a:t>
-            </a:fld>
-            <a:endParaRPr lang="zh-CN" altLang="en-US"/>
-          </a:p>
-        </p:txBody>
-      </p:sp>
-    </p:spTree>
-    <p:extLst>
-      <p:ext uri="{BB962C8B-B14F-4D97-AF65-F5344CB8AC3E}">
-        <p14:creationId xmlns:p14="http://schemas.microsoft.com/office/powerpoint/2010/main" val="1681684147"/>
-      </p:ext>
-    </p:extLst>
-  </p:cSld>
-  <p:clrMapOvr>
-    <a:masterClrMapping/>
-  </p:clrMapOvr>
-</p:sld>
-</file>
-
-<file path=ppt/slides/slide30.xml><?xml version="1.0" encoding="utf-8"?>
+<file path=ppt/slides/slide29.xml><?xml version="1.0" encoding="utf-8"?>
 <p:sld xmlns:a="http://schemas.openxmlformats.org/drawingml/2006/main" xmlns:r="http://schemas.openxmlformats.org/officeDocument/2006/relationships" xmlns:p="http://schemas.openxmlformats.org/presentationml/2006/main">
   <p:cSld>
     <p:spTree>
@@ -19518,7 +19169,7 @@
           <a:p>
             <a:fld id="{7F0BE63F-29BB-4A39-A02B-55BA68BE7152}" type="datetime1">
               <a:rPr lang="zh-CN" altLang="en-US" smtClean="0"/>
-              <a:t>16/7/25</a:t>
+              <a:t>2016/7/25</a:t>
             </a:fld>
             <a:endParaRPr lang="zh-CN" altLang="en-US"/>
           </a:p>
@@ -19534,6 +19185,494 @@
   <p:clrMapOvr>
     <a:masterClrMapping/>
   </p:clrMapOvr>
+  <p:timing>
+    <p:tnLst>
+      <p:par>
+        <p:cTn id="1" dur="indefinite" restart="never" nodeType="tmRoot"/>
+      </p:par>
+    </p:tnLst>
+  </p:timing>
+</p:sld>
+</file>
+
+<file path=ppt/slides/slide3.xml><?xml version="1.0" encoding="utf-8"?>
+<p:sld xmlns:a="http://schemas.openxmlformats.org/drawingml/2006/main" xmlns:r="http://schemas.openxmlformats.org/officeDocument/2006/relationships" xmlns:p="http://schemas.openxmlformats.org/presentationml/2006/main">
+  <p:cSld>
+    <p:spTree>
+      <p:nvGrpSpPr>
+        <p:cNvPr id="1" name=""/>
+        <p:cNvGrpSpPr/>
+        <p:nvPr/>
+      </p:nvGrpSpPr>
+      <p:grpSpPr>
+        <a:xfrm>
+          <a:off x="0" y="0"/>
+          <a:ext cx="0" cy="0"/>
+          <a:chOff x="0" y="0"/>
+          <a:chExt cx="0" cy="0"/>
+        </a:xfrm>
+      </p:grpSpPr>
+      <p:sp>
+        <p:nvSpPr>
+          <p:cNvPr id="2" name="标题 1"/>
+          <p:cNvSpPr>
+            <a:spLocks noGrp="1"/>
+          </p:cNvSpPr>
+          <p:nvPr>
+            <p:ph type="title"/>
+          </p:nvPr>
+        </p:nvSpPr>
+        <p:spPr/>
+        <p:txBody>
+          <a:bodyPr/>
+          <a:lstStyle/>
+          <a:p>
+            <a:r>
+              <a:rPr lang="en-US" altLang="zh-CN" dirty="0"/>
+              <a:t>Agenda</a:t>
+            </a:r>
+            <a:endParaRPr lang="zh-CN" altLang="en-US" dirty="0"/>
+          </a:p>
+        </p:txBody>
+      </p:sp>
+      <p:sp>
+        <p:nvSpPr>
+          <p:cNvPr id="3" name="内容占位符 2"/>
+          <p:cNvSpPr>
+            <a:spLocks noGrp="1"/>
+          </p:cNvSpPr>
+          <p:nvPr>
+            <p:ph idx="1"/>
+          </p:nvPr>
+        </p:nvSpPr>
+        <p:spPr/>
+        <p:txBody>
+          <a:bodyPr/>
+          <a:lstStyle/>
+          <a:p>
+            <a:r>
+              <a:rPr lang="en-US" altLang="zh-CN" dirty="0"/>
+              <a:t>Introduction</a:t>
+            </a:r>
+          </a:p>
+          <a:p>
+            <a:r>
+              <a:rPr lang="en-US" altLang="zh-CN" dirty="0">
+                <a:solidFill>
+                  <a:schemeClr val="bg1">
+                    <a:lumMod val="75000"/>
+                  </a:schemeClr>
+                </a:solidFill>
+              </a:rPr>
+              <a:t>Design</a:t>
+            </a:r>
+          </a:p>
+          <a:p>
+            <a:r>
+              <a:rPr lang="en-US" altLang="zh-CN" dirty="0">
+                <a:solidFill>
+                  <a:schemeClr val="bg1">
+                    <a:lumMod val="75000"/>
+                  </a:schemeClr>
+                </a:solidFill>
+              </a:rPr>
+              <a:t>C++ IUT Implementation</a:t>
+            </a:r>
+          </a:p>
+          <a:p>
+            <a:r>
+              <a:rPr lang="en-US" altLang="zh-CN" dirty="0">
+                <a:solidFill>
+                  <a:schemeClr val="bg1">
+                    <a:lumMod val="75000"/>
+                  </a:schemeClr>
+                </a:solidFill>
+              </a:rPr>
+              <a:t>Java IUT Refinement</a:t>
+            </a:r>
+          </a:p>
+          <a:p>
+            <a:r>
+              <a:rPr lang="en-US" altLang="zh-CN" dirty="0">
+                <a:solidFill>
+                  <a:schemeClr val="bg1">
+                    <a:lumMod val="75000"/>
+                  </a:schemeClr>
+                </a:solidFill>
+              </a:rPr>
+              <a:t>Demo</a:t>
+            </a:r>
+          </a:p>
+          <a:p>
+            <a:r>
+              <a:rPr lang="en-US" altLang="zh-CN" dirty="0">
+                <a:solidFill>
+                  <a:schemeClr val="bg1">
+                    <a:lumMod val="75000"/>
+                  </a:schemeClr>
+                </a:solidFill>
+              </a:rPr>
+              <a:t>Future Work</a:t>
+            </a:r>
+            <a:endParaRPr lang="zh-CN" altLang="en-US" dirty="0">
+              <a:solidFill>
+                <a:schemeClr val="bg1">
+                  <a:lumMod val="75000"/>
+                </a:schemeClr>
+              </a:solidFill>
+            </a:endParaRPr>
+          </a:p>
+          <a:p>
+            <a:endParaRPr lang="zh-CN" altLang="en-US" dirty="0">
+              <a:solidFill>
+                <a:schemeClr val="bg1">
+                  <a:lumMod val="75000"/>
+                </a:schemeClr>
+              </a:solidFill>
+            </a:endParaRPr>
+          </a:p>
+        </p:txBody>
+      </p:sp>
+      <p:sp>
+        <p:nvSpPr>
+          <p:cNvPr id="5" name="日期占位符 4"/>
+          <p:cNvSpPr>
+            <a:spLocks noGrp="1"/>
+          </p:cNvSpPr>
+          <p:nvPr>
+            <p:ph type="dt" sz="half" idx="10"/>
+          </p:nvPr>
+        </p:nvSpPr>
+        <p:spPr/>
+        <p:txBody>
+          <a:bodyPr/>
+          <a:lstStyle/>
+          <a:p>
+            <a:fld id="{98E086D8-1854-4026-8A21-4877218E6D0B}" type="datetime1">
+              <a:rPr lang="zh-CN" altLang="en-US" smtClean="0"/>
+              <a:t>2016/7/25</a:t>
+            </a:fld>
+            <a:endParaRPr lang="zh-CN" altLang="en-US"/>
+          </a:p>
+        </p:txBody>
+      </p:sp>
+    </p:spTree>
+    <p:extLst>
+      <p:ext uri="{BB962C8B-B14F-4D97-AF65-F5344CB8AC3E}">
+        <p14:creationId xmlns:p14="http://schemas.microsoft.com/office/powerpoint/2010/main" val="1681684147"/>
+      </p:ext>
+    </p:extLst>
+  </p:cSld>
+  <p:clrMapOvr>
+    <a:masterClrMapping/>
+  </p:clrMapOvr>
+</p:sld>
+</file>
+
+<file path=ppt/slides/slide30.xml><?xml version="1.0" encoding="utf-8"?>
+<p:sld xmlns:a="http://schemas.openxmlformats.org/drawingml/2006/main" xmlns:r="http://schemas.openxmlformats.org/officeDocument/2006/relationships" xmlns:p="http://schemas.openxmlformats.org/presentationml/2006/main">
+  <p:cSld>
+    <p:spTree>
+      <p:nvGrpSpPr>
+        <p:cNvPr id="1" name=""/>
+        <p:cNvGrpSpPr/>
+        <p:nvPr/>
+      </p:nvGrpSpPr>
+      <p:grpSpPr>
+        <a:xfrm>
+          <a:off x="0" y="0"/>
+          <a:ext cx="0" cy="0"/>
+          <a:chOff x="0" y="0"/>
+          <a:chExt cx="0" cy="0"/>
+        </a:xfrm>
+      </p:grpSpPr>
+      <p:sp>
+        <p:nvSpPr>
+          <p:cNvPr id="2" name="标题 1"/>
+          <p:cNvSpPr>
+            <a:spLocks noGrp="1"/>
+          </p:cNvSpPr>
+          <p:nvPr>
+            <p:ph type="title"/>
+          </p:nvPr>
+        </p:nvSpPr>
+        <p:spPr/>
+        <p:txBody>
+          <a:bodyPr/>
+          <a:lstStyle/>
+          <a:p>
+            <a:r>
+              <a:rPr lang="en-US" altLang="zh-CN" dirty="0"/>
+              <a:t>Conclusion</a:t>
+            </a:r>
+            <a:endParaRPr lang="zh-CN" altLang="en-US" dirty="0"/>
+          </a:p>
+        </p:txBody>
+      </p:sp>
+      <p:sp>
+        <p:nvSpPr>
+          <p:cNvPr id="3" name="内容占位符 2"/>
+          <p:cNvSpPr>
+            <a:spLocks noGrp="1"/>
+          </p:cNvSpPr>
+          <p:nvPr>
+            <p:ph idx="1"/>
+          </p:nvPr>
+        </p:nvSpPr>
+        <p:spPr>
+          <a:xfrm>
+            <a:off x="457200" y="1484784"/>
+            <a:ext cx="8507288" cy="4320480"/>
+          </a:xfrm>
+        </p:spPr>
+        <p:txBody>
+          <a:bodyPr>
+            <a:normAutofit/>
+          </a:bodyPr>
+          <a:lstStyle/>
+          <a:p>
+            <a:r>
+              <a:rPr lang="en-US" altLang="zh-CN" dirty="0"/>
+              <a:t>We have implemented a tool to support all basic functionalities of the incremental unit testing</a:t>
+            </a:r>
+            <a:r>
+              <a:rPr lang="zh-CN" altLang="en-US" dirty="0"/>
+              <a:t> </a:t>
+            </a:r>
+            <a:r>
+              <a:rPr lang="en-US" altLang="zh-CN" dirty="0"/>
+              <a:t>for</a:t>
+            </a:r>
+            <a:r>
+              <a:rPr lang="zh-CN" altLang="en-US" dirty="0"/>
+              <a:t> </a:t>
+            </a:r>
+            <a:r>
+              <a:rPr lang="en-US" altLang="zh-CN" dirty="0"/>
+              <a:t>C++</a:t>
+            </a:r>
+            <a:r>
+              <a:rPr lang="zh-CN" altLang="en-US" dirty="0"/>
+              <a:t> </a:t>
+            </a:r>
+            <a:r>
+              <a:rPr lang="en-US" altLang="zh-CN" dirty="0"/>
+              <a:t>projects.</a:t>
+            </a:r>
+          </a:p>
+          <a:p>
+            <a:r>
+              <a:rPr lang="en-US" altLang="zh-CN" dirty="0"/>
+              <a:t>We</a:t>
+            </a:r>
+            <a:r>
+              <a:rPr lang="zh-CN" altLang="en-US" dirty="0"/>
+              <a:t> </a:t>
+            </a:r>
+            <a:r>
+              <a:rPr lang="en-US" altLang="zh-CN" dirty="0"/>
+              <a:t>have</a:t>
+            </a:r>
+            <a:r>
+              <a:rPr lang="zh-CN" altLang="en-US" dirty="0"/>
+              <a:t> </a:t>
+            </a:r>
+            <a:r>
+              <a:rPr lang="en-US" altLang="zh-CN" dirty="0"/>
+              <a:t>simplified</a:t>
+            </a:r>
+            <a:r>
+              <a:rPr lang="zh-CN" altLang="en-US" dirty="0"/>
+              <a:t> </a:t>
+            </a:r>
+            <a:r>
+              <a:rPr lang="en-US" altLang="zh-CN" dirty="0"/>
+              <a:t>the</a:t>
+            </a:r>
+            <a:r>
+              <a:rPr lang="zh-CN" altLang="en-US" dirty="0"/>
+              <a:t> </a:t>
+            </a:r>
+            <a:r>
+              <a:rPr lang="en-US" altLang="zh-CN" dirty="0"/>
+              <a:t>workflow</a:t>
+            </a:r>
+            <a:r>
+              <a:rPr lang="zh-CN" altLang="en-US" dirty="0"/>
+              <a:t> </a:t>
+            </a:r>
+            <a:r>
+              <a:rPr lang="en-US" altLang="zh-CN" dirty="0"/>
+              <a:t>of</a:t>
+            </a:r>
+            <a:r>
+              <a:rPr lang="zh-CN" altLang="en-US" dirty="0"/>
+              <a:t> </a:t>
+            </a:r>
+            <a:r>
+              <a:rPr lang="en-US" altLang="zh-CN" dirty="0"/>
+              <a:t>incremental unit testing,</a:t>
+            </a:r>
+            <a:r>
+              <a:rPr lang="zh-CN" altLang="en-US" dirty="0"/>
+              <a:t> </a:t>
+            </a:r>
+            <a:r>
+              <a:rPr lang="en-US" altLang="zh-CN" dirty="0"/>
+              <a:t>and</a:t>
+            </a:r>
+            <a:r>
+              <a:rPr lang="zh-CN" altLang="en-US" dirty="0"/>
+              <a:t> </a:t>
+            </a:r>
+            <a:r>
+              <a:rPr lang="en-US" altLang="zh-CN" dirty="0"/>
+              <a:t>applied</a:t>
+            </a:r>
+            <a:r>
+              <a:rPr lang="zh-CN" altLang="en-US" dirty="0"/>
+              <a:t> </a:t>
+            </a:r>
+            <a:r>
+              <a:rPr lang="en-US" altLang="zh-CN" dirty="0"/>
+              <a:t>it</a:t>
+            </a:r>
+            <a:r>
+              <a:rPr lang="zh-CN" altLang="en-US" dirty="0"/>
+              <a:t> </a:t>
+            </a:r>
+            <a:r>
+              <a:rPr lang="en-US" altLang="zh-CN" dirty="0"/>
+              <a:t>to</a:t>
+            </a:r>
+            <a:r>
+              <a:rPr lang="zh-CN" altLang="en-US" dirty="0"/>
+              <a:t> </a:t>
+            </a:r>
+            <a:r>
+              <a:rPr lang="en-US" altLang="zh-CN" dirty="0"/>
+              <a:t>both</a:t>
+            </a:r>
+            <a:r>
+              <a:rPr lang="zh-CN" altLang="en-US" dirty="0"/>
+              <a:t> </a:t>
+            </a:r>
+            <a:r>
+              <a:rPr lang="en-US" altLang="zh-CN" dirty="0"/>
+              <a:t>the</a:t>
+            </a:r>
+            <a:r>
+              <a:rPr lang="zh-CN" altLang="en-US" dirty="0"/>
+              <a:t> </a:t>
+            </a:r>
+            <a:r>
+              <a:rPr lang="en-US" altLang="zh-CN" dirty="0"/>
+              <a:t>C++</a:t>
+            </a:r>
+            <a:r>
+              <a:rPr lang="zh-CN" altLang="en-US" dirty="0"/>
+              <a:t> </a:t>
+            </a:r>
+            <a:r>
+              <a:rPr lang="en-US" altLang="zh-CN" dirty="0"/>
+              <a:t>and</a:t>
+            </a:r>
+            <a:r>
+              <a:rPr lang="zh-CN" altLang="en-US" dirty="0"/>
+              <a:t> </a:t>
+            </a:r>
+            <a:r>
+              <a:rPr lang="en-US" altLang="zh-CN" dirty="0"/>
+              <a:t>the</a:t>
+            </a:r>
+            <a:r>
+              <a:rPr lang="zh-CN" altLang="en-US" dirty="0"/>
+              <a:t> </a:t>
+            </a:r>
+            <a:r>
+              <a:rPr lang="en-US" altLang="zh-CN" dirty="0"/>
+              <a:t>former</a:t>
+            </a:r>
+            <a:r>
+              <a:rPr lang="zh-CN" altLang="en-US" dirty="0"/>
+              <a:t> </a:t>
+            </a:r>
+            <a:r>
+              <a:rPr lang="en-US" altLang="zh-CN" dirty="0"/>
+              <a:t>Java</a:t>
+            </a:r>
+            <a:r>
+              <a:rPr lang="zh-CN" altLang="en-US" dirty="0"/>
+              <a:t> </a:t>
+            </a:r>
+            <a:r>
+              <a:rPr lang="en-US" altLang="zh-CN" dirty="0"/>
+              <a:t>IUT</a:t>
+            </a:r>
+            <a:r>
+              <a:rPr lang="zh-CN" altLang="en-US" dirty="0"/>
+              <a:t> </a:t>
+            </a:r>
+            <a:r>
+              <a:rPr lang="en-US" altLang="zh-CN" dirty="0"/>
+              <a:t>project.</a:t>
+            </a:r>
+          </a:p>
+          <a:p>
+            <a:r>
+              <a:rPr lang="en-US" altLang="zh-CN" dirty="0"/>
+              <a:t>There are still a few limitations in this version, expecting further enhancement in the future.</a:t>
+            </a:r>
+            <a:endParaRPr lang="zh-CN" altLang="en-US" dirty="0"/>
+          </a:p>
+          <a:p>
+            <a:pPr marL="0" indent="0">
+              <a:buNone/>
+            </a:pPr>
+            <a:endParaRPr lang="zh-CN" altLang="en-US" dirty="0"/>
+          </a:p>
+        </p:txBody>
+      </p:sp>
+      <p:sp>
+        <p:nvSpPr>
+          <p:cNvPr id="5" name="日期占位符 4"/>
+          <p:cNvSpPr>
+            <a:spLocks noGrp="1"/>
+          </p:cNvSpPr>
+          <p:nvPr>
+            <p:ph type="dt" sz="half" idx="10"/>
+          </p:nvPr>
+        </p:nvSpPr>
+        <p:spPr/>
+        <p:txBody>
+          <a:bodyPr/>
+          <a:lstStyle/>
+          <a:p>
+            <a:fld id="{0A86E95A-A9B7-4927-BA56-D1E6EC17C801}" type="datetime1">
+              <a:rPr lang="zh-CN" altLang="en-US" smtClean="0"/>
+              <a:t>2016/7/25</a:t>
+            </a:fld>
+            <a:endParaRPr lang="zh-CN" altLang="en-US"/>
+          </a:p>
+        </p:txBody>
+      </p:sp>
+    </p:spTree>
+    <p:extLst>
+      <p:ext uri="{BB962C8B-B14F-4D97-AF65-F5344CB8AC3E}">
+        <p14:creationId xmlns:p14="http://schemas.microsoft.com/office/powerpoint/2010/main" val="4081762193"/>
+      </p:ext>
+    </p:extLst>
+  </p:cSld>
+  <p:clrMapOvr>
+    <a:masterClrMapping/>
+  </p:clrMapOvr>
+  <p:timing>
+    <p:tnLst>
+      <p:par>
+        <p:cTn id="1" dur="indefinite" restart="never" nodeType="tmRoot"/>
+      </p:par>
+    </p:tnLst>
+  </p:timing>
 </p:sld>
 </file>
 
@@ -19556,306 +19695,6 @@
       </p:grpSpPr>
       <p:sp>
         <p:nvSpPr>
-          <p:cNvPr id="2" name="标题 1"/>
-          <p:cNvSpPr>
-            <a:spLocks noGrp="1"/>
-          </p:cNvSpPr>
-          <p:nvPr>
-            <p:ph type="title"/>
-          </p:nvPr>
-        </p:nvSpPr>
-        <p:spPr/>
-        <p:txBody>
-          <a:bodyPr/>
-          <a:lstStyle/>
-          <a:p>
-            <a:r>
-              <a:rPr lang="en-US" altLang="zh-CN" dirty="0"/>
-              <a:t>Conclusion</a:t>
-            </a:r>
-            <a:endParaRPr lang="zh-CN" altLang="en-US" dirty="0"/>
-          </a:p>
-        </p:txBody>
-      </p:sp>
-      <p:sp>
-        <p:nvSpPr>
-          <p:cNvPr id="3" name="内容占位符 2"/>
-          <p:cNvSpPr>
-            <a:spLocks noGrp="1"/>
-          </p:cNvSpPr>
-          <p:nvPr>
-            <p:ph idx="1"/>
-          </p:nvPr>
-        </p:nvSpPr>
-        <p:spPr>
-          <a:xfrm>
-            <a:off x="457200" y="1484784"/>
-            <a:ext cx="8507288" cy="4320480"/>
-          </a:xfrm>
-        </p:spPr>
-        <p:txBody>
-          <a:bodyPr>
-            <a:normAutofit/>
-          </a:bodyPr>
-          <a:lstStyle/>
-          <a:p>
-            <a:r>
-              <a:rPr lang="en-US" altLang="zh-CN" dirty="0"/>
-              <a:t>We have implemented a tool to support all basic functionalities of the incremental unit testing</a:t>
-            </a:r>
-            <a:r>
-              <a:rPr lang="zh-CN" altLang="en-US" dirty="0"/>
-              <a:t> </a:t>
-            </a:r>
-            <a:r>
-              <a:rPr lang="en-US" altLang="zh-CN" dirty="0"/>
-              <a:t>for</a:t>
-            </a:r>
-            <a:r>
-              <a:rPr lang="zh-CN" altLang="en-US" dirty="0"/>
-              <a:t> </a:t>
-            </a:r>
-            <a:r>
-              <a:rPr lang="en-US" altLang="zh-CN" dirty="0"/>
-              <a:t>C++</a:t>
-            </a:r>
-            <a:r>
-              <a:rPr lang="zh-CN" altLang="en-US" dirty="0"/>
-              <a:t> </a:t>
-            </a:r>
-            <a:r>
-              <a:rPr lang="en-US" altLang="zh-CN" dirty="0"/>
-              <a:t>projects.</a:t>
-            </a:r>
-          </a:p>
-          <a:p>
-            <a:r>
-              <a:rPr lang="en-US" altLang="zh-CN" dirty="0"/>
-              <a:t>We</a:t>
-            </a:r>
-            <a:r>
-              <a:rPr lang="zh-CN" altLang="en-US" dirty="0"/>
-              <a:t> </a:t>
-            </a:r>
-            <a:r>
-              <a:rPr lang="en-US" altLang="zh-CN" dirty="0"/>
-              <a:t>have</a:t>
-            </a:r>
-            <a:r>
-              <a:rPr lang="zh-CN" altLang="en-US" dirty="0"/>
-              <a:t> </a:t>
-            </a:r>
-            <a:r>
-              <a:rPr lang="en-US" altLang="zh-CN" dirty="0"/>
-              <a:t>simplified</a:t>
-            </a:r>
-            <a:r>
-              <a:rPr lang="zh-CN" altLang="en-US" dirty="0"/>
-              <a:t> </a:t>
-            </a:r>
-            <a:r>
-              <a:rPr lang="en-US" altLang="zh-CN" dirty="0"/>
-              <a:t>the</a:t>
-            </a:r>
-            <a:r>
-              <a:rPr lang="zh-CN" altLang="en-US" dirty="0"/>
-              <a:t> </a:t>
-            </a:r>
-            <a:r>
-              <a:rPr lang="en-US" altLang="zh-CN" dirty="0"/>
-              <a:t>workflow</a:t>
-            </a:r>
-            <a:r>
-              <a:rPr lang="zh-CN" altLang="en-US" dirty="0"/>
-              <a:t> </a:t>
-            </a:r>
-            <a:r>
-              <a:rPr lang="en-US" altLang="zh-CN" dirty="0"/>
-              <a:t>of</a:t>
-            </a:r>
-            <a:r>
-              <a:rPr lang="zh-CN" altLang="en-US" dirty="0"/>
-              <a:t> </a:t>
-            </a:r>
-            <a:r>
-              <a:rPr lang="en-US" altLang="zh-CN" dirty="0"/>
-              <a:t>incremental unit testing,</a:t>
-            </a:r>
-            <a:r>
-              <a:rPr lang="zh-CN" altLang="en-US" dirty="0"/>
-              <a:t> </a:t>
-            </a:r>
-            <a:r>
-              <a:rPr lang="en-US" altLang="zh-CN" dirty="0"/>
-              <a:t>and</a:t>
-            </a:r>
-            <a:r>
-              <a:rPr lang="zh-CN" altLang="en-US" dirty="0"/>
-              <a:t> </a:t>
-            </a:r>
-            <a:r>
-              <a:rPr lang="en-US" altLang="zh-CN" dirty="0"/>
-              <a:t>applied</a:t>
-            </a:r>
-            <a:r>
-              <a:rPr lang="zh-CN" altLang="en-US" dirty="0"/>
-              <a:t> </a:t>
-            </a:r>
-            <a:r>
-              <a:rPr lang="en-US" altLang="zh-CN" dirty="0"/>
-              <a:t>it</a:t>
-            </a:r>
-            <a:r>
-              <a:rPr lang="zh-CN" altLang="en-US" dirty="0"/>
-              <a:t> </a:t>
-            </a:r>
-            <a:r>
-              <a:rPr lang="en-US" altLang="zh-CN" dirty="0"/>
-              <a:t>to</a:t>
-            </a:r>
-            <a:r>
-              <a:rPr lang="zh-CN" altLang="en-US" dirty="0"/>
-              <a:t> </a:t>
-            </a:r>
-            <a:r>
-              <a:rPr lang="en-US" altLang="zh-CN" dirty="0"/>
-              <a:t>both</a:t>
-            </a:r>
-            <a:r>
-              <a:rPr lang="zh-CN" altLang="en-US" dirty="0"/>
-              <a:t> </a:t>
-            </a:r>
-            <a:r>
-              <a:rPr lang="en-US" altLang="zh-CN" dirty="0"/>
-              <a:t>the</a:t>
-            </a:r>
-            <a:r>
-              <a:rPr lang="zh-CN" altLang="en-US" dirty="0"/>
-              <a:t> </a:t>
-            </a:r>
-            <a:r>
-              <a:rPr lang="en-US" altLang="zh-CN" dirty="0"/>
-              <a:t>C++</a:t>
-            </a:r>
-            <a:r>
-              <a:rPr lang="zh-CN" altLang="en-US" dirty="0"/>
-              <a:t> </a:t>
-            </a:r>
-            <a:r>
-              <a:rPr lang="en-US" altLang="zh-CN" dirty="0"/>
-              <a:t>and</a:t>
-            </a:r>
-            <a:r>
-              <a:rPr lang="zh-CN" altLang="en-US" dirty="0"/>
-              <a:t> </a:t>
-            </a:r>
-            <a:r>
-              <a:rPr lang="en-US" altLang="zh-CN" dirty="0"/>
-              <a:t>the</a:t>
-            </a:r>
-            <a:r>
-              <a:rPr lang="zh-CN" altLang="en-US" dirty="0"/>
-              <a:t> </a:t>
-            </a:r>
-            <a:r>
-              <a:rPr lang="en-US" altLang="zh-CN" dirty="0"/>
-              <a:t>former</a:t>
-            </a:r>
-            <a:r>
-              <a:rPr lang="zh-CN" altLang="en-US" dirty="0"/>
-              <a:t> </a:t>
-            </a:r>
-            <a:r>
-              <a:rPr lang="en-US" altLang="zh-CN" dirty="0"/>
-              <a:t>Java</a:t>
-            </a:r>
-            <a:r>
-              <a:rPr lang="zh-CN" altLang="en-US" dirty="0"/>
-              <a:t> </a:t>
-            </a:r>
-            <a:r>
-              <a:rPr lang="en-US" altLang="zh-CN" dirty="0"/>
-              <a:t>IUT</a:t>
-            </a:r>
-            <a:r>
-              <a:rPr lang="zh-CN" altLang="en-US" dirty="0"/>
-              <a:t> </a:t>
-            </a:r>
-            <a:r>
-              <a:rPr lang="en-US" altLang="zh-CN" dirty="0"/>
-              <a:t>project.</a:t>
-            </a:r>
-          </a:p>
-          <a:p>
-            <a:r>
-              <a:rPr lang="en-US" altLang="zh-CN" dirty="0"/>
-              <a:t>There are still a few limitations in this version, expecting further enhancement in the future.</a:t>
-            </a:r>
-            <a:endParaRPr lang="zh-CN" altLang="en-US" dirty="0"/>
-          </a:p>
-          <a:p>
-            <a:pPr marL="0" indent="0">
-              <a:buNone/>
-            </a:pPr>
-            <a:endParaRPr lang="zh-CN" altLang="en-US" dirty="0"/>
-          </a:p>
-        </p:txBody>
-      </p:sp>
-      <p:sp>
-        <p:nvSpPr>
-          <p:cNvPr id="5" name="日期占位符 4"/>
-          <p:cNvSpPr>
-            <a:spLocks noGrp="1"/>
-          </p:cNvSpPr>
-          <p:nvPr>
-            <p:ph type="dt" sz="half" idx="10"/>
-          </p:nvPr>
-        </p:nvSpPr>
-        <p:spPr/>
-        <p:txBody>
-          <a:bodyPr/>
-          <a:lstStyle/>
-          <a:p>
-            <a:fld id="{0A86E95A-A9B7-4927-BA56-D1E6EC17C801}" type="datetime1">
-              <a:rPr lang="zh-CN" altLang="en-US" smtClean="0"/>
-              <a:t>16/7/25</a:t>
-            </a:fld>
-            <a:endParaRPr lang="zh-CN" altLang="en-US"/>
-          </a:p>
-        </p:txBody>
-      </p:sp>
-    </p:spTree>
-    <p:extLst>
-      <p:ext uri="{BB962C8B-B14F-4D97-AF65-F5344CB8AC3E}">
-        <p14:creationId xmlns:p14="http://schemas.microsoft.com/office/powerpoint/2010/main" val="4081762193"/>
-      </p:ext>
-    </p:extLst>
-  </p:cSld>
-  <p:clrMapOvr>
-    <a:masterClrMapping/>
-  </p:clrMapOvr>
-</p:sld>
-</file>
-
-<file path=ppt/slides/slide32.xml><?xml version="1.0" encoding="utf-8"?>
-<p:sld xmlns:a="http://schemas.openxmlformats.org/drawingml/2006/main" xmlns:r="http://schemas.openxmlformats.org/officeDocument/2006/relationships" xmlns:p="http://schemas.openxmlformats.org/presentationml/2006/main">
-  <p:cSld>
-    <p:spTree>
-      <p:nvGrpSpPr>
-        <p:cNvPr id="1" name=""/>
-        <p:cNvGrpSpPr/>
-        <p:nvPr/>
-      </p:nvGrpSpPr>
-      <p:grpSpPr>
-        <a:xfrm>
-          <a:off x="0" y="0"/>
-          <a:ext cx="0" cy="0"/>
-          <a:chOff x="0" y="0"/>
-          <a:chExt cx="0" cy="0"/>
-        </a:xfrm>
-      </p:grpSpPr>
-      <p:sp>
-        <p:nvSpPr>
           <p:cNvPr id="3" name="内容占位符 2"/>
           <p:cNvSpPr>
             <a:spLocks noGrp="1"/>
@@ -19914,7 +19753,7 @@
           <a:p>
             <a:fld id="{4D5DA046-07BA-48AE-9FC8-C3C53067BA69}" type="datetime1">
               <a:rPr lang="zh-CN" altLang="en-US" smtClean="0"/>
-              <a:t>16/7/25</a:t>
+              <a:t>2016/7/25</a:t>
             </a:fld>
             <a:endParaRPr lang="zh-CN" altLang="en-US"/>
           </a:p>
@@ -19930,6 +19769,13 @@
   <p:clrMapOvr>
     <a:masterClrMapping/>
   </p:clrMapOvr>
+  <p:timing>
+    <p:tnLst>
+      <p:par>
+        <p:cTn id="1" dur="indefinite" restart="never" nodeType="tmRoot"/>
+      </p:par>
+    </p:tnLst>
+  </p:timing>
 </p:sld>
 </file>
 
@@ -20630,7 +20476,7 @@
           <a:p>
             <a:fld id="{9F20E11B-2E48-4656-BC97-71689B76E9CD}" type="datetime1">
               <a:rPr lang="zh-CN" altLang="en-US" smtClean="0"/>
-              <a:t>16/7/25</a:t>
+              <a:t>2016/7/25</a:t>
             </a:fld>
             <a:endParaRPr lang="zh-CN" altLang="en-US"/>
           </a:p>
@@ -21482,7 +21328,7 @@
           <a:p>
             <a:fld id="{C9149B9F-A834-453A-8E18-9495B8240410}" type="datetime1">
               <a:rPr lang="zh-CN" altLang="en-US" smtClean="0"/>
-              <a:t>16/7/25</a:t>
+              <a:t>2016/7/25</a:t>
             </a:fld>
             <a:endParaRPr lang="zh-CN" altLang="en-US"/>
           </a:p>
@@ -21656,7 +21502,7 @@
           <a:p>
             <a:fld id="{3E3AC555-B870-477B-A235-13D29F7C9F57}" type="datetime1">
               <a:rPr lang="zh-CN" altLang="en-US" smtClean="0"/>
-              <a:t>16/7/25</a:t>
+              <a:t>2016/7/25</a:t>
             </a:fld>
             <a:endParaRPr lang="zh-CN" altLang="en-US"/>
           </a:p>
@@ -21787,7 +21633,23 @@
                   <a:srgbClr val="000000"/>
                 </a:solidFill>
               </a:rPr>
-              <a:t>two versions of codes in function</a:t>
+              <a:t>two versions of codes at</a:t>
+            </a:r>
+            <a:r>
+              <a:rPr lang="en-US" altLang="zh-CN" dirty="0" smtClean="0">
+                <a:solidFill>
+                  <a:srgbClr val="000000"/>
+                </a:solidFill>
+              </a:rPr>
+              <a:t> </a:t>
+            </a:r>
+            <a:r>
+              <a:rPr lang="en-US" altLang="zh-CN" dirty="0">
+                <a:solidFill>
+                  <a:srgbClr val="000000"/>
+                </a:solidFill>
+              </a:rPr>
+              <a:t>function</a:t>
             </a:r>
             <a:r>
               <a:rPr lang="zh-CN" altLang="en-US" dirty="0">
@@ -21813,12 +21675,28 @@
               <a:buChar char="•"/>
             </a:pPr>
             <a:r>
+              <a:rPr lang="en-US" altLang="zh-CN" dirty="0" smtClean="0">
+                <a:solidFill>
+                  <a:srgbClr val="000000"/>
+                </a:solidFill>
+              </a:rPr>
+              <a:t>Rerun the </a:t>
+            </a:r>
+            <a:r>
               <a:rPr lang="en-US" altLang="zh-CN" dirty="0">
                 <a:solidFill>
                   <a:srgbClr val="000000"/>
                 </a:solidFill>
               </a:rPr>
-              <a:t>Select  the test cases that cover the changed codes and rerun them.</a:t>
+              <a:t>test cases that cover the changed </a:t>
+            </a:r>
+            <a:r>
+              <a:rPr lang="en-US" altLang="zh-CN" dirty="0" smtClean="0">
+                <a:solidFill>
+                  <a:srgbClr val="000000"/>
+                </a:solidFill>
+              </a:rPr>
+              <a:t>codes.</a:t>
             </a:r>
             <a:endParaRPr lang="en-US" altLang="zh-CN" dirty="0"/>
           </a:p>
@@ -21841,7 +21719,7 @@
           <a:p>
             <a:fld id="{8AD2FE68-E24D-4006-8ECD-091F5777935A}" type="datetime1">
               <a:rPr lang="zh-CN" altLang="en-US" smtClean="0"/>
-              <a:t>16/7/25</a:t>
+              <a:t>2016/7/25</a:t>
             </a:fld>
             <a:endParaRPr lang="zh-CN" altLang="en-US"/>
           </a:p>
@@ -21922,7 +21800,7 @@
           <a:p>
             <a:fld id="{2CDFFD0A-502C-4CB6-B714-EFCFA84D6BFF}" type="datetime1">
               <a:rPr lang="zh-CN" altLang="en-US" smtClean="0"/>
-              <a:t>16/7/25</a:t>
+              <a:t>2016/7/25</a:t>
             </a:fld>
             <a:endParaRPr lang="zh-CN" altLang="en-US"/>
           </a:p>
@@ -23305,7 +23183,7 @@
         </p:spPr>
         <p:txBody>
           <a:bodyPr>
-            <a:normAutofit fontScale="92500" lnSpcReduction="10000"/>
+            <a:normAutofit/>
           </a:bodyPr>
           <a:lstStyle/>
           <a:p>
@@ -23319,39 +23197,15 @@
                   <a:srgbClr val="000000"/>
                 </a:solidFill>
               </a:rPr>
-              <a:t>Find all functions using AST building tool</a:t>
-            </a:r>
-            <a:r>
-              <a:rPr lang="zh-CN" altLang="en-US" dirty="0">
+              <a:t>Find all functions </a:t>
+            </a:r>
+            <a:r>
+              <a:rPr lang="en-US" altLang="zh-CN" dirty="0" smtClean="0">
                 <a:solidFill>
                   <a:srgbClr val="000000"/>
                 </a:solidFill>
               </a:rPr>
-              <a:t> </a:t>
-            </a:r>
-            <a:r>
-              <a:rPr lang="en-US" altLang="zh-CN" dirty="0">
-                <a:solidFill>
-                  <a:srgbClr val="000000"/>
-                </a:solidFill>
-              </a:rPr>
-              <a:t>(Eclipse</a:t>
-            </a:r>
-            <a:r>
-              <a:rPr lang="zh-CN" altLang="en-US" dirty="0">
-                <a:solidFill>
-                  <a:srgbClr val="000000"/>
-                </a:solidFill>
-              </a:rPr>
-              <a:t> </a:t>
-            </a:r>
-            <a:r>
-              <a:rPr lang="en-US" altLang="zh-CN" dirty="0">
-                <a:solidFill>
-                  <a:srgbClr val="000000"/>
-                </a:solidFill>
-              </a:rPr>
-              <a:t>CDT).</a:t>
+              <a:t>via AST.</a:t>
             </a:r>
             <a:endParaRPr lang="zh-CN" altLang="en-US" dirty="0">
               <a:solidFill>
@@ -23400,7 +23254,7 @@
           <a:p>
             <a:fld id="{E918460D-6D3F-4134-A840-F95176E6E708}" type="datetime1">
               <a:rPr lang="zh-CN" altLang="en-US" smtClean="0"/>
-              <a:t>16/7/25</a:t>
+              <a:t>2016/7/25</a:t>
             </a:fld>
             <a:endParaRPr lang="zh-CN" altLang="en-US"/>
           </a:p>
@@ -23422,8 +23276,8 @@
         </p:blipFill>
         <p:spPr>
           <a:xfrm>
-            <a:off x="4139952" y="3140968"/>
-            <a:ext cx="4398990" cy="3047753"/>
+            <a:off x="3491880" y="2821668"/>
+            <a:ext cx="5410655" cy="3748665"/>
           </a:xfrm>
           <a:prstGeom prst="rect">
             <a:avLst/>

--- a/doc/Final Presentation/Incremental_Unit_Testing-20160725-v3.pptx
+++ b/doc/Final Presentation/Incremental_Unit_Testing-20160725-v3.pptx
@@ -1890,1865 +1890,6 @@
       <dsp:cNvGrpSpPr/>
     </dsp:nvGrpSpPr>
     <dsp:grpSpPr/>
-    <dsp:sp modelId="{90C50B7C-9248-EA44-BB1D-C7FB57E9B25A}">
-      <dsp:nvSpPr>
-        <dsp:cNvPr id="0" name=""/>
-        <dsp:cNvSpPr/>
-      </dsp:nvSpPr>
-      <dsp:spPr>
-        <a:xfrm>
-          <a:off x="2866" y="1528011"/>
-          <a:ext cx="1581512" cy="790756"/>
-        </a:xfrm>
-        <a:prstGeom prst="roundRect">
-          <a:avLst>
-            <a:gd name="adj" fmla="val 10000"/>
-          </a:avLst>
-        </a:prstGeom>
-        <a:gradFill rotWithShape="0">
-          <a:gsLst>
-            <a:gs pos="0">
-              <a:schemeClr val="accent1">
-                <a:hueOff val="0"/>
-                <a:satOff val="0"/>
-                <a:lumOff val="0"/>
-                <a:alphaOff val="0"/>
-                <a:tint val="50000"/>
-                <a:satMod val="300000"/>
-              </a:schemeClr>
-            </a:gs>
-            <a:gs pos="35000">
-              <a:schemeClr val="accent1">
-                <a:hueOff val="0"/>
-                <a:satOff val="0"/>
-                <a:lumOff val="0"/>
-                <a:alphaOff val="0"/>
-                <a:tint val="37000"/>
-                <a:satMod val="300000"/>
-              </a:schemeClr>
-            </a:gs>
-            <a:gs pos="100000">
-              <a:schemeClr val="accent1">
-                <a:hueOff val="0"/>
-                <a:satOff val="0"/>
-                <a:lumOff val="0"/>
-                <a:alphaOff val="0"/>
-                <a:tint val="15000"/>
-                <a:satMod val="350000"/>
-              </a:schemeClr>
-            </a:gs>
-          </a:gsLst>
-          <a:lin ang="16200000" scaled="1"/>
-        </a:gradFill>
-        <a:ln>
-          <a:noFill/>
-        </a:ln>
-        <a:effectLst>
-          <a:outerShdw blurRad="40000" dist="20000" dir="5400000" rotWithShape="0">
-            <a:srgbClr val="000000">
-              <a:alpha val="38000"/>
-            </a:srgbClr>
-          </a:outerShdw>
-        </a:effectLst>
-        <a:scene3d>
-          <a:camera prst="orthographicFront"/>
-          <a:lightRig rig="flat" dir="t"/>
-        </a:scene3d>
-        <a:sp3d prstMaterial="dkEdge">
-          <a:bevelT w="8200" h="38100"/>
-        </a:sp3d>
-      </dsp:spPr>
-      <dsp:style>
-        <a:lnRef idx="0">
-          <a:scrgbClr r="0" g="0" b="0"/>
-        </a:lnRef>
-        <a:fillRef idx="2">
-          <a:scrgbClr r="0" g="0" b="0"/>
-        </a:fillRef>
-        <a:effectRef idx="1">
-          <a:scrgbClr r="0" g="0" b="0"/>
-        </a:effectRef>
-        <a:fontRef idx="minor">
-          <a:schemeClr val="dk1"/>
-        </a:fontRef>
-      </dsp:style>
-      <dsp:txBody>
-        <a:bodyPr spcFirstLastPara="0" vert="horz" wrap="square" lIns="10795" tIns="10795" rIns="10795" bIns="10795" numCol="1" spcCol="1270" anchor="ctr" anchorCtr="0">
-          <a:noAutofit/>
-        </a:bodyPr>
-        <a:lstStyle/>
-        <a:p>
-          <a:pPr lvl="0" algn="ctr" defTabSz="755650" rtl="0">
-            <a:lnSpc>
-              <a:spcPct val="90000"/>
-            </a:lnSpc>
-            <a:spcBef>
-              <a:spcPct val="0"/>
-            </a:spcBef>
-            <a:spcAft>
-              <a:spcPct val="35000"/>
-            </a:spcAft>
-          </a:pPr>
-          <a:r>
-            <a:rPr lang="en-US" sz="1700" kern="1200" dirty="0"/>
-            <a:t>File</a:t>
-          </a:r>
-        </a:p>
-      </dsp:txBody>
-      <dsp:txXfrm>
-        <a:off x="26026" y="1551171"/>
-        <a:ext cx="1535192" cy="744436"/>
-      </dsp:txXfrm>
-    </dsp:sp>
-    <dsp:sp modelId="{5B3639FC-14DC-554C-9F67-001CA1AF5A73}">
-      <dsp:nvSpPr>
-        <dsp:cNvPr id="0" name=""/>
-        <dsp:cNvSpPr/>
-      </dsp:nvSpPr>
-      <dsp:spPr>
-        <a:xfrm rot="18289469">
-          <a:off x="1346799" y="1453741"/>
-          <a:ext cx="1107764" cy="29926"/>
-        </a:xfrm>
-        <a:custGeom>
-          <a:avLst/>
-          <a:gdLst/>
-          <a:ahLst/>
-          <a:cxnLst/>
-          <a:rect l="0" t="0" r="0" b="0"/>
-          <a:pathLst>
-            <a:path>
-              <a:moveTo>
-                <a:pt x="0" y="14963"/>
-              </a:moveTo>
-              <a:lnTo>
-                <a:pt x="1107764" y="14963"/>
-              </a:lnTo>
-            </a:path>
-          </a:pathLst>
-        </a:custGeom>
-        <a:noFill/>
-        <a:ln w="25400" cap="flat" cmpd="sng" algn="ctr">
-          <a:solidFill>
-            <a:schemeClr val="accent1">
-              <a:shade val="60000"/>
-              <a:hueOff val="0"/>
-              <a:satOff val="0"/>
-              <a:lumOff val="0"/>
-              <a:alphaOff val="0"/>
-            </a:schemeClr>
-          </a:solidFill>
-          <a:prstDash val="solid"/>
-        </a:ln>
-        <a:effectLst/>
-      </dsp:spPr>
-      <dsp:style>
-        <a:lnRef idx="2">
-          <a:scrgbClr r="0" g="0" b="0"/>
-        </a:lnRef>
-        <a:fillRef idx="0">
-          <a:scrgbClr r="0" g="0" b="0"/>
-        </a:fillRef>
-        <a:effectRef idx="0">
-          <a:scrgbClr r="0" g="0" b="0"/>
-        </a:effectRef>
-        <a:fontRef idx="minor"/>
-      </dsp:style>
-      <dsp:txBody>
-        <a:bodyPr spcFirstLastPara="0" vert="horz" wrap="square" lIns="12700" tIns="0" rIns="12700" bIns="0" numCol="1" spcCol="1270" anchor="ctr" anchorCtr="0">
-          <a:noAutofit/>
-        </a:bodyPr>
-        <a:lstStyle/>
-        <a:p>
-          <a:pPr lvl="0" algn="ctr" defTabSz="222250">
-            <a:lnSpc>
-              <a:spcPct val="90000"/>
-            </a:lnSpc>
-            <a:spcBef>
-              <a:spcPct val="0"/>
-            </a:spcBef>
-            <a:spcAft>
-              <a:spcPct val="35000"/>
-            </a:spcAft>
-          </a:pPr>
-          <a:endParaRPr lang="zh-CN" altLang="en-US" sz="500" kern="1200"/>
-        </a:p>
-      </dsp:txBody>
-      <dsp:txXfrm>
-        <a:off x="1872988" y="1441011"/>
-        <a:ext cx="55388" cy="55388"/>
-      </dsp:txXfrm>
-    </dsp:sp>
-    <dsp:sp modelId="{926F1260-6067-594C-83D7-15C0D2FCDE33}">
-      <dsp:nvSpPr>
-        <dsp:cNvPr id="0" name=""/>
-        <dsp:cNvSpPr/>
-      </dsp:nvSpPr>
-      <dsp:spPr>
-        <a:xfrm>
-          <a:off x="2216984" y="618642"/>
-          <a:ext cx="1581512" cy="790756"/>
-        </a:xfrm>
-        <a:prstGeom prst="roundRect">
-          <a:avLst>
-            <a:gd name="adj" fmla="val 10000"/>
-          </a:avLst>
-        </a:prstGeom>
-        <a:gradFill rotWithShape="0">
-          <a:gsLst>
-            <a:gs pos="0">
-              <a:schemeClr val="accent1">
-                <a:hueOff val="0"/>
-                <a:satOff val="0"/>
-                <a:lumOff val="0"/>
-                <a:alphaOff val="0"/>
-                <a:tint val="50000"/>
-                <a:satMod val="300000"/>
-              </a:schemeClr>
-            </a:gs>
-            <a:gs pos="35000">
-              <a:schemeClr val="accent1">
-                <a:hueOff val="0"/>
-                <a:satOff val="0"/>
-                <a:lumOff val="0"/>
-                <a:alphaOff val="0"/>
-                <a:tint val="37000"/>
-                <a:satMod val="300000"/>
-              </a:schemeClr>
-            </a:gs>
-            <a:gs pos="100000">
-              <a:schemeClr val="accent1">
-                <a:hueOff val="0"/>
-                <a:satOff val="0"/>
-                <a:lumOff val="0"/>
-                <a:alphaOff val="0"/>
-                <a:tint val="15000"/>
-                <a:satMod val="350000"/>
-              </a:schemeClr>
-            </a:gs>
-          </a:gsLst>
-          <a:lin ang="16200000" scaled="1"/>
-        </a:gradFill>
-        <a:ln>
-          <a:noFill/>
-        </a:ln>
-        <a:effectLst>
-          <a:outerShdw blurRad="40000" dist="20000" dir="5400000" rotWithShape="0">
-            <a:srgbClr val="000000">
-              <a:alpha val="38000"/>
-            </a:srgbClr>
-          </a:outerShdw>
-        </a:effectLst>
-        <a:scene3d>
-          <a:camera prst="orthographicFront"/>
-          <a:lightRig rig="flat" dir="t"/>
-        </a:scene3d>
-        <a:sp3d prstMaterial="dkEdge">
-          <a:bevelT w="8200" h="38100"/>
-        </a:sp3d>
-      </dsp:spPr>
-      <dsp:style>
-        <a:lnRef idx="0">
-          <a:scrgbClr r="0" g="0" b="0"/>
-        </a:lnRef>
-        <a:fillRef idx="2">
-          <a:scrgbClr r="0" g="0" b="0"/>
-        </a:fillRef>
-        <a:effectRef idx="1">
-          <a:scrgbClr r="0" g="0" b="0"/>
-        </a:effectRef>
-        <a:fontRef idx="minor">
-          <a:schemeClr val="dk1"/>
-        </a:fontRef>
-      </dsp:style>
-      <dsp:txBody>
-        <a:bodyPr spcFirstLastPara="0" vert="horz" wrap="square" lIns="10795" tIns="10795" rIns="10795" bIns="10795" numCol="1" spcCol="1270" anchor="ctr" anchorCtr="0">
-          <a:noAutofit/>
-        </a:bodyPr>
-        <a:lstStyle/>
-        <a:p>
-          <a:pPr lvl="0" algn="ctr" defTabSz="755650" rtl="0">
-            <a:lnSpc>
-              <a:spcPct val="90000"/>
-            </a:lnSpc>
-            <a:spcBef>
-              <a:spcPct val="0"/>
-            </a:spcBef>
-            <a:spcAft>
-              <a:spcPct val="35000"/>
-            </a:spcAft>
-          </a:pPr>
-          <a:r>
-            <a:rPr lang="en-US" sz="1700" kern="1200"/>
-            <a:t>Added: rerun all test cases</a:t>
-          </a:r>
-        </a:p>
-      </dsp:txBody>
-      <dsp:txXfrm>
-        <a:off x="2240144" y="641802"/>
-        <a:ext cx="1535192" cy="744436"/>
-      </dsp:txXfrm>
-    </dsp:sp>
-    <dsp:sp modelId="{E71B31F9-EA28-4C46-BCA2-AF34E9C4D51C}">
-      <dsp:nvSpPr>
-        <dsp:cNvPr id="0" name=""/>
-        <dsp:cNvSpPr/>
-      </dsp:nvSpPr>
-      <dsp:spPr>
-        <a:xfrm>
-          <a:off x="1584379" y="1908426"/>
-          <a:ext cx="632605" cy="29926"/>
-        </a:xfrm>
-        <a:custGeom>
-          <a:avLst/>
-          <a:gdLst/>
-          <a:ahLst/>
-          <a:cxnLst/>
-          <a:rect l="0" t="0" r="0" b="0"/>
-          <a:pathLst>
-            <a:path>
-              <a:moveTo>
-                <a:pt x="0" y="14963"/>
-              </a:moveTo>
-              <a:lnTo>
-                <a:pt x="632605" y="14963"/>
-              </a:lnTo>
-            </a:path>
-          </a:pathLst>
-        </a:custGeom>
-        <a:noFill/>
-        <a:ln w="25400" cap="flat" cmpd="sng" algn="ctr">
-          <a:solidFill>
-            <a:schemeClr val="accent1">
-              <a:shade val="60000"/>
-              <a:hueOff val="0"/>
-              <a:satOff val="0"/>
-              <a:lumOff val="0"/>
-              <a:alphaOff val="0"/>
-            </a:schemeClr>
-          </a:solidFill>
-          <a:prstDash val="solid"/>
-        </a:ln>
-        <a:effectLst/>
-      </dsp:spPr>
-      <dsp:style>
-        <a:lnRef idx="2">
-          <a:scrgbClr r="0" g="0" b="0"/>
-        </a:lnRef>
-        <a:fillRef idx="0">
-          <a:scrgbClr r="0" g="0" b="0"/>
-        </a:fillRef>
-        <a:effectRef idx="0">
-          <a:scrgbClr r="0" g="0" b="0"/>
-        </a:effectRef>
-        <a:fontRef idx="minor"/>
-      </dsp:style>
-      <dsp:txBody>
-        <a:bodyPr spcFirstLastPara="0" vert="horz" wrap="square" lIns="12700" tIns="0" rIns="12700" bIns="0" numCol="1" spcCol="1270" anchor="ctr" anchorCtr="0">
-          <a:noAutofit/>
-        </a:bodyPr>
-        <a:lstStyle/>
-        <a:p>
-          <a:pPr lvl="0" algn="ctr" defTabSz="222250">
-            <a:lnSpc>
-              <a:spcPct val="90000"/>
-            </a:lnSpc>
-            <a:spcBef>
-              <a:spcPct val="0"/>
-            </a:spcBef>
-            <a:spcAft>
-              <a:spcPct val="35000"/>
-            </a:spcAft>
-          </a:pPr>
-          <a:endParaRPr lang="zh-CN" altLang="en-US" sz="500" kern="1200"/>
-        </a:p>
-      </dsp:txBody>
-      <dsp:txXfrm>
-        <a:off x="1884866" y="1907574"/>
-        <a:ext cx="31630" cy="31630"/>
-      </dsp:txXfrm>
-    </dsp:sp>
-    <dsp:sp modelId="{67729652-BA1C-0745-9316-B462613FD04C}">
-      <dsp:nvSpPr>
-        <dsp:cNvPr id="0" name=""/>
-        <dsp:cNvSpPr/>
-      </dsp:nvSpPr>
-      <dsp:spPr>
-        <a:xfrm>
-          <a:off x="2216984" y="1528011"/>
-          <a:ext cx="1581512" cy="790756"/>
-        </a:xfrm>
-        <a:prstGeom prst="roundRect">
-          <a:avLst>
-            <a:gd name="adj" fmla="val 10000"/>
-          </a:avLst>
-        </a:prstGeom>
-        <a:gradFill rotWithShape="0">
-          <a:gsLst>
-            <a:gs pos="0">
-              <a:schemeClr val="accent1">
-                <a:hueOff val="0"/>
-                <a:satOff val="0"/>
-                <a:lumOff val="0"/>
-                <a:alphaOff val="0"/>
-                <a:tint val="50000"/>
-                <a:satMod val="300000"/>
-              </a:schemeClr>
-            </a:gs>
-            <a:gs pos="35000">
-              <a:schemeClr val="accent1">
-                <a:hueOff val="0"/>
-                <a:satOff val="0"/>
-                <a:lumOff val="0"/>
-                <a:alphaOff val="0"/>
-                <a:tint val="37000"/>
-                <a:satMod val="300000"/>
-              </a:schemeClr>
-            </a:gs>
-            <a:gs pos="100000">
-              <a:schemeClr val="accent1">
-                <a:hueOff val="0"/>
-                <a:satOff val="0"/>
-                <a:lumOff val="0"/>
-                <a:alphaOff val="0"/>
-                <a:tint val="15000"/>
-                <a:satMod val="350000"/>
-              </a:schemeClr>
-            </a:gs>
-          </a:gsLst>
-          <a:lin ang="16200000" scaled="1"/>
-        </a:gradFill>
-        <a:ln>
-          <a:noFill/>
-        </a:ln>
-        <a:effectLst>
-          <a:outerShdw blurRad="40000" dist="20000" dir="5400000" rotWithShape="0">
-            <a:srgbClr val="000000">
-              <a:alpha val="38000"/>
-            </a:srgbClr>
-          </a:outerShdw>
-        </a:effectLst>
-        <a:scene3d>
-          <a:camera prst="orthographicFront"/>
-          <a:lightRig rig="flat" dir="t"/>
-        </a:scene3d>
-        <a:sp3d prstMaterial="dkEdge">
-          <a:bevelT w="8200" h="38100"/>
-        </a:sp3d>
-      </dsp:spPr>
-      <dsp:style>
-        <a:lnRef idx="0">
-          <a:scrgbClr r="0" g="0" b="0"/>
-        </a:lnRef>
-        <a:fillRef idx="2">
-          <a:scrgbClr r="0" g="0" b="0"/>
-        </a:fillRef>
-        <a:effectRef idx="1">
-          <a:scrgbClr r="0" g="0" b="0"/>
-        </a:effectRef>
-        <a:fontRef idx="minor">
-          <a:schemeClr val="dk1"/>
-        </a:fontRef>
-      </dsp:style>
-      <dsp:txBody>
-        <a:bodyPr spcFirstLastPara="0" vert="horz" wrap="square" lIns="10795" tIns="10795" rIns="10795" bIns="10795" numCol="1" spcCol="1270" anchor="ctr" anchorCtr="0">
-          <a:noAutofit/>
-        </a:bodyPr>
-        <a:lstStyle/>
-        <a:p>
-          <a:pPr lvl="0" algn="ctr" defTabSz="755650" rtl="0">
-            <a:lnSpc>
-              <a:spcPct val="90000"/>
-            </a:lnSpc>
-            <a:spcBef>
-              <a:spcPct val="0"/>
-            </a:spcBef>
-            <a:spcAft>
-              <a:spcPct val="35000"/>
-            </a:spcAft>
-          </a:pPr>
-          <a:r>
-            <a:rPr lang="en-US" sz="1700" kern="1200"/>
-            <a:t>Deleted:</a:t>
-          </a:r>
-          <a:r>
-            <a:rPr lang="en-US" altLang="zh-CN" sz="1700" kern="1200"/>
-            <a:t> </a:t>
-          </a:r>
-          <a:r>
-            <a:rPr lang="en-US" sz="1700" kern="1200"/>
-            <a:t>rerun all test cases </a:t>
-          </a:r>
-        </a:p>
-      </dsp:txBody>
-      <dsp:txXfrm>
-        <a:off x="2240144" y="1551171"/>
-        <a:ext cx="1535192" cy="744436"/>
-      </dsp:txXfrm>
-    </dsp:sp>
-    <dsp:sp modelId="{F605640A-40C0-3043-A71A-DF374B429F1E}">
-      <dsp:nvSpPr>
-        <dsp:cNvPr id="0" name=""/>
-        <dsp:cNvSpPr/>
-      </dsp:nvSpPr>
-      <dsp:spPr>
-        <a:xfrm rot="3310531">
-          <a:off x="1346799" y="2363111"/>
-          <a:ext cx="1107764" cy="29926"/>
-        </a:xfrm>
-        <a:custGeom>
-          <a:avLst/>
-          <a:gdLst/>
-          <a:ahLst/>
-          <a:cxnLst/>
-          <a:rect l="0" t="0" r="0" b="0"/>
-          <a:pathLst>
-            <a:path>
-              <a:moveTo>
-                <a:pt x="0" y="14963"/>
-              </a:moveTo>
-              <a:lnTo>
-                <a:pt x="1107764" y="14963"/>
-              </a:lnTo>
-            </a:path>
-          </a:pathLst>
-        </a:custGeom>
-        <a:noFill/>
-        <a:ln w="25400" cap="flat" cmpd="sng" algn="ctr">
-          <a:solidFill>
-            <a:schemeClr val="accent1">
-              <a:shade val="60000"/>
-              <a:hueOff val="0"/>
-              <a:satOff val="0"/>
-              <a:lumOff val="0"/>
-              <a:alphaOff val="0"/>
-            </a:schemeClr>
-          </a:solidFill>
-          <a:prstDash val="solid"/>
-        </a:ln>
-        <a:effectLst/>
-      </dsp:spPr>
-      <dsp:style>
-        <a:lnRef idx="2">
-          <a:scrgbClr r="0" g="0" b="0"/>
-        </a:lnRef>
-        <a:fillRef idx="0">
-          <a:scrgbClr r="0" g="0" b="0"/>
-        </a:fillRef>
-        <a:effectRef idx="0">
-          <a:scrgbClr r="0" g="0" b="0"/>
-        </a:effectRef>
-        <a:fontRef idx="minor"/>
-      </dsp:style>
-      <dsp:txBody>
-        <a:bodyPr spcFirstLastPara="0" vert="horz" wrap="square" lIns="12700" tIns="0" rIns="12700" bIns="0" numCol="1" spcCol="1270" anchor="ctr" anchorCtr="0">
-          <a:noAutofit/>
-        </a:bodyPr>
-        <a:lstStyle/>
-        <a:p>
-          <a:pPr lvl="0" algn="ctr" defTabSz="222250">
-            <a:lnSpc>
-              <a:spcPct val="90000"/>
-            </a:lnSpc>
-            <a:spcBef>
-              <a:spcPct val="0"/>
-            </a:spcBef>
-            <a:spcAft>
-              <a:spcPct val="35000"/>
-            </a:spcAft>
-          </a:pPr>
-          <a:endParaRPr lang="zh-CN" altLang="en-US" sz="500" kern="1200"/>
-        </a:p>
-      </dsp:txBody>
-      <dsp:txXfrm>
-        <a:off x="1872988" y="2350380"/>
-        <a:ext cx="55388" cy="55388"/>
-      </dsp:txXfrm>
-    </dsp:sp>
-    <dsp:sp modelId="{25EFB02E-FBEA-9441-BFE6-666A5A50D477}">
-      <dsp:nvSpPr>
-        <dsp:cNvPr id="0" name=""/>
-        <dsp:cNvSpPr/>
-      </dsp:nvSpPr>
-      <dsp:spPr>
-        <a:xfrm>
-          <a:off x="2216984" y="2437381"/>
-          <a:ext cx="1581512" cy="790756"/>
-        </a:xfrm>
-        <a:prstGeom prst="roundRect">
-          <a:avLst>
-            <a:gd name="adj" fmla="val 10000"/>
-          </a:avLst>
-        </a:prstGeom>
-        <a:gradFill rotWithShape="0">
-          <a:gsLst>
-            <a:gs pos="0">
-              <a:schemeClr val="accent1">
-                <a:hueOff val="0"/>
-                <a:satOff val="0"/>
-                <a:lumOff val="0"/>
-                <a:alphaOff val="0"/>
-                <a:tint val="50000"/>
-                <a:satMod val="300000"/>
-              </a:schemeClr>
-            </a:gs>
-            <a:gs pos="35000">
-              <a:schemeClr val="accent1">
-                <a:hueOff val="0"/>
-                <a:satOff val="0"/>
-                <a:lumOff val="0"/>
-                <a:alphaOff val="0"/>
-                <a:tint val="37000"/>
-                <a:satMod val="300000"/>
-              </a:schemeClr>
-            </a:gs>
-            <a:gs pos="100000">
-              <a:schemeClr val="accent1">
-                <a:hueOff val="0"/>
-                <a:satOff val="0"/>
-                <a:lumOff val="0"/>
-                <a:alphaOff val="0"/>
-                <a:tint val="15000"/>
-                <a:satMod val="350000"/>
-              </a:schemeClr>
-            </a:gs>
-          </a:gsLst>
-          <a:lin ang="16200000" scaled="1"/>
-        </a:gradFill>
-        <a:ln>
-          <a:noFill/>
-        </a:ln>
-        <a:effectLst>
-          <a:outerShdw blurRad="40000" dist="20000" dir="5400000" rotWithShape="0">
-            <a:srgbClr val="000000">
-              <a:alpha val="38000"/>
-            </a:srgbClr>
-          </a:outerShdw>
-        </a:effectLst>
-        <a:scene3d>
-          <a:camera prst="orthographicFront"/>
-          <a:lightRig rig="flat" dir="t"/>
-        </a:scene3d>
-        <a:sp3d prstMaterial="dkEdge">
-          <a:bevelT w="8200" h="38100"/>
-        </a:sp3d>
-      </dsp:spPr>
-      <dsp:style>
-        <a:lnRef idx="0">
-          <a:scrgbClr r="0" g="0" b="0"/>
-        </a:lnRef>
-        <a:fillRef idx="2">
-          <a:scrgbClr r="0" g="0" b="0"/>
-        </a:fillRef>
-        <a:effectRef idx="1">
-          <a:scrgbClr r="0" g="0" b="0"/>
-        </a:effectRef>
-        <a:fontRef idx="minor">
-          <a:schemeClr val="dk1"/>
-        </a:fontRef>
-      </dsp:style>
-      <dsp:txBody>
-        <a:bodyPr spcFirstLastPara="0" vert="horz" wrap="square" lIns="10795" tIns="10795" rIns="10795" bIns="10795" numCol="1" spcCol="1270" anchor="ctr" anchorCtr="0">
-          <a:noAutofit/>
-        </a:bodyPr>
-        <a:lstStyle/>
-        <a:p>
-          <a:pPr lvl="0" algn="ctr" defTabSz="755650" rtl="0">
-            <a:lnSpc>
-              <a:spcPct val="90000"/>
-            </a:lnSpc>
-            <a:spcBef>
-              <a:spcPct val="0"/>
-            </a:spcBef>
-            <a:spcAft>
-              <a:spcPct val="35000"/>
-            </a:spcAft>
-          </a:pPr>
-          <a:r>
-            <a:rPr lang="en-US" sz="1700" kern="1200"/>
-            <a:t>Modified: </a:t>
-          </a:r>
-        </a:p>
-      </dsp:txBody>
-      <dsp:txXfrm>
-        <a:off x="2240144" y="2460541"/>
-        <a:ext cx="1535192" cy="744436"/>
-      </dsp:txXfrm>
-    </dsp:sp>
-    <dsp:sp modelId="{4DAD1A10-78DA-1541-A7E4-BCC057646F6D}">
-      <dsp:nvSpPr>
-        <dsp:cNvPr id="0" name=""/>
-        <dsp:cNvSpPr/>
-      </dsp:nvSpPr>
-      <dsp:spPr>
-        <a:xfrm rot="18289469">
-          <a:off x="3560917" y="2363111"/>
-          <a:ext cx="1107764" cy="29926"/>
-        </a:xfrm>
-        <a:custGeom>
-          <a:avLst/>
-          <a:gdLst/>
-          <a:ahLst/>
-          <a:cxnLst/>
-          <a:rect l="0" t="0" r="0" b="0"/>
-          <a:pathLst>
-            <a:path>
-              <a:moveTo>
-                <a:pt x="0" y="14963"/>
-              </a:moveTo>
-              <a:lnTo>
-                <a:pt x="1107764" y="14963"/>
-              </a:lnTo>
-            </a:path>
-          </a:pathLst>
-        </a:custGeom>
-        <a:noFill/>
-        <a:ln w="25400" cap="flat" cmpd="sng" algn="ctr">
-          <a:solidFill>
-            <a:schemeClr val="accent1">
-              <a:shade val="80000"/>
-              <a:hueOff val="0"/>
-              <a:satOff val="0"/>
-              <a:lumOff val="0"/>
-              <a:alphaOff val="0"/>
-            </a:schemeClr>
-          </a:solidFill>
-          <a:prstDash val="solid"/>
-        </a:ln>
-        <a:effectLst/>
-      </dsp:spPr>
-      <dsp:style>
-        <a:lnRef idx="2">
-          <a:scrgbClr r="0" g="0" b="0"/>
-        </a:lnRef>
-        <a:fillRef idx="0">
-          <a:scrgbClr r="0" g="0" b="0"/>
-        </a:fillRef>
-        <a:effectRef idx="0">
-          <a:scrgbClr r="0" g="0" b="0"/>
-        </a:effectRef>
-        <a:fontRef idx="minor"/>
-      </dsp:style>
-      <dsp:txBody>
-        <a:bodyPr spcFirstLastPara="0" vert="horz" wrap="square" lIns="12700" tIns="0" rIns="12700" bIns="0" numCol="1" spcCol="1270" anchor="ctr" anchorCtr="0">
-          <a:noAutofit/>
-        </a:bodyPr>
-        <a:lstStyle/>
-        <a:p>
-          <a:pPr lvl="0" algn="ctr" defTabSz="222250">
-            <a:lnSpc>
-              <a:spcPct val="90000"/>
-            </a:lnSpc>
-            <a:spcBef>
-              <a:spcPct val="0"/>
-            </a:spcBef>
-            <a:spcAft>
-              <a:spcPct val="35000"/>
-            </a:spcAft>
-          </a:pPr>
-          <a:endParaRPr lang="zh-CN" altLang="en-US" sz="500" kern="1200"/>
-        </a:p>
-      </dsp:txBody>
-      <dsp:txXfrm>
-        <a:off x="4087105" y="2350380"/>
-        <a:ext cx="55388" cy="55388"/>
-      </dsp:txXfrm>
-    </dsp:sp>
-    <dsp:sp modelId="{61519D2E-2226-4D40-956A-32703DBCDB54}">
-      <dsp:nvSpPr>
-        <dsp:cNvPr id="0" name=""/>
-        <dsp:cNvSpPr/>
-      </dsp:nvSpPr>
-      <dsp:spPr>
-        <a:xfrm>
-          <a:off x="4431102" y="1528011"/>
-          <a:ext cx="1581512" cy="790756"/>
-        </a:xfrm>
-        <a:prstGeom prst="roundRect">
-          <a:avLst>
-            <a:gd name="adj" fmla="val 10000"/>
-          </a:avLst>
-        </a:prstGeom>
-        <a:gradFill rotWithShape="0">
-          <a:gsLst>
-            <a:gs pos="0">
-              <a:schemeClr val="accent1">
-                <a:hueOff val="0"/>
-                <a:satOff val="0"/>
-                <a:lumOff val="0"/>
-                <a:alphaOff val="0"/>
-                <a:tint val="50000"/>
-                <a:satMod val="300000"/>
-              </a:schemeClr>
-            </a:gs>
-            <a:gs pos="35000">
-              <a:schemeClr val="accent1">
-                <a:hueOff val="0"/>
-                <a:satOff val="0"/>
-                <a:lumOff val="0"/>
-                <a:alphaOff val="0"/>
-                <a:tint val="37000"/>
-                <a:satMod val="300000"/>
-              </a:schemeClr>
-            </a:gs>
-            <a:gs pos="100000">
-              <a:schemeClr val="accent1">
-                <a:hueOff val="0"/>
-                <a:satOff val="0"/>
-                <a:lumOff val="0"/>
-                <a:alphaOff val="0"/>
-                <a:tint val="15000"/>
-                <a:satMod val="350000"/>
-              </a:schemeClr>
-            </a:gs>
-          </a:gsLst>
-          <a:lin ang="16200000" scaled="1"/>
-        </a:gradFill>
-        <a:ln>
-          <a:noFill/>
-        </a:ln>
-        <a:effectLst>
-          <a:outerShdw blurRad="40000" dist="20000" dir="5400000" rotWithShape="0">
-            <a:srgbClr val="000000">
-              <a:alpha val="38000"/>
-            </a:srgbClr>
-          </a:outerShdw>
-        </a:effectLst>
-        <a:scene3d>
-          <a:camera prst="orthographicFront"/>
-          <a:lightRig rig="flat" dir="t"/>
-        </a:scene3d>
-        <a:sp3d prstMaterial="dkEdge">
-          <a:bevelT w="8200" h="38100"/>
-        </a:sp3d>
-      </dsp:spPr>
-      <dsp:style>
-        <a:lnRef idx="0">
-          <a:scrgbClr r="0" g="0" b="0"/>
-        </a:lnRef>
-        <a:fillRef idx="2">
-          <a:scrgbClr r="0" g="0" b="0"/>
-        </a:fillRef>
-        <a:effectRef idx="1">
-          <a:scrgbClr r="0" g="0" b="0"/>
-        </a:effectRef>
-        <a:fontRef idx="minor">
-          <a:schemeClr val="dk1"/>
-        </a:fontRef>
-      </dsp:style>
-      <dsp:txBody>
-        <a:bodyPr spcFirstLastPara="0" vert="horz" wrap="square" lIns="10795" tIns="10795" rIns="10795" bIns="10795" numCol="1" spcCol="1270" anchor="ctr" anchorCtr="0">
-          <a:noAutofit/>
-        </a:bodyPr>
-        <a:lstStyle/>
-        <a:p>
-          <a:pPr lvl="0" algn="ctr" defTabSz="755650" rtl="0">
-            <a:lnSpc>
-              <a:spcPct val="90000"/>
-            </a:lnSpc>
-            <a:spcBef>
-              <a:spcPct val="0"/>
-            </a:spcBef>
-            <a:spcAft>
-              <a:spcPct val="35000"/>
-            </a:spcAft>
-          </a:pPr>
-          <a:r>
-            <a:rPr lang="en-US" sz="1700" kern="1200"/>
-            <a:t>Function</a:t>
-          </a:r>
-        </a:p>
-      </dsp:txBody>
-      <dsp:txXfrm>
-        <a:off x="4454262" y="1551171"/>
-        <a:ext cx="1535192" cy="744436"/>
-      </dsp:txXfrm>
-    </dsp:sp>
-    <dsp:sp modelId="{7E0A796B-B043-F64A-B253-684C1161428E}">
-      <dsp:nvSpPr>
-        <dsp:cNvPr id="0" name=""/>
-        <dsp:cNvSpPr/>
-      </dsp:nvSpPr>
-      <dsp:spPr>
-        <a:xfrm rot="18289469">
-          <a:off x="5775035" y="1453741"/>
-          <a:ext cx="1107764" cy="29926"/>
-        </a:xfrm>
-        <a:custGeom>
-          <a:avLst/>
-          <a:gdLst/>
-          <a:ahLst/>
-          <a:cxnLst/>
-          <a:rect l="0" t="0" r="0" b="0"/>
-          <a:pathLst>
-            <a:path>
-              <a:moveTo>
-                <a:pt x="0" y="14963"/>
-              </a:moveTo>
-              <a:lnTo>
-                <a:pt x="1107764" y="14963"/>
-              </a:lnTo>
-            </a:path>
-          </a:pathLst>
-        </a:custGeom>
-        <a:noFill/>
-        <a:ln w="25400" cap="flat" cmpd="sng" algn="ctr">
-          <a:solidFill>
-            <a:schemeClr val="accent1">
-              <a:shade val="80000"/>
-              <a:hueOff val="0"/>
-              <a:satOff val="0"/>
-              <a:lumOff val="0"/>
-              <a:alphaOff val="0"/>
-            </a:schemeClr>
-          </a:solidFill>
-          <a:prstDash val="solid"/>
-        </a:ln>
-        <a:effectLst/>
-      </dsp:spPr>
-      <dsp:style>
-        <a:lnRef idx="2">
-          <a:scrgbClr r="0" g="0" b="0"/>
-        </a:lnRef>
-        <a:fillRef idx="0">
-          <a:scrgbClr r="0" g="0" b="0"/>
-        </a:fillRef>
-        <a:effectRef idx="0">
-          <a:scrgbClr r="0" g="0" b="0"/>
-        </a:effectRef>
-        <a:fontRef idx="minor"/>
-      </dsp:style>
-      <dsp:txBody>
-        <a:bodyPr spcFirstLastPara="0" vert="horz" wrap="square" lIns="12700" tIns="0" rIns="12700" bIns="0" numCol="1" spcCol="1270" anchor="ctr" anchorCtr="0">
-          <a:noAutofit/>
-        </a:bodyPr>
-        <a:lstStyle/>
-        <a:p>
-          <a:pPr lvl="0" algn="ctr" defTabSz="222250">
-            <a:lnSpc>
-              <a:spcPct val="90000"/>
-            </a:lnSpc>
-            <a:spcBef>
-              <a:spcPct val="0"/>
-            </a:spcBef>
-            <a:spcAft>
-              <a:spcPct val="35000"/>
-            </a:spcAft>
-          </a:pPr>
-          <a:endParaRPr lang="zh-CN" altLang="en-US" sz="500" kern="1200"/>
-        </a:p>
-      </dsp:txBody>
-      <dsp:txXfrm>
-        <a:off x="6301223" y="1441011"/>
-        <a:ext cx="55388" cy="55388"/>
-      </dsp:txXfrm>
-    </dsp:sp>
-    <dsp:sp modelId="{5B6F82AF-BC2C-E347-9D36-6972D1A25FCA}">
-      <dsp:nvSpPr>
-        <dsp:cNvPr id="0" name=""/>
-        <dsp:cNvSpPr/>
-      </dsp:nvSpPr>
-      <dsp:spPr>
-        <a:xfrm>
-          <a:off x="6645220" y="618642"/>
-          <a:ext cx="1581512" cy="790756"/>
-        </a:xfrm>
-        <a:prstGeom prst="roundRect">
-          <a:avLst>
-            <a:gd name="adj" fmla="val 10000"/>
-          </a:avLst>
-        </a:prstGeom>
-        <a:gradFill rotWithShape="0">
-          <a:gsLst>
-            <a:gs pos="0">
-              <a:schemeClr val="accent1">
-                <a:hueOff val="0"/>
-                <a:satOff val="0"/>
-                <a:lumOff val="0"/>
-                <a:alphaOff val="0"/>
-                <a:tint val="50000"/>
-                <a:satMod val="300000"/>
-              </a:schemeClr>
-            </a:gs>
-            <a:gs pos="35000">
-              <a:schemeClr val="accent1">
-                <a:hueOff val="0"/>
-                <a:satOff val="0"/>
-                <a:lumOff val="0"/>
-                <a:alphaOff val="0"/>
-                <a:tint val="37000"/>
-                <a:satMod val="300000"/>
-              </a:schemeClr>
-            </a:gs>
-            <a:gs pos="100000">
-              <a:schemeClr val="accent1">
-                <a:hueOff val="0"/>
-                <a:satOff val="0"/>
-                <a:lumOff val="0"/>
-                <a:alphaOff val="0"/>
-                <a:tint val="15000"/>
-                <a:satMod val="350000"/>
-              </a:schemeClr>
-            </a:gs>
-          </a:gsLst>
-          <a:lin ang="16200000" scaled="1"/>
-        </a:gradFill>
-        <a:ln>
-          <a:noFill/>
-        </a:ln>
-        <a:effectLst>
-          <a:outerShdw blurRad="40000" dist="20000" dir="5400000" rotWithShape="0">
-            <a:srgbClr val="000000">
-              <a:alpha val="38000"/>
-            </a:srgbClr>
-          </a:outerShdw>
-        </a:effectLst>
-        <a:scene3d>
-          <a:camera prst="orthographicFront"/>
-          <a:lightRig rig="flat" dir="t"/>
-        </a:scene3d>
-        <a:sp3d prstMaterial="dkEdge">
-          <a:bevelT w="8200" h="38100"/>
-        </a:sp3d>
-      </dsp:spPr>
-      <dsp:style>
-        <a:lnRef idx="0">
-          <a:scrgbClr r="0" g="0" b="0"/>
-        </a:lnRef>
-        <a:fillRef idx="2">
-          <a:scrgbClr r="0" g="0" b="0"/>
-        </a:fillRef>
-        <a:effectRef idx="1">
-          <a:scrgbClr r="0" g="0" b="0"/>
-        </a:effectRef>
-        <a:fontRef idx="minor">
-          <a:schemeClr val="dk1"/>
-        </a:fontRef>
-      </dsp:style>
-      <dsp:txBody>
-        <a:bodyPr spcFirstLastPara="0" vert="horz" wrap="square" lIns="10795" tIns="10795" rIns="10795" bIns="10795" numCol="1" spcCol="1270" anchor="ctr" anchorCtr="0">
-          <a:noAutofit/>
-        </a:bodyPr>
-        <a:lstStyle/>
-        <a:p>
-          <a:pPr lvl="0" algn="ctr" defTabSz="755650" rtl="0">
-            <a:lnSpc>
-              <a:spcPct val="90000"/>
-            </a:lnSpc>
-            <a:spcBef>
-              <a:spcPct val="0"/>
-            </a:spcBef>
-            <a:spcAft>
-              <a:spcPct val="35000"/>
-            </a:spcAft>
-          </a:pPr>
-          <a:r>
-            <a:rPr lang="en-US" sz="1700" kern="1200"/>
-            <a:t>Added: rerun all test cases </a:t>
-          </a:r>
-        </a:p>
-      </dsp:txBody>
-      <dsp:txXfrm>
-        <a:off x="6668380" y="641802"/>
-        <a:ext cx="1535192" cy="744436"/>
-      </dsp:txXfrm>
-    </dsp:sp>
-    <dsp:sp modelId="{989AA386-4845-DA4D-ABC4-9CA92925452B}">
-      <dsp:nvSpPr>
-        <dsp:cNvPr id="0" name=""/>
-        <dsp:cNvSpPr/>
-      </dsp:nvSpPr>
-      <dsp:spPr>
-        <a:xfrm>
-          <a:off x="6012615" y="1908426"/>
-          <a:ext cx="632605" cy="29926"/>
-        </a:xfrm>
-        <a:custGeom>
-          <a:avLst/>
-          <a:gdLst/>
-          <a:ahLst/>
-          <a:cxnLst/>
-          <a:rect l="0" t="0" r="0" b="0"/>
-          <a:pathLst>
-            <a:path>
-              <a:moveTo>
-                <a:pt x="0" y="14963"/>
-              </a:moveTo>
-              <a:lnTo>
-                <a:pt x="632605" y="14963"/>
-              </a:lnTo>
-            </a:path>
-          </a:pathLst>
-        </a:custGeom>
-        <a:noFill/>
-        <a:ln w="25400" cap="flat" cmpd="sng" algn="ctr">
-          <a:solidFill>
-            <a:schemeClr val="accent1">
-              <a:shade val="80000"/>
-              <a:hueOff val="0"/>
-              <a:satOff val="0"/>
-              <a:lumOff val="0"/>
-              <a:alphaOff val="0"/>
-            </a:schemeClr>
-          </a:solidFill>
-          <a:prstDash val="solid"/>
-        </a:ln>
-        <a:effectLst/>
-      </dsp:spPr>
-      <dsp:style>
-        <a:lnRef idx="2">
-          <a:scrgbClr r="0" g="0" b="0"/>
-        </a:lnRef>
-        <a:fillRef idx="0">
-          <a:scrgbClr r="0" g="0" b="0"/>
-        </a:fillRef>
-        <a:effectRef idx="0">
-          <a:scrgbClr r="0" g="0" b="0"/>
-        </a:effectRef>
-        <a:fontRef idx="minor"/>
-      </dsp:style>
-      <dsp:txBody>
-        <a:bodyPr spcFirstLastPara="0" vert="horz" wrap="square" lIns="12700" tIns="0" rIns="12700" bIns="0" numCol="1" spcCol="1270" anchor="ctr" anchorCtr="0">
-          <a:noAutofit/>
-        </a:bodyPr>
-        <a:lstStyle/>
-        <a:p>
-          <a:pPr lvl="0" algn="ctr" defTabSz="222250">
-            <a:lnSpc>
-              <a:spcPct val="90000"/>
-            </a:lnSpc>
-            <a:spcBef>
-              <a:spcPct val="0"/>
-            </a:spcBef>
-            <a:spcAft>
-              <a:spcPct val="35000"/>
-            </a:spcAft>
-          </a:pPr>
-          <a:endParaRPr lang="zh-CN" altLang="en-US" sz="500" kern="1200"/>
-        </a:p>
-      </dsp:txBody>
-      <dsp:txXfrm>
-        <a:off x="6313102" y="1907574"/>
-        <a:ext cx="31630" cy="31630"/>
-      </dsp:txXfrm>
-    </dsp:sp>
-    <dsp:sp modelId="{B6340E98-089C-D44D-A66E-4F0707885D9B}">
-      <dsp:nvSpPr>
-        <dsp:cNvPr id="0" name=""/>
-        <dsp:cNvSpPr/>
-      </dsp:nvSpPr>
-      <dsp:spPr>
-        <a:xfrm>
-          <a:off x="6645220" y="1528011"/>
-          <a:ext cx="1581512" cy="790756"/>
-        </a:xfrm>
-        <a:prstGeom prst="roundRect">
-          <a:avLst>
-            <a:gd name="adj" fmla="val 10000"/>
-          </a:avLst>
-        </a:prstGeom>
-        <a:gradFill rotWithShape="0">
-          <a:gsLst>
-            <a:gs pos="0">
-              <a:schemeClr val="accent1">
-                <a:hueOff val="0"/>
-                <a:satOff val="0"/>
-                <a:lumOff val="0"/>
-                <a:alphaOff val="0"/>
-                <a:tint val="50000"/>
-                <a:satMod val="300000"/>
-              </a:schemeClr>
-            </a:gs>
-            <a:gs pos="35000">
-              <a:schemeClr val="accent1">
-                <a:hueOff val="0"/>
-                <a:satOff val="0"/>
-                <a:lumOff val="0"/>
-                <a:alphaOff val="0"/>
-                <a:tint val="37000"/>
-                <a:satMod val="300000"/>
-              </a:schemeClr>
-            </a:gs>
-            <a:gs pos="100000">
-              <a:schemeClr val="accent1">
-                <a:hueOff val="0"/>
-                <a:satOff val="0"/>
-                <a:lumOff val="0"/>
-                <a:alphaOff val="0"/>
-                <a:tint val="15000"/>
-                <a:satMod val="350000"/>
-              </a:schemeClr>
-            </a:gs>
-          </a:gsLst>
-          <a:lin ang="16200000" scaled="1"/>
-        </a:gradFill>
-        <a:ln>
-          <a:noFill/>
-        </a:ln>
-        <a:effectLst>
-          <a:outerShdw blurRad="40000" dist="20000" dir="5400000" rotWithShape="0">
-            <a:srgbClr val="000000">
-              <a:alpha val="38000"/>
-            </a:srgbClr>
-          </a:outerShdw>
-        </a:effectLst>
-        <a:scene3d>
-          <a:camera prst="orthographicFront"/>
-          <a:lightRig rig="flat" dir="t"/>
-        </a:scene3d>
-        <a:sp3d prstMaterial="dkEdge">
-          <a:bevelT w="8200" h="38100"/>
-        </a:sp3d>
-      </dsp:spPr>
-      <dsp:style>
-        <a:lnRef idx="0">
-          <a:scrgbClr r="0" g="0" b="0"/>
-        </a:lnRef>
-        <a:fillRef idx="2">
-          <a:scrgbClr r="0" g="0" b="0"/>
-        </a:fillRef>
-        <a:effectRef idx="1">
-          <a:scrgbClr r="0" g="0" b="0"/>
-        </a:effectRef>
-        <a:fontRef idx="minor">
-          <a:schemeClr val="dk1"/>
-        </a:fontRef>
-      </dsp:style>
-      <dsp:txBody>
-        <a:bodyPr spcFirstLastPara="0" vert="horz" wrap="square" lIns="10795" tIns="10795" rIns="10795" bIns="10795" numCol="1" spcCol="1270" anchor="ctr" anchorCtr="0">
-          <a:noAutofit/>
-        </a:bodyPr>
-        <a:lstStyle/>
-        <a:p>
-          <a:pPr lvl="0" algn="ctr" defTabSz="755650" rtl="0">
-            <a:lnSpc>
-              <a:spcPct val="90000"/>
-            </a:lnSpc>
-            <a:spcBef>
-              <a:spcPct val="0"/>
-            </a:spcBef>
-            <a:spcAft>
-              <a:spcPct val="35000"/>
-            </a:spcAft>
-          </a:pPr>
-          <a:r>
-            <a:rPr lang="en-US" sz="1700" kern="1200"/>
-            <a:t>Modified: rerun affected test cases</a:t>
-          </a:r>
-        </a:p>
-      </dsp:txBody>
-      <dsp:txXfrm>
-        <a:off x="6668380" y="1551171"/>
-        <a:ext cx="1535192" cy="744436"/>
-      </dsp:txXfrm>
-    </dsp:sp>
-    <dsp:sp modelId="{BA2BE110-44CA-F943-93CE-D7022016A45D}">
-      <dsp:nvSpPr>
-        <dsp:cNvPr id="0" name=""/>
-        <dsp:cNvSpPr/>
-      </dsp:nvSpPr>
-      <dsp:spPr>
-        <a:xfrm rot="3310531">
-          <a:off x="5775035" y="2363111"/>
-          <a:ext cx="1107764" cy="29926"/>
-        </a:xfrm>
-        <a:custGeom>
-          <a:avLst/>
-          <a:gdLst/>
-          <a:ahLst/>
-          <a:cxnLst/>
-          <a:rect l="0" t="0" r="0" b="0"/>
-          <a:pathLst>
-            <a:path>
-              <a:moveTo>
-                <a:pt x="0" y="14963"/>
-              </a:moveTo>
-              <a:lnTo>
-                <a:pt x="1107764" y="14963"/>
-              </a:lnTo>
-            </a:path>
-          </a:pathLst>
-        </a:custGeom>
-        <a:noFill/>
-        <a:ln w="25400" cap="flat" cmpd="sng" algn="ctr">
-          <a:solidFill>
-            <a:schemeClr val="accent1">
-              <a:shade val="80000"/>
-              <a:hueOff val="0"/>
-              <a:satOff val="0"/>
-              <a:lumOff val="0"/>
-              <a:alphaOff val="0"/>
-            </a:schemeClr>
-          </a:solidFill>
-          <a:prstDash val="solid"/>
-        </a:ln>
-        <a:effectLst/>
-      </dsp:spPr>
-      <dsp:style>
-        <a:lnRef idx="2">
-          <a:scrgbClr r="0" g="0" b="0"/>
-        </a:lnRef>
-        <a:fillRef idx="0">
-          <a:scrgbClr r="0" g="0" b="0"/>
-        </a:fillRef>
-        <a:effectRef idx="0">
-          <a:scrgbClr r="0" g="0" b="0"/>
-        </a:effectRef>
-        <a:fontRef idx="minor"/>
-      </dsp:style>
-      <dsp:txBody>
-        <a:bodyPr spcFirstLastPara="0" vert="horz" wrap="square" lIns="12700" tIns="0" rIns="12700" bIns="0" numCol="1" spcCol="1270" anchor="ctr" anchorCtr="0">
-          <a:noAutofit/>
-        </a:bodyPr>
-        <a:lstStyle/>
-        <a:p>
-          <a:pPr lvl="0" algn="ctr" defTabSz="222250">
-            <a:lnSpc>
-              <a:spcPct val="90000"/>
-            </a:lnSpc>
-            <a:spcBef>
-              <a:spcPct val="0"/>
-            </a:spcBef>
-            <a:spcAft>
-              <a:spcPct val="35000"/>
-            </a:spcAft>
-          </a:pPr>
-          <a:endParaRPr lang="zh-CN" altLang="en-US" sz="500" kern="1200"/>
-        </a:p>
-      </dsp:txBody>
-      <dsp:txXfrm>
-        <a:off x="6301223" y="2350380"/>
-        <a:ext cx="55388" cy="55388"/>
-      </dsp:txXfrm>
-    </dsp:sp>
-    <dsp:sp modelId="{03D886EA-A286-5546-A3A2-9CCA135963C5}">
-      <dsp:nvSpPr>
-        <dsp:cNvPr id="0" name=""/>
-        <dsp:cNvSpPr/>
-      </dsp:nvSpPr>
-      <dsp:spPr>
-        <a:xfrm>
-          <a:off x="6645220" y="2437381"/>
-          <a:ext cx="1581512" cy="790756"/>
-        </a:xfrm>
-        <a:prstGeom prst="roundRect">
-          <a:avLst>
-            <a:gd name="adj" fmla="val 10000"/>
-          </a:avLst>
-        </a:prstGeom>
-        <a:gradFill rotWithShape="0">
-          <a:gsLst>
-            <a:gs pos="0">
-              <a:schemeClr val="accent1">
-                <a:hueOff val="0"/>
-                <a:satOff val="0"/>
-                <a:lumOff val="0"/>
-                <a:alphaOff val="0"/>
-                <a:tint val="50000"/>
-                <a:satMod val="300000"/>
-              </a:schemeClr>
-            </a:gs>
-            <a:gs pos="35000">
-              <a:schemeClr val="accent1">
-                <a:hueOff val="0"/>
-                <a:satOff val="0"/>
-                <a:lumOff val="0"/>
-                <a:alphaOff val="0"/>
-                <a:tint val="37000"/>
-                <a:satMod val="300000"/>
-              </a:schemeClr>
-            </a:gs>
-            <a:gs pos="100000">
-              <a:schemeClr val="accent1">
-                <a:hueOff val="0"/>
-                <a:satOff val="0"/>
-                <a:lumOff val="0"/>
-                <a:alphaOff val="0"/>
-                <a:tint val="15000"/>
-                <a:satMod val="350000"/>
-              </a:schemeClr>
-            </a:gs>
-          </a:gsLst>
-          <a:lin ang="16200000" scaled="1"/>
-        </a:gradFill>
-        <a:ln>
-          <a:noFill/>
-        </a:ln>
-        <a:effectLst>
-          <a:outerShdw blurRad="40000" dist="20000" dir="5400000" rotWithShape="0">
-            <a:srgbClr val="000000">
-              <a:alpha val="38000"/>
-            </a:srgbClr>
-          </a:outerShdw>
-        </a:effectLst>
-        <a:scene3d>
-          <a:camera prst="orthographicFront"/>
-          <a:lightRig rig="flat" dir="t"/>
-        </a:scene3d>
-        <a:sp3d prstMaterial="dkEdge">
-          <a:bevelT w="8200" h="38100"/>
-        </a:sp3d>
-      </dsp:spPr>
-      <dsp:style>
-        <a:lnRef idx="0">
-          <a:scrgbClr r="0" g="0" b="0"/>
-        </a:lnRef>
-        <a:fillRef idx="2">
-          <a:scrgbClr r="0" g="0" b="0"/>
-        </a:fillRef>
-        <a:effectRef idx="1">
-          <a:scrgbClr r="0" g="0" b="0"/>
-        </a:effectRef>
-        <a:fontRef idx="minor">
-          <a:schemeClr val="dk1"/>
-        </a:fontRef>
-      </dsp:style>
-      <dsp:txBody>
-        <a:bodyPr spcFirstLastPara="0" vert="horz" wrap="square" lIns="10795" tIns="10795" rIns="10795" bIns="10795" numCol="1" spcCol="1270" anchor="ctr" anchorCtr="0">
-          <a:noAutofit/>
-        </a:bodyPr>
-        <a:lstStyle/>
-        <a:p>
-          <a:pPr lvl="0" algn="ctr" defTabSz="755650" rtl="0">
-            <a:lnSpc>
-              <a:spcPct val="90000"/>
-            </a:lnSpc>
-            <a:spcBef>
-              <a:spcPct val="0"/>
-            </a:spcBef>
-            <a:spcAft>
-              <a:spcPct val="35000"/>
-            </a:spcAft>
-          </a:pPr>
-          <a:r>
-            <a:rPr lang="en-US" sz="1700" kern="1200"/>
-            <a:t>Deleted:</a:t>
-          </a:r>
-          <a:r>
-            <a:rPr lang="en-US" altLang="zh-CN" sz="1700" kern="1200"/>
-            <a:t> </a:t>
-          </a:r>
-          <a:r>
-            <a:rPr lang="en-US" sz="1700" kern="1200"/>
-            <a:t>rerun all test cases</a:t>
-          </a:r>
-        </a:p>
-      </dsp:txBody>
-      <dsp:txXfrm>
-        <a:off x="6668380" y="2460541"/>
-        <a:ext cx="1535192" cy="744436"/>
-      </dsp:txXfrm>
-    </dsp:sp>
-    <dsp:sp modelId="{96BB64EB-D4A5-9C45-9F44-FFDB16C37FFD}">
-      <dsp:nvSpPr>
-        <dsp:cNvPr id="0" name=""/>
-        <dsp:cNvSpPr/>
-      </dsp:nvSpPr>
-      <dsp:spPr>
-        <a:xfrm rot="3310531">
-          <a:off x="3560917" y="3272481"/>
-          <a:ext cx="1107764" cy="29926"/>
-        </a:xfrm>
-        <a:custGeom>
-          <a:avLst/>
-          <a:gdLst/>
-          <a:ahLst/>
-          <a:cxnLst/>
-          <a:rect l="0" t="0" r="0" b="0"/>
-          <a:pathLst>
-            <a:path>
-              <a:moveTo>
-                <a:pt x="0" y="14963"/>
-              </a:moveTo>
-              <a:lnTo>
-                <a:pt x="1107764" y="14963"/>
-              </a:lnTo>
-            </a:path>
-          </a:pathLst>
-        </a:custGeom>
-        <a:noFill/>
-        <a:ln w="25400" cap="flat" cmpd="sng" algn="ctr">
-          <a:solidFill>
-            <a:schemeClr val="accent1">
-              <a:shade val="80000"/>
-              <a:hueOff val="0"/>
-              <a:satOff val="0"/>
-              <a:lumOff val="0"/>
-              <a:alphaOff val="0"/>
-            </a:schemeClr>
-          </a:solidFill>
-          <a:prstDash val="solid"/>
-        </a:ln>
-        <a:effectLst/>
-      </dsp:spPr>
-      <dsp:style>
-        <a:lnRef idx="2">
-          <a:scrgbClr r="0" g="0" b="0"/>
-        </a:lnRef>
-        <a:fillRef idx="0">
-          <a:scrgbClr r="0" g="0" b="0"/>
-        </a:fillRef>
-        <a:effectRef idx="0">
-          <a:scrgbClr r="0" g="0" b="0"/>
-        </a:effectRef>
-        <a:fontRef idx="minor"/>
-      </dsp:style>
-      <dsp:txBody>
-        <a:bodyPr spcFirstLastPara="0" vert="horz" wrap="square" lIns="12700" tIns="0" rIns="12700" bIns="0" numCol="1" spcCol="1270" anchor="ctr" anchorCtr="0">
-          <a:noAutofit/>
-        </a:bodyPr>
-        <a:lstStyle/>
-        <a:p>
-          <a:pPr lvl="0" algn="ctr" defTabSz="222250">
-            <a:lnSpc>
-              <a:spcPct val="90000"/>
-            </a:lnSpc>
-            <a:spcBef>
-              <a:spcPct val="0"/>
-            </a:spcBef>
-            <a:spcAft>
-              <a:spcPct val="35000"/>
-            </a:spcAft>
-          </a:pPr>
-          <a:endParaRPr lang="zh-CN" altLang="en-US" sz="500" kern="1200"/>
-        </a:p>
-      </dsp:txBody>
-      <dsp:txXfrm>
-        <a:off x="4087105" y="3259750"/>
-        <a:ext cx="55388" cy="55388"/>
-      </dsp:txXfrm>
-    </dsp:sp>
-    <dsp:sp modelId="{CEFA5E17-402D-C448-9C5D-07B132545250}">
-      <dsp:nvSpPr>
-        <dsp:cNvPr id="0" name=""/>
-        <dsp:cNvSpPr/>
-      </dsp:nvSpPr>
-      <dsp:spPr>
-        <a:xfrm>
-          <a:off x="4431102" y="3346751"/>
-          <a:ext cx="1581512" cy="790756"/>
-        </a:xfrm>
-        <a:prstGeom prst="roundRect">
-          <a:avLst>
-            <a:gd name="adj" fmla="val 10000"/>
-          </a:avLst>
-        </a:prstGeom>
-        <a:gradFill rotWithShape="0">
-          <a:gsLst>
-            <a:gs pos="0">
-              <a:schemeClr val="accent1">
-                <a:hueOff val="0"/>
-                <a:satOff val="0"/>
-                <a:lumOff val="0"/>
-                <a:alphaOff val="0"/>
-                <a:tint val="50000"/>
-                <a:satMod val="300000"/>
-              </a:schemeClr>
-            </a:gs>
-            <a:gs pos="35000">
-              <a:schemeClr val="accent1">
-                <a:hueOff val="0"/>
-                <a:satOff val="0"/>
-                <a:lumOff val="0"/>
-                <a:alphaOff val="0"/>
-                <a:tint val="37000"/>
-                <a:satMod val="300000"/>
-              </a:schemeClr>
-            </a:gs>
-            <a:gs pos="100000">
-              <a:schemeClr val="accent1">
-                <a:hueOff val="0"/>
-                <a:satOff val="0"/>
-                <a:lumOff val="0"/>
-                <a:alphaOff val="0"/>
-                <a:tint val="15000"/>
-                <a:satMod val="350000"/>
-              </a:schemeClr>
-            </a:gs>
-          </a:gsLst>
-          <a:lin ang="16200000" scaled="1"/>
-        </a:gradFill>
-        <a:ln>
-          <a:noFill/>
-        </a:ln>
-        <a:effectLst>
-          <a:outerShdw blurRad="40000" dist="20000" dir="5400000" rotWithShape="0">
-            <a:srgbClr val="000000">
-              <a:alpha val="38000"/>
-            </a:srgbClr>
-          </a:outerShdw>
-        </a:effectLst>
-        <a:scene3d>
-          <a:camera prst="orthographicFront"/>
-          <a:lightRig rig="flat" dir="t"/>
-        </a:scene3d>
-        <a:sp3d prstMaterial="dkEdge">
-          <a:bevelT w="8200" h="38100"/>
-        </a:sp3d>
-      </dsp:spPr>
-      <dsp:style>
-        <a:lnRef idx="0">
-          <a:scrgbClr r="0" g="0" b="0"/>
-        </a:lnRef>
-        <a:fillRef idx="2">
-          <a:scrgbClr r="0" g="0" b="0"/>
-        </a:fillRef>
-        <a:effectRef idx="1">
-          <a:scrgbClr r="0" g="0" b="0"/>
-        </a:effectRef>
-        <a:fontRef idx="minor">
-          <a:schemeClr val="dk1"/>
-        </a:fontRef>
-      </dsp:style>
-      <dsp:txBody>
-        <a:bodyPr spcFirstLastPara="0" vert="horz" wrap="square" lIns="10795" tIns="10795" rIns="10795" bIns="10795" numCol="1" spcCol="1270" anchor="ctr" anchorCtr="0">
-          <a:noAutofit/>
-        </a:bodyPr>
-        <a:lstStyle/>
-        <a:p>
-          <a:pPr lvl="0" algn="ctr" defTabSz="755650" rtl="0">
-            <a:lnSpc>
-              <a:spcPct val="90000"/>
-            </a:lnSpc>
-            <a:spcBef>
-              <a:spcPct val="0"/>
-            </a:spcBef>
-            <a:spcAft>
-              <a:spcPct val="35000"/>
-            </a:spcAft>
-          </a:pPr>
-          <a:r>
-            <a:rPr lang="en-US" sz="1700" kern="1200"/>
-            <a:t>Other</a:t>
-          </a:r>
-          <a:r>
-            <a:rPr lang="en-US" altLang="zh-CN" sz="1700" kern="1200"/>
-            <a:t> </a:t>
-          </a:r>
-          <a:r>
-            <a:rPr lang="en-US" sz="1700" kern="1200"/>
-            <a:t>elements</a:t>
-          </a:r>
-        </a:p>
-      </dsp:txBody>
-      <dsp:txXfrm>
-        <a:off x="4454262" y="3369911"/>
-        <a:ext cx="1535192" cy="744436"/>
-      </dsp:txXfrm>
-    </dsp:sp>
-    <dsp:sp modelId="{B559DE7E-F1E3-6549-B6B8-F70F768DA1B3}">
-      <dsp:nvSpPr>
-        <dsp:cNvPr id="0" name=""/>
-        <dsp:cNvSpPr/>
-      </dsp:nvSpPr>
-      <dsp:spPr>
-        <a:xfrm>
-          <a:off x="6012615" y="3727166"/>
-          <a:ext cx="632605" cy="29926"/>
-        </a:xfrm>
-        <a:custGeom>
-          <a:avLst/>
-          <a:gdLst/>
-          <a:ahLst/>
-          <a:cxnLst/>
-          <a:rect l="0" t="0" r="0" b="0"/>
-          <a:pathLst>
-            <a:path>
-              <a:moveTo>
-                <a:pt x="0" y="14963"/>
-              </a:moveTo>
-              <a:lnTo>
-                <a:pt x="632605" y="14963"/>
-              </a:lnTo>
-            </a:path>
-          </a:pathLst>
-        </a:custGeom>
-        <a:noFill/>
-        <a:ln w="25400" cap="flat" cmpd="sng" algn="ctr">
-          <a:solidFill>
-            <a:schemeClr val="accent1">
-              <a:shade val="80000"/>
-              <a:hueOff val="0"/>
-              <a:satOff val="0"/>
-              <a:lumOff val="0"/>
-              <a:alphaOff val="0"/>
-            </a:schemeClr>
-          </a:solidFill>
-          <a:prstDash val="solid"/>
-        </a:ln>
-        <a:effectLst/>
-      </dsp:spPr>
-      <dsp:style>
-        <a:lnRef idx="2">
-          <a:scrgbClr r="0" g="0" b="0"/>
-        </a:lnRef>
-        <a:fillRef idx="0">
-          <a:scrgbClr r="0" g="0" b="0"/>
-        </a:fillRef>
-        <a:effectRef idx="0">
-          <a:scrgbClr r="0" g="0" b="0"/>
-        </a:effectRef>
-        <a:fontRef idx="minor"/>
-      </dsp:style>
-      <dsp:txBody>
-        <a:bodyPr spcFirstLastPara="0" vert="horz" wrap="square" lIns="12700" tIns="0" rIns="12700" bIns="0" numCol="1" spcCol="1270" anchor="ctr" anchorCtr="0">
-          <a:noAutofit/>
-        </a:bodyPr>
-        <a:lstStyle/>
-        <a:p>
-          <a:pPr lvl="0" algn="ctr" defTabSz="222250">
-            <a:lnSpc>
-              <a:spcPct val="90000"/>
-            </a:lnSpc>
-            <a:spcBef>
-              <a:spcPct val="0"/>
-            </a:spcBef>
-            <a:spcAft>
-              <a:spcPct val="35000"/>
-            </a:spcAft>
-          </a:pPr>
-          <a:endParaRPr lang="zh-CN" altLang="en-US" sz="500" kern="1200"/>
-        </a:p>
-      </dsp:txBody>
-      <dsp:txXfrm>
-        <a:off x="6313102" y="3726314"/>
-        <a:ext cx="31630" cy="31630"/>
-      </dsp:txXfrm>
-    </dsp:sp>
-    <dsp:sp modelId="{8A0D6757-0A45-EB44-BE24-5CBADF0AB503}">
-      <dsp:nvSpPr>
-        <dsp:cNvPr id="0" name=""/>
-        <dsp:cNvSpPr/>
-      </dsp:nvSpPr>
-      <dsp:spPr>
-        <a:xfrm>
-          <a:off x="6645220" y="3346751"/>
-          <a:ext cx="1581512" cy="790756"/>
-        </a:xfrm>
-        <a:prstGeom prst="roundRect">
-          <a:avLst>
-            <a:gd name="adj" fmla="val 10000"/>
-          </a:avLst>
-        </a:prstGeom>
-        <a:gradFill rotWithShape="0">
-          <a:gsLst>
-            <a:gs pos="0">
-              <a:schemeClr val="accent1">
-                <a:hueOff val="0"/>
-                <a:satOff val="0"/>
-                <a:lumOff val="0"/>
-                <a:alphaOff val="0"/>
-                <a:tint val="50000"/>
-                <a:satMod val="300000"/>
-              </a:schemeClr>
-            </a:gs>
-            <a:gs pos="35000">
-              <a:schemeClr val="accent1">
-                <a:hueOff val="0"/>
-                <a:satOff val="0"/>
-                <a:lumOff val="0"/>
-                <a:alphaOff val="0"/>
-                <a:tint val="37000"/>
-                <a:satMod val="300000"/>
-              </a:schemeClr>
-            </a:gs>
-            <a:gs pos="100000">
-              <a:schemeClr val="accent1">
-                <a:hueOff val="0"/>
-                <a:satOff val="0"/>
-                <a:lumOff val="0"/>
-                <a:alphaOff val="0"/>
-                <a:tint val="15000"/>
-                <a:satMod val="350000"/>
-              </a:schemeClr>
-            </a:gs>
-          </a:gsLst>
-          <a:lin ang="16200000" scaled="1"/>
-        </a:gradFill>
-        <a:ln>
-          <a:noFill/>
-        </a:ln>
-        <a:effectLst>
-          <a:outerShdw blurRad="40000" dist="20000" dir="5400000" rotWithShape="0">
-            <a:srgbClr val="000000">
-              <a:alpha val="38000"/>
-            </a:srgbClr>
-          </a:outerShdw>
-        </a:effectLst>
-        <a:scene3d>
-          <a:camera prst="orthographicFront"/>
-          <a:lightRig rig="flat" dir="t"/>
-        </a:scene3d>
-        <a:sp3d prstMaterial="dkEdge">
-          <a:bevelT w="8200" h="38100"/>
-        </a:sp3d>
-      </dsp:spPr>
-      <dsp:style>
-        <a:lnRef idx="0">
-          <a:scrgbClr r="0" g="0" b="0"/>
-        </a:lnRef>
-        <a:fillRef idx="2">
-          <a:scrgbClr r="0" g="0" b="0"/>
-        </a:fillRef>
-        <a:effectRef idx="1">
-          <a:scrgbClr r="0" g="0" b="0"/>
-        </a:effectRef>
-        <a:fontRef idx="minor">
-          <a:schemeClr val="dk1"/>
-        </a:fontRef>
-      </dsp:style>
-      <dsp:txBody>
-        <a:bodyPr spcFirstLastPara="0" vert="horz" wrap="square" lIns="10795" tIns="10795" rIns="10795" bIns="10795" numCol="1" spcCol="1270" anchor="ctr" anchorCtr="0">
-          <a:noAutofit/>
-        </a:bodyPr>
-        <a:lstStyle/>
-        <a:p>
-          <a:pPr lvl="0" algn="ctr" defTabSz="755650" rtl="0">
-            <a:lnSpc>
-              <a:spcPct val="90000"/>
-            </a:lnSpc>
-            <a:spcBef>
-              <a:spcPct val="0"/>
-            </a:spcBef>
-            <a:spcAft>
-              <a:spcPct val="35000"/>
-            </a:spcAft>
-          </a:pPr>
-          <a:r>
-            <a:rPr lang="en-US" altLang="zh-CN" sz="1700" kern="1200" dirty="0" smtClean="0"/>
-            <a:t>A</a:t>
-          </a:r>
-          <a:r>
-            <a:rPr lang="en-US" sz="1700" kern="1200" dirty="0" smtClean="0"/>
-            <a:t>ny</a:t>
-          </a:r>
-          <a:r>
-            <a:rPr lang="en-US" altLang="zh-CN" sz="1700" kern="1200" dirty="0" smtClean="0"/>
-            <a:t> </a:t>
-          </a:r>
-          <a:r>
-            <a:rPr lang="en-US" sz="1700" kern="1200" dirty="0" smtClean="0"/>
-            <a:t>change:</a:t>
-          </a:r>
-          <a:r>
-            <a:rPr lang="en-US" altLang="zh-CN" sz="1700" kern="1200" dirty="0" smtClean="0"/>
-            <a:t> </a:t>
-          </a:r>
-          <a:r>
-            <a:rPr lang="en-US" sz="1700" kern="1200" dirty="0" smtClean="0"/>
-            <a:t>rerun </a:t>
-          </a:r>
-          <a:r>
-            <a:rPr lang="en-US" sz="1700" kern="1200" dirty="0"/>
-            <a:t>all test cases </a:t>
-          </a:r>
-        </a:p>
-      </dsp:txBody>
-      <dsp:txXfrm>
-        <a:off x="6668380" y="3369911"/>
-        <a:ext cx="1535192" cy="744436"/>
-      </dsp:txXfrm>
-    </dsp:sp>
   </dsp:spTree>
 </dsp:drawing>
 </file>
@@ -9848,14 +7989,24 @@
           <a:p>
             <a:r>
               <a:rPr lang="en-US" altLang="zh-CN" dirty="0"/>
-              <a:t>Transform source into AST form</a:t>
-            </a:r>
+              <a:t>Transform source into </a:t>
+            </a:r>
+            <a:r>
+              <a:rPr lang="en-US" altLang="zh-CN" dirty="0" smtClean="0"/>
+              <a:t>AST.</a:t>
+            </a:r>
+            <a:endParaRPr lang="en-US" altLang="zh-CN" dirty="0"/>
           </a:p>
           <a:p>
             <a:r>
               <a:rPr lang="en-US" altLang="zh-CN" dirty="0"/>
-              <a:t>Compare AST structures and contents</a:t>
-            </a:r>
+              <a:t>Compare AST structures and </a:t>
+            </a:r>
+            <a:r>
+              <a:rPr lang="en-US" altLang="zh-CN" dirty="0" smtClean="0"/>
+              <a:t>contents.</a:t>
+            </a:r>
+            <a:endParaRPr lang="en-US" altLang="zh-CN" dirty="0"/>
           </a:p>
         </p:txBody>
       </p:sp>
@@ -18416,7 +16567,39 @@
           <a:bodyPr/>
           <a:lstStyle/>
           <a:p>
-            <a:endParaRPr lang="zh-CN" altLang="en-US"/>
+            <a:r>
+              <a:rPr lang="en-US" altLang="zh-CN" dirty="0" smtClean="0"/>
+              <a:t>Demo Project: CCTZ</a:t>
+            </a:r>
+          </a:p>
+          <a:p>
+            <a:r>
+              <a:rPr lang="en-US" altLang="zh-CN" dirty="0" smtClean="0"/>
+              <a:t>Size: </a:t>
+            </a:r>
+            <a:r>
+              <a:rPr lang="en-US" altLang="zh-CN" dirty="0" smtClean="0"/>
+              <a:t>6576 </a:t>
+            </a:r>
+            <a:r>
+              <a:rPr lang="en-US" altLang="zh-CN" dirty="0" smtClean="0"/>
+              <a:t>LOC, </a:t>
+            </a:r>
+            <a:r>
+              <a:rPr lang="en-US" altLang="zh-CN" dirty="0" smtClean="0"/>
+              <a:t>71 test </a:t>
+            </a:r>
+            <a:r>
+              <a:rPr lang="en-US" altLang="zh-CN" dirty="0" smtClean="0"/>
+              <a:t>cases</a:t>
+            </a:r>
+          </a:p>
+          <a:p>
+            <a:r>
+              <a:rPr lang="en-US" altLang="zh-CN" dirty="0" smtClean="0"/>
+              <a:t>Source: github.com</a:t>
+            </a:r>
+            <a:endParaRPr lang="zh-CN" altLang="en-US" dirty="0"/>
           </a:p>
         </p:txBody>
       </p:sp>
@@ -23205,7 +21388,15 @@
                   <a:srgbClr val="000000"/>
                 </a:solidFill>
               </a:rPr>
-              <a:t>via AST.</a:t>
+              <a:t>via AST(Abstract Syntax Tree</a:t>
+            </a:r>
+            <a:r>
+              <a:rPr lang="en-US" altLang="zh-CN" dirty="0">
+                <a:solidFill>
+                  <a:srgbClr val="000000"/>
+                </a:solidFill>
+              </a:rPr>
+              <a:t>).</a:t>
             </a:r>
             <a:endParaRPr lang="zh-CN" altLang="en-US" dirty="0">
               <a:solidFill>
